--- a/presentaciónEDA.pptx
+++ b/presentaciónEDA.pptx
@@ -10,20 +10,26 @@
     <p:sldId id="280" r:id="rId4"/>
     <p:sldId id="281" r:id="rId5"/>
     <p:sldId id="282" r:id="rId6"/>
-    <p:sldId id="283" r:id="rId7"/>
-    <p:sldId id="258" r:id="rId8"/>
-    <p:sldId id="259" r:id="rId9"/>
-    <p:sldId id="260" r:id="rId10"/>
-    <p:sldId id="261" r:id="rId11"/>
-    <p:sldId id="269" r:id="rId12"/>
-    <p:sldId id="270" r:id="rId13"/>
-    <p:sldId id="272" r:id="rId14"/>
-    <p:sldId id="273" r:id="rId15"/>
-    <p:sldId id="276" r:id="rId16"/>
-    <p:sldId id="274" r:id="rId17"/>
-    <p:sldId id="277" r:id="rId18"/>
-    <p:sldId id="275" r:id="rId19"/>
-    <p:sldId id="278" r:id="rId20"/>
+    <p:sldId id="288" r:id="rId7"/>
+    <p:sldId id="291" r:id="rId8"/>
+    <p:sldId id="290" r:id="rId9"/>
+    <p:sldId id="258" r:id="rId10"/>
+    <p:sldId id="259" r:id="rId11"/>
+    <p:sldId id="260" r:id="rId12"/>
+    <p:sldId id="261" r:id="rId13"/>
+    <p:sldId id="269" r:id="rId14"/>
+    <p:sldId id="270" r:id="rId15"/>
+    <p:sldId id="272" r:id="rId16"/>
+    <p:sldId id="273" r:id="rId17"/>
+    <p:sldId id="276" r:id="rId18"/>
+    <p:sldId id="274" r:id="rId19"/>
+    <p:sldId id="277" r:id="rId20"/>
+    <p:sldId id="275" r:id="rId21"/>
+    <p:sldId id="278" r:id="rId22"/>
+    <p:sldId id="285" r:id="rId23"/>
+    <p:sldId id="284" r:id="rId24"/>
+    <p:sldId id="286" r:id="rId25"/>
+    <p:sldId id="287" r:id="rId26"/>
   </p:sldIdLst>
   <p:sldSz cx="12192000" cy="6858000"/>
   <p:notesSz cx="6858000" cy="9144000"/>
@@ -130,6 +136,2652 @@
 </p:presentation>
 </file>
 
+<file path=ppt/diagrams/colors1.xml><?xml version="1.0" encoding="utf-8"?>
+<dgm:colorsDef xmlns:dgm="http://schemas.openxmlformats.org/drawingml/2006/diagram" xmlns:a="http://schemas.openxmlformats.org/drawingml/2006/main" uniqueId="urn:microsoft.com/office/officeart/2005/8/colors/colorful5">
+  <dgm:title val=""/>
+  <dgm:desc val=""/>
+  <dgm:catLst>
+    <dgm:cat type="colorful" pri="10500"/>
+  </dgm:catLst>
+  <dgm:styleLbl name="node0">
+    <dgm:fillClrLst meth="repeat">
+      <a:schemeClr val="accent4"/>
+    </dgm:fillClrLst>
+    <dgm:linClrLst meth="repeat">
+      <a:schemeClr val="lt1"/>
+    </dgm:linClrLst>
+    <dgm:effectClrLst/>
+    <dgm:txLinClrLst/>
+    <dgm:txFillClrLst/>
+    <dgm:txEffectClrLst/>
+  </dgm:styleLbl>
+  <dgm:styleLbl name="node1">
+    <dgm:fillClrLst>
+      <a:schemeClr val="accent5"/>
+      <a:schemeClr val="accent6"/>
+    </dgm:fillClrLst>
+    <dgm:linClrLst meth="repeat">
+      <a:schemeClr val="lt1"/>
+    </dgm:linClrLst>
+    <dgm:effectClrLst/>
+    <dgm:txLinClrLst/>
+    <dgm:txFillClrLst/>
+    <dgm:txEffectClrLst/>
+  </dgm:styleLbl>
+  <dgm:styleLbl name="alignNode1">
+    <dgm:fillClrLst>
+      <a:schemeClr val="accent5"/>
+      <a:schemeClr val="accent6"/>
+    </dgm:fillClrLst>
+    <dgm:linClrLst>
+      <a:schemeClr val="accent5"/>
+      <a:schemeClr val="accent6"/>
+    </dgm:linClrLst>
+    <dgm:effectClrLst/>
+    <dgm:txLinClrLst/>
+    <dgm:txFillClrLst/>
+    <dgm:txEffectClrLst/>
+  </dgm:styleLbl>
+  <dgm:styleLbl name="lnNode1">
+    <dgm:fillClrLst>
+      <a:schemeClr val="accent5"/>
+      <a:schemeClr val="accent6"/>
+    </dgm:fillClrLst>
+    <dgm:linClrLst meth="repeat">
+      <a:schemeClr val="lt1"/>
+    </dgm:linClrLst>
+    <dgm:effectClrLst/>
+    <dgm:txLinClrLst/>
+    <dgm:txFillClrLst/>
+    <dgm:txEffectClrLst/>
+  </dgm:styleLbl>
+  <dgm:styleLbl name="vennNode1">
+    <dgm:fillClrLst>
+      <a:schemeClr val="accent5">
+        <a:alpha val="50000"/>
+      </a:schemeClr>
+      <a:schemeClr val="accent6">
+        <a:alpha val="50000"/>
+      </a:schemeClr>
+    </dgm:fillClrLst>
+    <dgm:linClrLst meth="repeat">
+      <a:schemeClr val="lt1"/>
+    </dgm:linClrLst>
+    <dgm:effectClrLst/>
+    <dgm:txLinClrLst/>
+    <dgm:txFillClrLst/>
+    <dgm:txEffectClrLst/>
+  </dgm:styleLbl>
+  <dgm:styleLbl name="node2">
+    <dgm:fillClrLst>
+      <a:schemeClr val="accent6"/>
+    </dgm:fillClrLst>
+    <dgm:linClrLst meth="repeat">
+      <a:schemeClr val="lt1"/>
+    </dgm:linClrLst>
+    <dgm:effectClrLst/>
+    <dgm:txLinClrLst/>
+    <dgm:txFillClrLst/>
+    <dgm:txEffectClrLst/>
+  </dgm:styleLbl>
+  <dgm:styleLbl name="node3">
+    <dgm:fillClrLst>
+      <a:schemeClr val="accent1"/>
+    </dgm:fillClrLst>
+    <dgm:linClrLst meth="repeat">
+      <a:schemeClr val="lt1"/>
+    </dgm:linClrLst>
+    <dgm:effectClrLst/>
+    <dgm:txLinClrLst/>
+    <dgm:txFillClrLst/>
+    <dgm:txEffectClrLst/>
+  </dgm:styleLbl>
+  <dgm:styleLbl name="node4">
+    <dgm:fillClrLst>
+      <a:schemeClr val="accent2"/>
+    </dgm:fillClrLst>
+    <dgm:linClrLst meth="repeat">
+      <a:schemeClr val="lt1"/>
+    </dgm:linClrLst>
+    <dgm:effectClrLst/>
+    <dgm:txLinClrLst/>
+    <dgm:txFillClrLst/>
+    <dgm:txEffectClrLst/>
+  </dgm:styleLbl>
+  <dgm:styleLbl name="fgImgPlace1">
+    <dgm:fillClrLst>
+      <a:schemeClr val="accent5">
+        <a:tint val="50000"/>
+      </a:schemeClr>
+      <a:schemeClr val="accent6">
+        <a:tint val="50000"/>
+      </a:schemeClr>
+    </dgm:fillClrLst>
+    <dgm:linClrLst meth="repeat">
+      <a:schemeClr val="lt1"/>
+    </dgm:linClrLst>
+    <dgm:effectClrLst/>
+    <dgm:txLinClrLst/>
+    <dgm:txFillClrLst meth="repeat">
+      <a:schemeClr val="lt1"/>
+    </dgm:txFillClrLst>
+    <dgm:txEffectClrLst/>
+  </dgm:styleLbl>
+  <dgm:styleLbl name="alignImgPlace1">
+    <dgm:fillClrLst>
+      <a:schemeClr val="accent5">
+        <a:tint val="50000"/>
+      </a:schemeClr>
+      <a:schemeClr val="accent6">
+        <a:tint val="20000"/>
+      </a:schemeClr>
+    </dgm:fillClrLst>
+    <dgm:linClrLst meth="repeat">
+      <a:schemeClr val="lt1"/>
+    </dgm:linClrLst>
+    <dgm:effectClrLst/>
+    <dgm:txLinClrLst/>
+    <dgm:txFillClrLst meth="repeat">
+      <a:schemeClr val="lt1"/>
+    </dgm:txFillClrLst>
+    <dgm:txEffectClrLst/>
+  </dgm:styleLbl>
+  <dgm:styleLbl name="bgImgPlace1">
+    <dgm:fillClrLst>
+      <a:schemeClr val="accent5">
+        <a:tint val="50000"/>
+      </a:schemeClr>
+      <a:schemeClr val="accent6">
+        <a:tint val="20000"/>
+      </a:schemeClr>
+    </dgm:fillClrLst>
+    <dgm:linClrLst meth="repeat">
+      <a:schemeClr val="lt1"/>
+    </dgm:linClrLst>
+    <dgm:effectClrLst/>
+    <dgm:txLinClrLst/>
+    <dgm:txFillClrLst meth="repeat">
+      <a:schemeClr val="lt1"/>
+    </dgm:txFillClrLst>
+    <dgm:txEffectClrLst/>
+  </dgm:styleLbl>
+  <dgm:styleLbl name="sibTrans2D1">
+    <dgm:fillClrLst>
+      <a:schemeClr val="accent5"/>
+      <a:schemeClr val="accent6"/>
+    </dgm:fillClrLst>
+    <dgm:linClrLst meth="repeat">
+      <a:schemeClr val="lt1"/>
+    </dgm:linClrLst>
+    <dgm:effectClrLst/>
+    <dgm:txLinClrLst/>
+    <dgm:txFillClrLst/>
+    <dgm:txEffectClrLst/>
+  </dgm:styleLbl>
+  <dgm:styleLbl name="fgSibTrans2D1">
+    <dgm:fillClrLst>
+      <a:schemeClr val="accent5"/>
+      <a:schemeClr val="accent6"/>
+    </dgm:fillClrLst>
+    <dgm:linClrLst meth="repeat">
+      <a:schemeClr val="lt1"/>
+    </dgm:linClrLst>
+    <dgm:effectClrLst/>
+    <dgm:txLinClrLst/>
+    <dgm:txFillClrLst meth="repeat">
+      <a:schemeClr val="lt1"/>
+    </dgm:txFillClrLst>
+    <dgm:txEffectClrLst/>
+  </dgm:styleLbl>
+  <dgm:styleLbl name="bgSibTrans2D1">
+    <dgm:fillClrLst>
+      <a:schemeClr val="accent5"/>
+      <a:schemeClr val="accent6"/>
+    </dgm:fillClrLst>
+    <dgm:linClrLst meth="repeat">
+      <a:schemeClr val="lt1"/>
+    </dgm:linClrLst>
+    <dgm:effectClrLst/>
+    <dgm:txLinClrLst/>
+    <dgm:txFillClrLst meth="repeat">
+      <a:schemeClr val="lt1"/>
+    </dgm:txFillClrLst>
+    <dgm:txEffectClrLst/>
+  </dgm:styleLbl>
+  <dgm:styleLbl name="sibTrans1D1">
+    <dgm:fillClrLst/>
+    <dgm:linClrLst>
+      <a:schemeClr val="accent5"/>
+      <a:schemeClr val="accent6"/>
+    </dgm:linClrLst>
+    <dgm:effectClrLst/>
+    <dgm:txLinClrLst/>
+    <dgm:txFillClrLst meth="repeat">
+      <a:schemeClr val="tx1"/>
+    </dgm:txFillClrLst>
+    <dgm:txEffectClrLst/>
+  </dgm:styleLbl>
+  <dgm:styleLbl name="callout">
+    <dgm:fillClrLst meth="repeat">
+      <a:schemeClr val="accent5"/>
+    </dgm:fillClrLst>
+    <dgm:linClrLst meth="repeat">
+      <a:schemeClr val="accent5">
+        <a:tint val="50000"/>
+      </a:schemeClr>
+    </dgm:linClrLst>
+    <dgm:effectClrLst/>
+    <dgm:txLinClrLst/>
+    <dgm:txFillClrLst meth="repeat">
+      <a:schemeClr val="tx1"/>
+    </dgm:txFillClrLst>
+    <dgm:txEffectClrLst/>
+  </dgm:styleLbl>
+  <dgm:styleLbl name="asst0">
+    <dgm:fillClrLst meth="repeat">
+      <a:schemeClr val="accent5"/>
+    </dgm:fillClrLst>
+    <dgm:linClrLst meth="repeat">
+      <a:schemeClr val="lt1">
+        <a:shade val="80000"/>
+      </a:schemeClr>
+    </dgm:linClrLst>
+    <dgm:effectClrLst/>
+    <dgm:txLinClrLst/>
+    <dgm:txFillClrLst/>
+    <dgm:txEffectClrLst/>
+  </dgm:styleLbl>
+  <dgm:styleLbl name="asst1">
+    <dgm:fillClrLst meth="repeat">
+      <a:schemeClr val="accent6"/>
+    </dgm:fillClrLst>
+    <dgm:linClrLst meth="repeat">
+      <a:schemeClr val="lt1">
+        <a:shade val="80000"/>
+      </a:schemeClr>
+    </dgm:linClrLst>
+    <dgm:effectClrLst/>
+    <dgm:txLinClrLst/>
+    <dgm:txFillClrLst/>
+    <dgm:txEffectClrLst/>
+  </dgm:styleLbl>
+  <dgm:styleLbl name="asst2">
+    <dgm:fillClrLst>
+      <a:schemeClr val="accent1"/>
+    </dgm:fillClrLst>
+    <dgm:linClrLst meth="repeat">
+      <a:schemeClr val="lt1"/>
+    </dgm:linClrLst>
+    <dgm:effectClrLst/>
+    <dgm:txLinClrLst/>
+    <dgm:txFillClrLst/>
+    <dgm:txEffectClrLst/>
+  </dgm:styleLbl>
+  <dgm:styleLbl name="asst3">
+    <dgm:fillClrLst>
+      <a:schemeClr val="accent2"/>
+    </dgm:fillClrLst>
+    <dgm:linClrLst meth="repeat">
+      <a:schemeClr val="lt1"/>
+    </dgm:linClrLst>
+    <dgm:effectClrLst/>
+    <dgm:txLinClrLst/>
+    <dgm:txFillClrLst/>
+    <dgm:txEffectClrLst/>
+  </dgm:styleLbl>
+  <dgm:styleLbl name="asst4">
+    <dgm:fillClrLst>
+      <a:schemeClr val="accent3"/>
+    </dgm:fillClrLst>
+    <dgm:linClrLst meth="repeat">
+      <a:schemeClr val="lt1"/>
+    </dgm:linClrLst>
+    <dgm:effectClrLst/>
+    <dgm:txLinClrLst/>
+    <dgm:txFillClrLst/>
+    <dgm:txEffectClrLst/>
+  </dgm:styleLbl>
+  <dgm:styleLbl name="parChTrans2D1">
+    <dgm:fillClrLst meth="repeat">
+      <a:schemeClr val="accent5"/>
+    </dgm:fillClrLst>
+    <dgm:linClrLst meth="repeat">
+      <a:schemeClr val="lt1"/>
+    </dgm:linClrLst>
+    <dgm:effectClrLst/>
+    <dgm:txLinClrLst/>
+    <dgm:txFillClrLst meth="repeat">
+      <a:schemeClr val="lt1"/>
+    </dgm:txFillClrLst>
+    <dgm:txEffectClrLst/>
+  </dgm:styleLbl>
+  <dgm:styleLbl name="parChTrans2D2">
+    <dgm:fillClrLst meth="repeat">
+      <a:schemeClr val="accent6"/>
+    </dgm:fillClrLst>
+    <dgm:linClrLst meth="repeat">
+      <a:schemeClr val="lt1"/>
+    </dgm:linClrLst>
+    <dgm:effectClrLst/>
+    <dgm:txLinClrLst/>
+    <dgm:txFillClrLst/>
+    <dgm:txEffectClrLst/>
+  </dgm:styleLbl>
+  <dgm:styleLbl name="parChTrans2D3">
+    <dgm:fillClrLst meth="repeat">
+      <a:schemeClr val="accent6"/>
+    </dgm:fillClrLst>
+    <dgm:linClrLst meth="repeat">
+      <a:schemeClr val="lt1"/>
+    </dgm:linClrLst>
+    <dgm:effectClrLst/>
+    <dgm:txLinClrLst/>
+    <dgm:txFillClrLst/>
+    <dgm:txEffectClrLst/>
+  </dgm:styleLbl>
+  <dgm:styleLbl name="parChTrans2D4">
+    <dgm:fillClrLst meth="repeat">
+      <a:schemeClr val="accent1"/>
+    </dgm:fillClrLst>
+    <dgm:linClrLst meth="repeat">
+      <a:schemeClr val="lt1"/>
+    </dgm:linClrLst>
+    <dgm:effectClrLst/>
+    <dgm:txLinClrLst/>
+    <dgm:txFillClrLst meth="repeat">
+      <a:schemeClr val="lt1"/>
+    </dgm:txFillClrLst>
+    <dgm:txEffectClrLst/>
+  </dgm:styleLbl>
+  <dgm:styleLbl name="parChTrans1D1">
+    <dgm:fillClrLst meth="repeat">
+      <a:schemeClr val="accent5"/>
+    </dgm:fillClrLst>
+    <dgm:linClrLst meth="repeat">
+      <a:schemeClr val="accent5"/>
+    </dgm:linClrLst>
+    <dgm:effectClrLst/>
+    <dgm:txLinClrLst/>
+    <dgm:txFillClrLst meth="repeat">
+      <a:schemeClr val="tx1"/>
+    </dgm:txFillClrLst>
+    <dgm:txEffectClrLst/>
+  </dgm:styleLbl>
+  <dgm:styleLbl name="parChTrans1D2">
+    <dgm:fillClrLst meth="repeat">
+      <a:schemeClr val="accent6">
+        <a:tint val="90000"/>
+      </a:schemeClr>
+    </dgm:fillClrLst>
+    <dgm:linClrLst meth="repeat">
+      <a:schemeClr val="accent6"/>
+    </dgm:linClrLst>
+    <dgm:effectClrLst/>
+    <dgm:txLinClrLst/>
+    <dgm:txFillClrLst meth="repeat">
+      <a:schemeClr val="tx1"/>
+    </dgm:txFillClrLst>
+    <dgm:txEffectClrLst/>
+  </dgm:styleLbl>
+  <dgm:styleLbl name="parChTrans1D3">
+    <dgm:fillClrLst meth="repeat">
+      <a:schemeClr val="accent6">
+        <a:tint val="70000"/>
+      </a:schemeClr>
+    </dgm:fillClrLst>
+    <dgm:linClrLst meth="repeat">
+      <a:schemeClr val="accent1"/>
+    </dgm:linClrLst>
+    <dgm:effectClrLst/>
+    <dgm:txLinClrLst/>
+    <dgm:txFillClrLst meth="repeat">
+      <a:schemeClr val="tx1"/>
+    </dgm:txFillClrLst>
+    <dgm:txEffectClrLst/>
+  </dgm:styleLbl>
+  <dgm:styleLbl name="parChTrans1D4">
+    <dgm:fillClrLst meth="repeat">
+      <a:schemeClr val="accent6">
+        <a:tint val="50000"/>
+      </a:schemeClr>
+    </dgm:fillClrLst>
+    <dgm:linClrLst meth="repeat">
+      <a:schemeClr val="accent2"/>
+    </dgm:linClrLst>
+    <dgm:effectClrLst/>
+    <dgm:txLinClrLst/>
+    <dgm:txFillClrLst meth="repeat">
+      <a:schemeClr val="tx1"/>
+    </dgm:txFillClrLst>
+    <dgm:txEffectClrLst/>
+  </dgm:styleLbl>
+  <dgm:styleLbl name="fgAcc1">
+    <dgm:fillClrLst meth="repeat">
+      <a:schemeClr val="lt1">
+        <a:alpha val="90000"/>
+      </a:schemeClr>
+    </dgm:fillClrLst>
+    <dgm:linClrLst>
+      <a:schemeClr val="accent5"/>
+      <a:schemeClr val="accent6"/>
+    </dgm:linClrLst>
+    <dgm:effectClrLst/>
+    <dgm:txLinClrLst/>
+    <dgm:txFillClrLst meth="repeat">
+      <a:schemeClr val="dk1"/>
+    </dgm:txFillClrLst>
+    <dgm:txEffectClrLst/>
+  </dgm:styleLbl>
+  <dgm:styleLbl name="conFgAcc1">
+    <dgm:fillClrLst meth="repeat">
+      <a:schemeClr val="lt1">
+        <a:alpha val="90000"/>
+      </a:schemeClr>
+    </dgm:fillClrLst>
+    <dgm:linClrLst>
+      <a:schemeClr val="accent5"/>
+      <a:schemeClr val="accent6"/>
+    </dgm:linClrLst>
+    <dgm:effectClrLst/>
+    <dgm:txLinClrLst/>
+    <dgm:txFillClrLst meth="repeat">
+      <a:schemeClr val="dk1"/>
+    </dgm:txFillClrLst>
+    <dgm:txEffectClrLst/>
+  </dgm:styleLbl>
+  <dgm:styleLbl name="alignAcc1">
+    <dgm:fillClrLst meth="repeat">
+      <a:schemeClr val="lt1">
+        <a:alpha val="90000"/>
+      </a:schemeClr>
+    </dgm:fillClrLst>
+    <dgm:linClrLst>
+      <a:schemeClr val="accent5"/>
+      <a:schemeClr val="accent6"/>
+    </dgm:linClrLst>
+    <dgm:effectClrLst/>
+    <dgm:txLinClrLst/>
+    <dgm:txFillClrLst meth="repeat">
+      <a:schemeClr val="dk1"/>
+    </dgm:txFillClrLst>
+    <dgm:txEffectClrLst/>
+  </dgm:styleLbl>
+  <dgm:styleLbl name="trAlignAcc1">
+    <dgm:fillClrLst meth="repeat">
+      <a:schemeClr val="lt1">
+        <a:alpha val="40000"/>
+      </a:schemeClr>
+    </dgm:fillClrLst>
+    <dgm:linClrLst meth="repeat">
+      <a:schemeClr val="accent5"/>
+    </dgm:linClrLst>
+    <dgm:effectClrLst/>
+    <dgm:txLinClrLst/>
+    <dgm:txFillClrLst meth="repeat">
+      <a:schemeClr val="dk1"/>
+    </dgm:txFillClrLst>
+    <dgm:txEffectClrLst/>
+  </dgm:styleLbl>
+  <dgm:styleLbl name="bgAcc1">
+    <dgm:fillClrLst meth="repeat">
+      <a:schemeClr val="lt1">
+        <a:alpha val="90000"/>
+      </a:schemeClr>
+    </dgm:fillClrLst>
+    <dgm:linClrLst>
+      <a:schemeClr val="accent5"/>
+      <a:schemeClr val="accent6"/>
+    </dgm:linClrLst>
+    <dgm:effectClrLst/>
+    <dgm:txLinClrLst/>
+    <dgm:txFillClrLst meth="repeat">
+      <a:schemeClr val="dk1"/>
+    </dgm:txFillClrLst>
+    <dgm:txEffectClrLst/>
+  </dgm:styleLbl>
+  <dgm:styleLbl name="solidFgAcc1">
+    <dgm:fillClrLst meth="repeat">
+      <a:schemeClr val="lt1"/>
+    </dgm:fillClrLst>
+    <dgm:linClrLst>
+      <a:schemeClr val="accent5"/>
+      <a:schemeClr val="accent6"/>
+    </dgm:linClrLst>
+    <dgm:effectClrLst/>
+    <dgm:txLinClrLst/>
+    <dgm:txFillClrLst meth="repeat">
+      <a:schemeClr val="dk1"/>
+    </dgm:txFillClrLst>
+    <dgm:txEffectClrLst/>
+  </dgm:styleLbl>
+  <dgm:styleLbl name="solidAlignAcc1">
+    <dgm:fillClrLst meth="repeat">
+      <a:schemeClr val="lt1"/>
+    </dgm:fillClrLst>
+    <dgm:linClrLst>
+      <a:schemeClr val="accent5"/>
+      <a:schemeClr val="accent6"/>
+    </dgm:linClrLst>
+    <dgm:effectClrLst/>
+    <dgm:txLinClrLst/>
+    <dgm:txFillClrLst meth="repeat">
+      <a:schemeClr val="dk1"/>
+    </dgm:txFillClrLst>
+    <dgm:txEffectClrLst/>
+  </dgm:styleLbl>
+  <dgm:styleLbl name="solidBgAcc1">
+    <dgm:fillClrLst meth="repeat">
+      <a:schemeClr val="lt1"/>
+    </dgm:fillClrLst>
+    <dgm:linClrLst>
+      <a:schemeClr val="accent5"/>
+      <a:schemeClr val="accent6"/>
+    </dgm:linClrLst>
+    <dgm:effectClrLst/>
+    <dgm:txLinClrLst/>
+    <dgm:txFillClrLst meth="repeat">
+      <a:schemeClr val="dk1"/>
+    </dgm:txFillClrLst>
+    <dgm:txEffectClrLst/>
+  </dgm:styleLbl>
+  <dgm:styleLbl name="fgAccFollowNode1">
+    <dgm:fillClrLst>
+      <a:schemeClr val="accent5">
+        <a:tint val="40000"/>
+        <a:alpha val="90000"/>
+      </a:schemeClr>
+      <a:schemeClr val="accent6">
+        <a:tint val="40000"/>
+        <a:alpha val="90000"/>
+      </a:schemeClr>
+    </dgm:fillClrLst>
+    <dgm:linClrLst>
+      <a:schemeClr val="accent5">
+        <a:tint val="40000"/>
+        <a:alpha val="90000"/>
+      </a:schemeClr>
+      <a:schemeClr val="accent5">
+        <a:tint val="40000"/>
+        <a:alpha val="90000"/>
+      </a:schemeClr>
+    </dgm:linClrLst>
+    <dgm:effectClrLst/>
+    <dgm:txLinClrLst/>
+    <dgm:txFillClrLst meth="repeat">
+      <a:schemeClr val="dk1"/>
+    </dgm:txFillClrLst>
+    <dgm:txEffectClrLst/>
+  </dgm:styleLbl>
+  <dgm:styleLbl name="alignAccFollowNode1">
+    <dgm:fillClrLst>
+      <a:schemeClr val="accent5">
+        <a:tint val="40000"/>
+        <a:alpha val="90000"/>
+      </a:schemeClr>
+      <a:schemeClr val="accent6">
+        <a:tint val="40000"/>
+        <a:alpha val="90000"/>
+      </a:schemeClr>
+    </dgm:fillClrLst>
+    <dgm:linClrLst>
+      <a:schemeClr val="accent5">
+        <a:tint val="40000"/>
+        <a:alpha val="90000"/>
+      </a:schemeClr>
+      <a:schemeClr val="accent6">
+        <a:tint val="40000"/>
+        <a:alpha val="90000"/>
+      </a:schemeClr>
+    </dgm:linClrLst>
+    <dgm:effectClrLst/>
+    <dgm:txLinClrLst/>
+    <dgm:txFillClrLst meth="repeat">
+      <a:schemeClr val="dk1"/>
+    </dgm:txFillClrLst>
+    <dgm:txEffectClrLst/>
+  </dgm:styleLbl>
+  <dgm:styleLbl name="bgAccFollowNode1">
+    <dgm:fillClrLst>
+      <a:schemeClr val="accent5">
+        <a:tint val="40000"/>
+        <a:alpha val="90000"/>
+      </a:schemeClr>
+      <a:schemeClr val="accent6">
+        <a:tint val="40000"/>
+        <a:alpha val="90000"/>
+      </a:schemeClr>
+    </dgm:fillClrLst>
+    <dgm:linClrLst>
+      <a:schemeClr val="accent5">
+        <a:tint val="40000"/>
+        <a:alpha val="90000"/>
+      </a:schemeClr>
+      <a:schemeClr val="accent6">
+        <a:tint val="40000"/>
+        <a:alpha val="90000"/>
+      </a:schemeClr>
+    </dgm:linClrLst>
+    <dgm:effectClrLst/>
+    <dgm:txLinClrLst/>
+    <dgm:txFillClrLst meth="repeat">
+      <a:schemeClr val="dk1"/>
+    </dgm:txFillClrLst>
+    <dgm:txEffectClrLst/>
+  </dgm:styleLbl>
+  <dgm:styleLbl name="fgAcc0">
+    <dgm:fillClrLst meth="repeat">
+      <a:schemeClr val="lt1">
+        <a:alpha val="90000"/>
+      </a:schemeClr>
+    </dgm:fillClrLst>
+    <dgm:linClrLst>
+      <a:schemeClr val="accent4"/>
+    </dgm:linClrLst>
+    <dgm:effectClrLst/>
+    <dgm:txLinClrLst/>
+    <dgm:txFillClrLst meth="repeat">
+      <a:schemeClr val="dk1"/>
+    </dgm:txFillClrLst>
+    <dgm:txEffectClrLst/>
+  </dgm:styleLbl>
+  <dgm:styleLbl name="fgAcc2">
+    <dgm:fillClrLst meth="repeat">
+      <a:schemeClr val="lt1">
+        <a:alpha val="90000"/>
+      </a:schemeClr>
+    </dgm:fillClrLst>
+    <dgm:linClrLst>
+      <a:schemeClr val="accent6"/>
+    </dgm:linClrLst>
+    <dgm:effectClrLst/>
+    <dgm:txLinClrLst/>
+    <dgm:txFillClrLst meth="repeat">
+      <a:schemeClr val="dk1"/>
+    </dgm:txFillClrLst>
+    <dgm:txEffectClrLst/>
+  </dgm:styleLbl>
+  <dgm:styleLbl name="fgAcc3">
+    <dgm:fillClrLst meth="repeat">
+      <a:schemeClr val="lt1">
+        <a:alpha val="90000"/>
+      </a:schemeClr>
+    </dgm:fillClrLst>
+    <dgm:linClrLst>
+      <a:schemeClr val="accent1"/>
+    </dgm:linClrLst>
+    <dgm:effectClrLst/>
+    <dgm:txLinClrLst/>
+    <dgm:txFillClrLst meth="repeat">
+      <a:schemeClr val="dk1"/>
+    </dgm:txFillClrLst>
+    <dgm:txEffectClrLst/>
+  </dgm:styleLbl>
+  <dgm:styleLbl name="fgAcc4">
+    <dgm:fillClrLst meth="repeat">
+      <a:schemeClr val="lt1">
+        <a:alpha val="90000"/>
+      </a:schemeClr>
+    </dgm:fillClrLst>
+    <dgm:linClrLst>
+      <a:schemeClr val="accent2"/>
+    </dgm:linClrLst>
+    <dgm:effectClrLst/>
+    <dgm:txLinClrLst/>
+    <dgm:txFillClrLst meth="repeat">
+      <a:schemeClr val="dk1"/>
+    </dgm:txFillClrLst>
+    <dgm:txEffectClrLst/>
+  </dgm:styleLbl>
+  <dgm:styleLbl name="bgShp">
+    <dgm:fillClrLst meth="repeat">
+      <a:schemeClr val="accent5">
+        <a:tint val="40000"/>
+      </a:schemeClr>
+    </dgm:fillClrLst>
+    <dgm:linClrLst meth="repeat">
+      <a:schemeClr val="dk1"/>
+    </dgm:linClrLst>
+    <dgm:effectClrLst/>
+    <dgm:txLinClrLst/>
+    <dgm:txFillClrLst meth="repeat">
+      <a:schemeClr val="dk1"/>
+    </dgm:txFillClrLst>
+    <dgm:txEffectClrLst/>
+  </dgm:styleLbl>
+  <dgm:styleLbl name="dkBgShp">
+    <dgm:fillClrLst meth="repeat">
+      <a:schemeClr val="accent5">
+        <a:shade val="90000"/>
+      </a:schemeClr>
+    </dgm:fillClrLst>
+    <dgm:linClrLst meth="repeat">
+      <a:schemeClr val="dk1"/>
+    </dgm:linClrLst>
+    <dgm:effectClrLst/>
+    <dgm:txLinClrLst/>
+    <dgm:txFillClrLst meth="repeat">
+      <a:schemeClr val="lt1"/>
+    </dgm:txFillClrLst>
+    <dgm:txEffectClrLst/>
+  </dgm:styleLbl>
+  <dgm:styleLbl name="trBgShp">
+    <dgm:fillClrLst meth="repeat">
+      <a:schemeClr val="accent5">
+        <a:tint val="50000"/>
+        <a:alpha val="40000"/>
+      </a:schemeClr>
+    </dgm:fillClrLst>
+    <dgm:linClrLst meth="repeat">
+      <a:schemeClr val="accent5"/>
+    </dgm:linClrLst>
+    <dgm:effectClrLst/>
+    <dgm:txLinClrLst/>
+    <dgm:txFillClrLst meth="repeat">
+      <a:schemeClr val="lt1"/>
+    </dgm:txFillClrLst>
+    <dgm:txEffectClrLst/>
+  </dgm:styleLbl>
+  <dgm:styleLbl name="fgShp">
+    <dgm:fillClrLst meth="repeat">
+      <a:schemeClr val="accent5">
+        <a:tint val="40000"/>
+      </a:schemeClr>
+    </dgm:fillClrLst>
+    <dgm:linClrLst meth="repeat">
+      <a:schemeClr val="lt1"/>
+    </dgm:linClrLst>
+    <dgm:effectClrLst/>
+    <dgm:txLinClrLst/>
+    <dgm:txFillClrLst meth="repeat">
+      <a:schemeClr val="dk1"/>
+    </dgm:txFillClrLst>
+    <dgm:txEffectClrLst/>
+  </dgm:styleLbl>
+  <dgm:styleLbl name="revTx">
+    <dgm:fillClrLst meth="repeat">
+      <a:schemeClr val="lt1">
+        <a:alpha val="0"/>
+      </a:schemeClr>
+    </dgm:fillClrLst>
+    <dgm:linClrLst meth="repeat">
+      <a:schemeClr val="dk1">
+        <a:alpha val="0"/>
+      </a:schemeClr>
+    </dgm:linClrLst>
+    <dgm:effectClrLst/>
+    <dgm:txLinClrLst/>
+    <dgm:txFillClrLst meth="repeat">
+      <a:schemeClr val="tx1"/>
+    </dgm:txFillClrLst>
+    <dgm:txEffectClrLst/>
+  </dgm:styleLbl>
+</dgm:colorsDef>
+</file>
+
+<file path=ppt/diagrams/data1.xml><?xml version="1.0" encoding="utf-8"?>
+<dgm:dataModel xmlns:dgm="http://schemas.openxmlformats.org/drawingml/2006/diagram" xmlns:a="http://schemas.openxmlformats.org/drawingml/2006/main">
+  <dgm:ptLst>
+    <dgm:pt modelId="{25DA5191-9537-4EBA-B639-627D72322A9B}" type="doc">
+      <dgm:prSet loTypeId="urn:microsoft.com/office/officeart/2005/8/layout/matrix3" loCatId="matrix" qsTypeId="urn:microsoft.com/office/officeart/2005/8/quickstyle/simple1" qsCatId="simple" csTypeId="urn:microsoft.com/office/officeart/2005/8/colors/colorful5" csCatId="colorful"/>
+      <dgm:spPr/>
+      <dgm:t>
+        <a:bodyPr/>
+        <a:lstStyle/>
+        <a:p>
+          <a:endParaRPr lang="en-US"/>
+        </a:p>
+      </dgm:t>
+    </dgm:pt>
+    <dgm:pt modelId="{9A8608DA-4942-4E3A-A70D-95530FD7A9B5}">
+      <dgm:prSet/>
+      <dgm:spPr/>
+      <dgm:t>
+        <a:bodyPr/>
+        <a:lstStyle/>
+        <a:p>
+          <a:r>
+            <a:rPr lang="es-MX"/>
+            <a:t>Comprender el concepto de la tarifa de Gran Demanda Media Tensión Horaria, cómo se mide y por qué se utiliza.</a:t>
+          </a:r>
+          <a:endParaRPr lang="en-US"/>
+        </a:p>
+      </dgm:t>
+    </dgm:pt>
+    <dgm:pt modelId="{1CB0F3C2-355F-4BFA-8EC4-AC1CF525BDB5}" type="parTrans" cxnId="{84496CCE-7E1F-47B5-A443-98B76697C2CB}">
+      <dgm:prSet/>
+      <dgm:spPr/>
+      <dgm:t>
+        <a:bodyPr/>
+        <a:lstStyle/>
+        <a:p>
+          <a:endParaRPr lang="en-US"/>
+        </a:p>
+      </dgm:t>
+    </dgm:pt>
+    <dgm:pt modelId="{8D9D721D-DED4-440C-8360-5F696D836B79}" type="sibTrans" cxnId="{84496CCE-7E1F-47B5-A443-98B76697C2CB}">
+      <dgm:prSet/>
+      <dgm:spPr/>
+      <dgm:t>
+        <a:bodyPr/>
+        <a:lstStyle/>
+        <a:p>
+          <a:endParaRPr lang="en-US"/>
+        </a:p>
+      </dgm:t>
+    </dgm:pt>
+    <dgm:pt modelId="{C6E41122-1708-449D-9E78-9E1CE3DB1173}">
+      <dgm:prSet/>
+      <dgm:spPr/>
+      <dgm:t>
+        <a:bodyPr/>
+        <a:lstStyle/>
+        <a:p>
+          <a:r>
+            <a:rPr lang="es-MX"/>
+            <a:t>Presentar un caso de cálculo de dicha tarifa.</a:t>
+          </a:r>
+          <a:endParaRPr lang="en-US"/>
+        </a:p>
+      </dgm:t>
+    </dgm:pt>
+    <dgm:pt modelId="{FCD0C87A-6ADC-491B-9CBD-77477F1A0B63}" type="parTrans" cxnId="{14B0C8A8-C3DA-4959-AFCC-1501FBCE428B}">
+      <dgm:prSet/>
+      <dgm:spPr/>
+      <dgm:t>
+        <a:bodyPr/>
+        <a:lstStyle/>
+        <a:p>
+          <a:endParaRPr lang="en-US"/>
+        </a:p>
+      </dgm:t>
+    </dgm:pt>
+    <dgm:pt modelId="{EE1B0663-247A-4B10-8C12-663A07E642E5}" type="sibTrans" cxnId="{14B0C8A8-C3DA-4959-AFCC-1501FBCE428B}">
+      <dgm:prSet/>
+      <dgm:spPr/>
+      <dgm:t>
+        <a:bodyPr/>
+        <a:lstStyle/>
+        <a:p>
+          <a:endParaRPr lang="en-US"/>
+        </a:p>
+      </dgm:t>
+    </dgm:pt>
+    <dgm:pt modelId="{26099B20-D6B8-4D5A-A681-34E3CFC41EFB}">
+      <dgm:prSet/>
+      <dgm:spPr/>
+      <dgm:t>
+        <a:bodyPr/>
+        <a:lstStyle/>
+        <a:p>
+          <a:r>
+            <a:rPr lang="es-MX"/>
+            <a:t>Realizar análisis cuantitativo de la variación en los precios de esta tarifa para cada región del país y la variación temporal de los mismos.</a:t>
+          </a:r>
+          <a:endParaRPr lang="en-US"/>
+        </a:p>
+      </dgm:t>
+    </dgm:pt>
+    <dgm:pt modelId="{CFA7A23F-CB4A-4BEA-A1F5-F4AC0696FA62}" type="parTrans" cxnId="{523982F7-A065-4038-B2B8-3BC9DB88218D}">
+      <dgm:prSet/>
+      <dgm:spPr/>
+      <dgm:t>
+        <a:bodyPr/>
+        <a:lstStyle/>
+        <a:p>
+          <a:endParaRPr lang="en-US"/>
+        </a:p>
+      </dgm:t>
+    </dgm:pt>
+    <dgm:pt modelId="{0AD57056-112E-4C96-B9F9-7750A2C21B68}" type="sibTrans" cxnId="{523982F7-A065-4038-B2B8-3BC9DB88218D}">
+      <dgm:prSet/>
+      <dgm:spPr/>
+      <dgm:t>
+        <a:bodyPr/>
+        <a:lstStyle/>
+        <a:p>
+          <a:endParaRPr lang="en-US"/>
+        </a:p>
+      </dgm:t>
+    </dgm:pt>
+    <dgm:pt modelId="{170218FA-41B8-4B3E-ABDA-C6F9ED8521B6}">
+      <dgm:prSet/>
+      <dgm:spPr/>
+      <dgm:t>
+        <a:bodyPr/>
+        <a:lstStyle/>
+        <a:p>
+          <a:r>
+            <a:rPr lang="es-MX"/>
+            <a:t>Proyectar el costo de la tarifa intermedia de los siguientes 4 meses para una región particular.</a:t>
+          </a:r>
+          <a:endParaRPr lang="en-US"/>
+        </a:p>
+      </dgm:t>
+    </dgm:pt>
+    <dgm:pt modelId="{9074FB27-C506-4772-9D6D-684EB01191FE}" type="parTrans" cxnId="{54ADFA73-4665-4431-9460-3650F8CA3FE4}">
+      <dgm:prSet/>
+      <dgm:spPr/>
+      <dgm:t>
+        <a:bodyPr/>
+        <a:lstStyle/>
+        <a:p>
+          <a:endParaRPr lang="en-US"/>
+        </a:p>
+      </dgm:t>
+    </dgm:pt>
+    <dgm:pt modelId="{3EDEAD8C-0D90-43F0-8D35-5EB0013C0D6C}" type="sibTrans" cxnId="{54ADFA73-4665-4431-9460-3650F8CA3FE4}">
+      <dgm:prSet/>
+      <dgm:spPr/>
+      <dgm:t>
+        <a:bodyPr/>
+        <a:lstStyle/>
+        <a:p>
+          <a:endParaRPr lang="en-US"/>
+        </a:p>
+      </dgm:t>
+    </dgm:pt>
+    <dgm:pt modelId="{7B732CA7-7801-4553-8983-B74214B422B7}" type="pres">
+      <dgm:prSet presAssocID="{25DA5191-9537-4EBA-B639-627D72322A9B}" presName="matrix" presStyleCnt="0">
+        <dgm:presLayoutVars>
+          <dgm:chMax val="1"/>
+          <dgm:dir/>
+          <dgm:resizeHandles val="exact"/>
+        </dgm:presLayoutVars>
+      </dgm:prSet>
+      <dgm:spPr/>
+    </dgm:pt>
+    <dgm:pt modelId="{D02B9BC8-AFCE-4FD3-9B08-46135BCA1ABB}" type="pres">
+      <dgm:prSet presAssocID="{25DA5191-9537-4EBA-B639-627D72322A9B}" presName="diamond" presStyleLbl="bgShp" presStyleIdx="0" presStyleCnt="1"/>
+      <dgm:spPr/>
+    </dgm:pt>
+    <dgm:pt modelId="{35B99297-5BC0-4604-A905-CF24F4732E38}" type="pres">
+      <dgm:prSet presAssocID="{25DA5191-9537-4EBA-B639-627D72322A9B}" presName="quad1" presStyleLbl="node1" presStyleIdx="0" presStyleCnt="4">
+        <dgm:presLayoutVars>
+          <dgm:chMax val="0"/>
+          <dgm:chPref val="0"/>
+          <dgm:bulletEnabled val="1"/>
+        </dgm:presLayoutVars>
+      </dgm:prSet>
+      <dgm:spPr/>
+    </dgm:pt>
+    <dgm:pt modelId="{5706AE0C-B347-42D7-B956-8CCFD424CE7B}" type="pres">
+      <dgm:prSet presAssocID="{25DA5191-9537-4EBA-B639-627D72322A9B}" presName="quad2" presStyleLbl="node1" presStyleIdx="1" presStyleCnt="4">
+        <dgm:presLayoutVars>
+          <dgm:chMax val="0"/>
+          <dgm:chPref val="0"/>
+          <dgm:bulletEnabled val="1"/>
+        </dgm:presLayoutVars>
+      </dgm:prSet>
+      <dgm:spPr/>
+    </dgm:pt>
+    <dgm:pt modelId="{16DF343F-412A-49FC-B71F-AFB64F365107}" type="pres">
+      <dgm:prSet presAssocID="{25DA5191-9537-4EBA-B639-627D72322A9B}" presName="quad3" presStyleLbl="node1" presStyleIdx="2" presStyleCnt="4">
+        <dgm:presLayoutVars>
+          <dgm:chMax val="0"/>
+          <dgm:chPref val="0"/>
+          <dgm:bulletEnabled val="1"/>
+        </dgm:presLayoutVars>
+      </dgm:prSet>
+      <dgm:spPr/>
+    </dgm:pt>
+    <dgm:pt modelId="{D91E796D-6FA4-4059-BCE5-2C0E2BA845AE}" type="pres">
+      <dgm:prSet presAssocID="{25DA5191-9537-4EBA-B639-627D72322A9B}" presName="quad4" presStyleLbl="node1" presStyleIdx="3" presStyleCnt="4">
+        <dgm:presLayoutVars>
+          <dgm:chMax val="0"/>
+          <dgm:chPref val="0"/>
+          <dgm:bulletEnabled val="1"/>
+        </dgm:presLayoutVars>
+      </dgm:prSet>
+      <dgm:spPr/>
+    </dgm:pt>
+  </dgm:ptLst>
+  <dgm:cxnLst>
+    <dgm:cxn modelId="{4076FC1C-4622-4D3D-A072-F045611BAD04}" type="presOf" srcId="{170218FA-41B8-4B3E-ABDA-C6F9ED8521B6}" destId="{D91E796D-6FA4-4059-BCE5-2C0E2BA845AE}" srcOrd="0" destOrd="0" presId="urn:microsoft.com/office/officeart/2005/8/layout/matrix3"/>
+    <dgm:cxn modelId="{D91FF43A-E299-4E44-BF35-5A63EA3FB83B}" type="presOf" srcId="{26099B20-D6B8-4D5A-A681-34E3CFC41EFB}" destId="{16DF343F-412A-49FC-B71F-AFB64F365107}" srcOrd="0" destOrd="0" presId="urn:microsoft.com/office/officeart/2005/8/layout/matrix3"/>
+    <dgm:cxn modelId="{54ADFA73-4665-4431-9460-3650F8CA3FE4}" srcId="{25DA5191-9537-4EBA-B639-627D72322A9B}" destId="{170218FA-41B8-4B3E-ABDA-C6F9ED8521B6}" srcOrd="3" destOrd="0" parTransId="{9074FB27-C506-4772-9D6D-684EB01191FE}" sibTransId="{3EDEAD8C-0D90-43F0-8D35-5EB0013C0D6C}"/>
+    <dgm:cxn modelId="{14B0C8A8-C3DA-4959-AFCC-1501FBCE428B}" srcId="{25DA5191-9537-4EBA-B639-627D72322A9B}" destId="{C6E41122-1708-449D-9E78-9E1CE3DB1173}" srcOrd="1" destOrd="0" parTransId="{FCD0C87A-6ADC-491B-9CBD-77477F1A0B63}" sibTransId="{EE1B0663-247A-4B10-8C12-663A07E642E5}"/>
+    <dgm:cxn modelId="{AE9685B6-B8C5-4F91-8593-CE03C025A5A0}" type="presOf" srcId="{9A8608DA-4942-4E3A-A70D-95530FD7A9B5}" destId="{35B99297-5BC0-4604-A905-CF24F4732E38}" srcOrd="0" destOrd="0" presId="urn:microsoft.com/office/officeart/2005/8/layout/matrix3"/>
+    <dgm:cxn modelId="{84496CCE-7E1F-47B5-A443-98B76697C2CB}" srcId="{25DA5191-9537-4EBA-B639-627D72322A9B}" destId="{9A8608DA-4942-4E3A-A70D-95530FD7A9B5}" srcOrd="0" destOrd="0" parTransId="{1CB0F3C2-355F-4BFA-8EC4-AC1CF525BDB5}" sibTransId="{8D9D721D-DED4-440C-8360-5F696D836B79}"/>
+    <dgm:cxn modelId="{1DF40CDE-7E7A-4E83-81A4-97843E664FB4}" type="presOf" srcId="{C6E41122-1708-449D-9E78-9E1CE3DB1173}" destId="{5706AE0C-B347-42D7-B956-8CCFD424CE7B}" srcOrd="0" destOrd="0" presId="urn:microsoft.com/office/officeart/2005/8/layout/matrix3"/>
+    <dgm:cxn modelId="{D56A6EE2-5CAC-4579-9604-21FDFAD823CB}" type="presOf" srcId="{25DA5191-9537-4EBA-B639-627D72322A9B}" destId="{7B732CA7-7801-4553-8983-B74214B422B7}" srcOrd="0" destOrd="0" presId="urn:microsoft.com/office/officeart/2005/8/layout/matrix3"/>
+    <dgm:cxn modelId="{523982F7-A065-4038-B2B8-3BC9DB88218D}" srcId="{25DA5191-9537-4EBA-B639-627D72322A9B}" destId="{26099B20-D6B8-4D5A-A681-34E3CFC41EFB}" srcOrd="2" destOrd="0" parTransId="{CFA7A23F-CB4A-4BEA-A1F5-F4AC0696FA62}" sibTransId="{0AD57056-112E-4C96-B9F9-7750A2C21B68}"/>
+    <dgm:cxn modelId="{C47E1D40-04E1-4CAB-8665-C80440E3F364}" type="presParOf" srcId="{7B732CA7-7801-4553-8983-B74214B422B7}" destId="{D02B9BC8-AFCE-4FD3-9B08-46135BCA1ABB}" srcOrd="0" destOrd="0" presId="urn:microsoft.com/office/officeart/2005/8/layout/matrix3"/>
+    <dgm:cxn modelId="{5372EDC7-2385-4B1C-A432-5B9174C548BF}" type="presParOf" srcId="{7B732CA7-7801-4553-8983-B74214B422B7}" destId="{35B99297-5BC0-4604-A905-CF24F4732E38}" srcOrd="1" destOrd="0" presId="urn:microsoft.com/office/officeart/2005/8/layout/matrix3"/>
+    <dgm:cxn modelId="{0D291742-1CBD-4923-B77A-2D8C037198E1}" type="presParOf" srcId="{7B732CA7-7801-4553-8983-B74214B422B7}" destId="{5706AE0C-B347-42D7-B956-8CCFD424CE7B}" srcOrd="2" destOrd="0" presId="urn:microsoft.com/office/officeart/2005/8/layout/matrix3"/>
+    <dgm:cxn modelId="{EACB9394-FCDA-493C-B6E0-5FE378494930}" type="presParOf" srcId="{7B732CA7-7801-4553-8983-B74214B422B7}" destId="{16DF343F-412A-49FC-B71F-AFB64F365107}" srcOrd="3" destOrd="0" presId="urn:microsoft.com/office/officeart/2005/8/layout/matrix3"/>
+    <dgm:cxn modelId="{1AEA8604-BBFA-44BC-B294-C45A6FBAB084}" type="presParOf" srcId="{7B732CA7-7801-4553-8983-B74214B422B7}" destId="{D91E796D-6FA4-4059-BCE5-2C0E2BA845AE}" srcOrd="4" destOrd="0" presId="urn:microsoft.com/office/officeart/2005/8/layout/matrix3"/>
+  </dgm:cxnLst>
+  <dgm:bg/>
+  <dgm:whole/>
+  <dgm:extLst>
+    <a:ext uri="http://schemas.microsoft.com/office/drawing/2008/diagram">
+      <dsp:dataModelExt xmlns:dsp="http://schemas.microsoft.com/office/drawing/2008/diagram" relId="rId6" minVer="http://schemas.openxmlformats.org/drawingml/2006/diagram"/>
+    </a:ext>
+  </dgm:extLst>
+</dgm:dataModel>
+</file>
+
+<file path=ppt/diagrams/drawing1.xml><?xml version="1.0" encoding="utf-8"?>
+<dsp:drawing xmlns:dgm="http://schemas.openxmlformats.org/drawingml/2006/diagram" xmlns:dsp="http://schemas.microsoft.com/office/drawing/2008/diagram" xmlns:a="http://schemas.openxmlformats.org/drawingml/2006/main">
+  <dsp:spTree>
+    <dsp:nvGrpSpPr>
+      <dsp:cNvPr id="0" name=""/>
+      <dsp:cNvGrpSpPr/>
+    </dsp:nvGrpSpPr>
+    <dsp:grpSpPr/>
+    <dsp:sp modelId="{D02B9BC8-AFCE-4FD3-9B08-46135BCA1ABB}">
+      <dsp:nvSpPr>
+        <dsp:cNvPr id="0" name=""/>
+        <dsp:cNvSpPr/>
+      </dsp:nvSpPr>
+      <dsp:spPr>
+        <a:xfrm>
+          <a:off x="379476" y="0"/>
+          <a:ext cx="5504687" cy="5504687"/>
+        </a:xfrm>
+        <a:prstGeom prst="diamond">
+          <a:avLst/>
+        </a:prstGeom>
+        <a:solidFill>
+          <a:schemeClr val="accent5">
+            <a:tint val="40000"/>
+            <a:hueOff val="0"/>
+            <a:satOff val="0"/>
+            <a:lumOff val="0"/>
+            <a:alphaOff val="0"/>
+          </a:schemeClr>
+        </a:solidFill>
+        <a:ln>
+          <a:noFill/>
+        </a:ln>
+        <a:effectLst/>
+      </dsp:spPr>
+      <dsp:style>
+        <a:lnRef idx="0">
+          <a:scrgbClr r="0" g="0" b="0"/>
+        </a:lnRef>
+        <a:fillRef idx="1">
+          <a:scrgbClr r="0" g="0" b="0"/>
+        </a:fillRef>
+        <a:effectRef idx="0">
+          <a:scrgbClr r="0" g="0" b="0"/>
+        </a:effectRef>
+        <a:fontRef idx="minor"/>
+      </dsp:style>
+    </dsp:sp>
+    <dsp:sp modelId="{35B99297-5BC0-4604-A905-CF24F4732E38}">
+      <dsp:nvSpPr>
+        <dsp:cNvPr id="0" name=""/>
+        <dsp:cNvSpPr/>
+      </dsp:nvSpPr>
+      <dsp:spPr>
+        <a:xfrm>
+          <a:off x="902421" y="522945"/>
+          <a:ext cx="2146828" cy="2146828"/>
+        </a:xfrm>
+        <a:prstGeom prst="roundRect">
+          <a:avLst/>
+        </a:prstGeom>
+        <a:solidFill>
+          <a:schemeClr val="accent5">
+            <a:hueOff val="0"/>
+            <a:satOff val="0"/>
+            <a:lumOff val="0"/>
+            <a:alphaOff val="0"/>
+          </a:schemeClr>
+        </a:solidFill>
+        <a:ln w="12700" cap="flat" cmpd="sng" algn="ctr">
+          <a:solidFill>
+            <a:schemeClr val="lt1">
+              <a:hueOff val="0"/>
+              <a:satOff val="0"/>
+              <a:lumOff val="0"/>
+              <a:alphaOff val="0"/>
+            </a:schemeClr>
+          </a:solidFill>
+          <a:prstDash val="solid"/>
+          <a:miter lim="800000"/>
+        </a:ln>
+        <a:effectLst/>
+      </dsp:spPr>
+      <dsp:style>
+        <a:lnRef idx="2">
+          <a:scrgbClr r="0" g="0" b="0"/>
+        </a:lnRef>
+        <a:fillRef idx="1">
+          <a:scrgbClr r="0" g="0" b="0"/>
+        </a:fillRef>
+        <a:effectRef idx="0">
+          <a:scrgbClr r="0" g="0" b="0"/>
+        </a:effectRef>
+        <a:fontRef idx="minor">
+          <a:schemeClr val="lt1"/>
+        </a:fontRef>
+      </dsp:style>
+      <dsp:txBody>
+        <a:bodyPr spcFirstLastPara="0" vert="horz" wrap="square" lIns="60960" tIns="60960" rIns="60960" bIns="60960" numCol="1" spcCol="1270" anchor="ctr" anchorCtr="0">
+          <a:noAutofit/>
+        </a:bodyPr>
+        <a:lstStyle/>
+        <a:p>
+          <a:pPr marL="0" lvl="0" indent="0" algn="ctr" defTabSz="711200">
+            <a:lnSpc>
+              <a:spcPct val="90000"/>
+            </a:lnSpc>
+            <a:spcBef>
+              <a:spcPct val="0"/>
+            </a:spcBef>
+            <a:spcAft>
+              <a:spcPct val="35000"/>
+            </a:spcAft>
+            <a:buNone/>
+          </a:pPr>
+          <a:r>
+            <a:rPr lang="es-MX" sz="1600" kern="1200"/>
+            <a:t>Comprender el concepto de la tarifa de Gran Demanda Media Tensión Horaria, cómo se mide y por qué se utiliza.</a:t>
+          </a:r>
+          <a:endParaRPr lang="en-US" sz="1600" kern="1200"/>
+        </a:p>
+      </dsp:txBody>
+      <dsp:txXfrm>
+        <a:off x="1007221" y="627745"/>
+        <a:ext cx="1937228" cy="1937228"/>
+      </dsp:txXfrm>
+    </dsp:sp>
+    <dsp:sp modelId="{5706AE0C-B347-42D7-B956-8CCFD424CE7B}">
+      <dsp:nvSpPr>
+        <dsp:cNvPr id="0" name=""/>
+        <dsp:cNvSpPr/>
+      </dsp:nvSpPr>
+      <dsp:spPr>
+        <a:xfrm>
+          <a:off x="3214390" y="522945"/>
+          <a:ext cx="2146828" cy="2146828"/>
+        </a:xfrm>
+        <a:prstGeom prst="roundRect">
+          <a:avLst/>
+        </a:prstGeom>
+        <a:solidFill>
+          <a:schemeClr val="accent5">
+            <a:hueOff val="-2252848"/>
+            <a:satOff val="-5806"/>
+            <a:lumOff val="-3922"/>
+            <a:alphaOff val="0"/>
+          </a:schemeClr>
+        </a:solidFill>
+        <a:ln w="12700" cap="flat" cmpd="sng" algn="ctr">
+          <a:solidFill>
+            <a:schemeClr val="lt1">
+              <a:hueOff val="0"/>
+              <a:satOff val="0"/>
+              <a:lumOff val="0"/>
+              <a:alphaOff val="0"/>
+            </a:schemeClr>
+          </a:solidFill>
+          <a:prstDash val="solid"/>
+          <a:miter lim="800000"/>
+        </a:ln>
+        <a:effectLst/>
+      </dsp:spPr>
+      <dsp:style>
+        <a:lnRef idx="2">
+          <a:scrgbClr r="0" g="0" b="0"/>
+        </a:lnRef>
+        <a:fillRef idx="1">
+          <a:scrgbClr r="0" g="0" b="0"/>
+        </a:fillRef>
+        <a:effectRef idx="0">
+          <a:scrgbClr r="0" g="0" b="0"/>
+        </a:effectRef>
+        <a:fontRef idx="minor">
+          <a:schemeClr val="lt1"/>
+        </a:fontRef>
+      </dsp:style>
+      <dsp:txBody>
+        <a:bodyPr spcFirstLastPara="0" vert="horz" wrap="square" lIns="60960" tIns="60960" rIns="60960" bIns="60960" numCol="1" spcCol="1270" anchor="ctr" anchorCtr="0">
+          <a:noAutofit/>
+        </a:bodyPr>
+        <a:lstStyle/>
+        <a:p>
+          <a:pPr marL="0" lvl="0" indent="0" algn="ctr" defTabSz="711200">
+            <a:lnSpc>
+              <a:spcPct val="90000"/>
+            </a:lnSpc>
+            <a:spcBef>
+              <a:spcPct val="0"/>
+            </a:spcBef>
+            <a:spcAft>
+              <a:spcPct val="35000"/>
+            </a:spcAft>
+            <a:buNone/>
+          </a:pPr>
+          <a:r>
+            <a:rPr lang="es-MX" sz="1600" kern="1200"/>
+            <a:t>Presentar un caso de cálculo de dicha tarifa.</a:t>
+          </a:r>
+          <a:endParaRPr lang="en-US" sz="1600" kern="1200"/>
+        </a:p>
+      </dsp:txBody>
+      <dsp:txXfrm>
+        <a:off x="3319190" y="627745"/>
+        <a:ext cx="1937228" cy="1937228"/>
+      </dsp:txXfrm>
+    </dsp:sp>
+    <dsp:sp modelId="{16DF343F-412A-49FC-B71F-AFB64F365107}">
+      <dsp:nvSpPr>
+        <dsp:cNvPr id="0" name=""/>
+        <dsp:cNvSpPr/>
+      </dsp:nvSpPr>
+      <dsp:spPr>
+        <a:xfrm>
+          <a:off x="902421" y="2834914"/>
+          <a:ext cx="2146828" cy="2146828"/>
+        </a:xfrm>
+        <a:prstGeom prst="roundRect">
+          <a:avLst/>
+        </a:prstGeom>
+        <a:solidFill>
+          <a:schemeClr val="accent5">
+            <a:hueOff val="-4505695"/>
+            <a:satOff val="-11613"/>
+            <a:lumOff val="-7843"/>
+            <a:alphaOff val="0"/>
+          </a:schemeClr>
+        </a:solidFill>
+        <a:ln w="12700" cap="flat" cmpd="sng" algn="ctr">
+          <a:solidFill>
+            <a:schemeClr val="lt1">
+              <a:hueOff val="0"/>
+              <a:satOff val="0"/>
+              <a:lumOff val="0"/>
+              <a:alphaOff val="0"/>
+            </a:schemeClr>
+          </a:solidFill>
+          <a:prstDash val="solid"/>
+          <a:miter lim="800000"/>
+        </a:ln>
+        <a:effectLst/>
+      </dsp:spPr>
+      <dsp:style>
+        <a:lnRef idx="2">
+          <a:scrgbClr r="0" g="0" b="0"/>
+        </a:lnRef>
+        <a:fillRef idx="1">
+          <a:scrgbClr r="0" g="0" b="0"/>
+        </a:fillRef>
+        <a:effectRef idx="0">
+          <a:scrgbClr r="0" g="0" b="0"/>
+        </a:effectRef>
+        <a:fontRef idx="minor">
+          <a:schemeClr val="lt1"/>
+        </a:fontRef>
+      </dsp:style>
+      <dsp:txBody>
+        <a:bodyPr spcFirstLastPara="0" vert="horz" wrap="square" lIns="60960" tIns="60960" rIns="60960" bIns="60960" numCol="1" spcCol="1270" anchor="ctr" anchorCtr="0">
+          <a:noAutofit/>
+        </a:bodyPr>
+        <a:lstStyle/>
+        <a:p>
+          <a:pPr marL="0" lvl="0" indent="0" algn="ctr" defTabSz="711200">
+            <a:lnSpc>
+              <a:spcPct val="90000"/>
+            </a:lnSpc>
+            <a:spcBef>
+              <a:spcPct val="0"/>
+            </a:spcBef>
+            <a:spcAft>
+              <a:spcPct val="35000"/>
+            </a:spcAft>
+            <a:buNone/>
+          </a:pPr>
+          <a:r>
+            <a:rPr lang="es-MX" sz="1600" kern="1200"/>
+            <a:t>Realizar análisis cuantitativo de la variación en los precios de esta tarifa para cada región del país y la variación temporal de los mismos.</a:t>
+          </a:r>
+          <a:endParaRPr lang="en-US" sz="1600" kern="1200"/>
+        </a:p>
+      </dsp:txBody>
+      <dsp:txXfrm>
+        <a:off x="1007221" y="2939714"/>
+        <a:ext cx="1937228" cy="1937228"/>
+      </dsp:txXfrm>
+    </dsp:sp>
+    <dsp:sp modelId="{D91E796D-6FA4-4059-BCE5-2C0E2BA845AE}">
+      <dsp:nvSpPr>
+        <dsp:cNvPr id="0" name=""/>
+        <dsp:cNvSpPr/>
+      </dsp:nvSpPr>
+      <dsp:spPr>
+        <a:xfrm>
+          <a:off x="3214390" y="2834914"/>
+          <a:ext cx="2146828" cy="2146828"/>
+        </a:xfrm>
+        <a:prstGeom prst="roundRect">
+          <a:avLst/>
+        </a:prstGeom>
+        <a:solidFill>
+          <a:schemeClr val="accent5">
+            <a:hueOff val="-6758543"/>
+            <a:satOff val="-17419"/>
+            <a:lumOff val="-11765"/>
+            <a:alphaOff val="0"/>
+          </a:schemeClr>
+        </a:solidFill>
+        <a:ln w="12700" cap="flat" cmpd="sng" algn="ctr">
+          <a:solidFill>
+            <a:schemeClr val="lt1">
+              <a:hueOff val="0"/>
+              <a:satOff val="0"/>
+              <a:lumOff val="0"/>
+              <a:alphaOff val="0"/>
+            </a:schemeClr>
+          </a:solidFill>
+          <a:prstDash val="solid"/>
+          <a:miter lim="800000"/>
+        </a:ln>
+        <a:effectLst/>
+      </dsp:spPr>
+      <dsp:style>
+        <a:lnRef idx="2">
+          <a:scrgbClr r="0" g="0" b="0"/>
+        </a:lnRef>
+        <a:fillRef idx="1">
+          <a:scrgbClr r="0" g="0" b="0"/>
+        </a:fillRef>
+        <a:effectRef idx="0">
+          <a:scrgbClr r="0" g="0" b="0"/>
+        </a:effectRef>
+        <a:fontRef idx="minor">
+          <a:schemeClr val="lt1"/>
+        </a:fontRef>
+      </dsp:style>
+      <dsp:txBody>
+        <a:bodyPr spcFirstLastPara="0" vert="horz" wrap="square" lIns="60960" tIns="60960" rIns="60960" bIns="60960" numCol="1" spcCol="1270" anchor="ctr" anchorCtr="0">
+          <a:noAutofit/>
+        </a:bodyPr>
+        <a:lstStyle/>
+        <a:p>
+          <a:pPr marL="0" lvl="0" indent="0" algn="ctr" defTabSz="711200">
+            <a:lnSpc>
+              <a:spcPct val="90000"/>
+            </a:lnSpc>
+            <a:spcBef>
+              <a:spcPct val="0"/>
+            </a:spcBef>
+            <a:spcAft>
+              <a:spcPct val="35000"/>
+            </a:spcAft>
+            <a:buNone/>
+          </a:pPr>
+          <a:r>
+            <a:rPr lang="es-MX" sz="1600" kern="1200"/>
+            <a:t>Proyectar el costo de la tarifa intermedia de los siguientes 4 meses para una región particular.</a:t>
+          </a:r>
+          <a:endParaRPr lang="en-US" sz="1600" kern="1200"/>
+        </a:p>
+      </dsp:txBody>
+      <dsp:txXfrm>
+        <a:off x="3319190" y="2939714"/>
+        <a:ext cx="1937228" cy="1937228"/>
+      </dsp:txXfrm>
+    </dsp:sp>
+  </dsp:spTree>
+</dsp:drawing>
+</file>
+
+<file path=ppt/diagrams/layout1.xml><?xml version="1.0" encoding="utf-8"?>
+<dgm:layoutDef xmlns:dgm="http://schemas.openxmlformats.org/drawingml/2006/diagram" xmlns:a="http://schemas.openxmlformats.org/drawingml/2006/main" uniqueId="urn:microsoft.com/office/officeart/2005/8/layout/matrix3">
+  <dgm:title val=""/>
+  <dgm:desc val=""/>
+  <dgm:catLst>
+    <dgm:cat type="matrix" pri="1000"/>
+    <dgm:cat type="convert" pri="18000"/>
+  </dgm:catLst>
+  <dgm:sampData>
+    <dgm:dataModel>
+      <dgm:ptLst>
+        <dgm:pt modelId="0" type="doc"/>
+        <dgm:pt modelId="1">
+          <dgm:prSet phldr="1"/>
+        </dgm:pt>
+        <dgm:pt modelId="2">
+          <dgm:prSet phldr="1"/>
+        </dgm:pt>
+        <dgm:pt modelId="3">
+          <dgm:prSet phldr="1"/>
+        </dgm:pt>
+        <dgm:pt modelId="4">
+          <dgm:prSet phldr="1"/>
+        </dgm:pt>
+      </dgm:ptLst>
+      <dgm:cxnLst>
+        <dgm:cxn modelId="5" srcId="0" destId="1" srcOrd="0" destOrd="0"/>
+        <dgm:cxn modelId="6" srcId="0" destId="2" srcOrd="1" destOrd="0"/>
+        <dgm:cxn modelId="7" srcId="0" destId="3" srcOrd="0" destOrd="0"/>
+        <dgm:cxn modelId="8" srcId="0" destId="4" srcOrd="1" destOrd="0"/>
+      </dgm:cxnLst>
+      <dgm:bg/>
+      <dgm:whole/>
+    </dgm:dataModel>
+  </dgm:sampData>
+  <dgm:styleData useDef="1">
+    <dgm:dataModel>
+      <dgm:ptLst/>
+      <dgm:bg/>
+      <dgm:whole/>
+    </dgm:dataModel>
+  </dgm:styleData>
+  <dgm:clrData useDef="1">
+    <dgm:dataModel>
+      <dgm:ptLst/>
+      <dgm:bg/>
+      <dgm:whole/>
+    </dgm:dataModel>
+  </dgm:clrData>
+  <dgm:layoutNode name="matrix">
+    <dgm:varLst>
+      <dgm:chMax val="1"/>
+      <dgm:dir/>
+      <dgm:resizeHandles val="exact"/>
+    </dgm:varLst>
+    <dgm:alg type="composite">
+      <dgm:param type="ar" val="1"/>
+    </dgm:alg>
+    <dgm:shape xmlns:r="http://schemas.openxmlformats.org/officeDocument/2006/relationships" r:blip="">
+      <dgm:adjLst/>
+    </dgm:shape>
+    <dgm:presOf/>
+    <dgm:choose name="Name0">
+      <dgm:if name="Name1" func="var" arg="dir" op="equ" val="norm">
+        <dgm:constrLst>
+          <dgm:constr type="w" for="ch" forName="diamond" refType="w"/>
+          <dgm:constr type="h" for="ch" forName="diamond" refType="h"/>
+          <dgm:constr type="w" for="ch" forName="quad1" refType="w" fact="0.39"/>
+          <dgm:constr type="h" for="ch" forName="quad1" refType="h" fact="0.39"/>
+          <dgm:constr type="ctrX" for="ch" forName="quad1" refType="w" fact="0.29"/>
+          <dgm:constr type="ctrY" for="ch" forName="quad1" refType="h" fact="0.29"/>
+          <dgm:constr type="w" for="ch" forName="quad2" refType="w" fact="0.39"/>
+          <dgm:constr type="h" for="ch" forName="quad2" refType="h" fact="0.39"/>
+          <dgm:constr type="ctrX" for="ch" forName="quad2" refType="w" fact="0.71"/>
+          <dgm:constr type="ctrY" for="ch" forName="quad2" refType="h" fact="0.29"/>
+          <dgm:constr type="w" for="ch" forName="quad3" refType="w" fact="0.39"/>
+          <dgm:constr type="h" for="ch" forName="quad3" refType="h" fact="0.39"/>
+          <dgm:constr type="ctrX" for="ch" forName="quad3" refType="w" fact="0.29"/>
+          <dgm:constr type="ctrY" for="ch" forName="quad3" refType="h" fact="0.71"/>
+          <dgm:constr type="w" for="ch" forName="quad4" refType="w" fact="0.39"/>
+          <dgm:constr type="h" for="ch" forName="quad4" refType="h" fact="0.39"/>
+          <dgm:constr type="ctrX" for="ch" forName="quad4" refType="w" fact="0.71"/>
+          <dgm:constr type="ctrY" for="ch" forName="quad4" refType="h" fact="0.71"/>
+          <dgm:constr type="primFontSz" for="des" ptType="node" op="equ" val="65"/>
+        </dgm:constrLst>
+      </dgm:if>
+      <dgm:else name="Name2">
+        <dgm:constrLst>
+          <dgm:constr type="w" for="ch" forName="diamond" refType="w"/>
+          <dgm:constr type="h" for="ch" forName="diamond" refType="h"/>
+          <dgm:constr type="w" for="ch" forName="quad1" refType="w" fact="0.39"/>
+          <dgm:constr type="h" for="ch" forName="quad1" refType="h" fact="0.39"/>
+          <dgm:constr type="ctrX" for="ch" forName="quad1" refType="w" fact="0.71"/>
+          <dgm:constr type="ctrY" for="ch" forName="quad1" refType="h" fact="0.29"/>
+          <dgm:constr type="w" for="ch" forName="quad2" refType="w" fact="0.39"/>
+          <dgm:constr type="h" for="ch" forName="quad2" refType="h" fact="0.39"/>
+          <dgm:constr type="ctrX" for="ch" forName="quad2" refType="w" fact="0.29"/>
+          <dgm:constr type="ctrY" for="ch" forName="quad2" refType="h" fact="0.29"/>
+          <dgm:constr type="w" for="ch" forName="quad3" refType="w" fact="0.39"/>
+          <dgm:constr type="h" for="ch" forName="quad3" refType="h" fact="0.39"/>
+          <dgm:constr type="ctrX" for="ch" forName="quad3" refType="w" fact="0.71"/>
+          <dgm:constr type="ctrY" for="ch" forName="quad3" refType="h" fact="0.71"/>
+          <dgm:constr type="w" for="ch" forName="quad4" refType="w" fact="0.39"/>
+          <dgm:constr type="h" for="ch" forName="quad4" refType="h" fact="0.39"/>
+          <dgm:constr type="ctrX" for="ch" forName="quad4" refType="w" fact="0.29"/>
+          <dgm:constr type="ctrY" for="ch" forName="quad4" refType="h" fact="0.71"/>
+          <dgm:constr type="primFontSz" for="des" ptType="node" op="equ" val="65"/>
+        </dgm:constrLst>
+      </dgm:else>
+    </dgm:choose>
+    <dgm:ruleLst/>
+    <dgm:choose name="Name3">
+      <dgm:if name="Name4" axis="ch" ptType="node" func="cnt" op="gte" val="1">
+        <dgm:layoutNode name="diamond" styleLbl="bgShp">
+          <dgm:alg type="sp"/>
+          <dgm:shape xmlns:r="http://schemas.openxmlformats.org/officeDocument/2006/relationships" type="diamond" r:blip="">
+            <dgm:adjLst/>
+          </dgm:shape>
+          <dgm:presOf/>
+          <dgm:constrLst>
+            <dgm:constr type="w" refType="h" op="equ"/>
+          </dgm:constrLst>
+          <dgm:ruleLst/>
+        </dgm:layoutNode>
+        <dgm:layoutNode name="quad1">
+          <dgm:varLst>
+            <dgm:chMax val="0"/>
+            <dgm:chPref val="0"/>
+            <dgm:bulletEnabled val="1"/>
+          </dgm:varLst>
+          <dgm:alg type="tx"/>
+          <dgm:shape xmlns:r="http://schemas.openxmlformats.org/officeDocument/2006/relationships" type="roundRect" r:blip="">
+            <dgm:adjLst/>
+          </dgm:shape>
+          <dgm:presOf axis="ch desOrSelf" ptType="node node" st="1 1" cnt="1 0"/>
+          <dgm:constrLst>
+            <dgm:constr type="w" refType="h" op="equ"/>
+            <dgm:constr type="tMarg" refType="primFontSz" fact="0.3"/>
+            <dgm:constr type="bMarg" refType="primFontSz" fact="0.3"/>
+            <dgm:constr type="lMarg" refType="primFontSz" fact="0.3"/>
+            <dgm:constr type="rMarg" refType="primFontSz" fact="0.3"/>
+          </dgm:constrLst>
+          <dgm:ruleLst>
+            <dgm:rule type="primFontSz" val="5" fact="NaN" max="NaN"/>
+          </dgm:ruleLst>
+        </dgm:layoutNode>
+        <dgm:layoutNode name="quad2">
+          <dgm:varLst>
+            <dgm:chMax val="0"/>
+            <dgm:chPref val="0"/>
+            <dgm:bulletEnabled val="1"/>
+          </dgm:varLst>
+          <dgm:alg type="tx"/>
+          <dgm:shape xmlns:r="http://schemas.openxmlformats.org/officeDocument/2006/relationships" type="roundRect" r:blip="">
+            <dgm:adjLst/>
+          </dgm:shape>
+          <dgm:presOf axis="ch desOrSelf" ptType="node node" st="2 1" cnt="1 0"/>
+          <dgm:constrLst>
+            <dgm:constr type="w" refType="h" op="equ"/>
+            <dgm:constr type="tMarg" refType="primFontSz" fact="0.3"/>
+            <dgm:constr type="bMarg" refType="primFontSz" fact="0.3"/>
+            <dgm:constr type="lMarg" refType="primFontSz" fact="0.3"/>
+            <dgm:constr type="rMarg" refType="primFontSz" fact="0.3"/>
+          </dgm:constrLst>
+          <dgm:ruleLst>
+            <dgm:rule type="primFontSz" val="5" fact="NaN" max="NaN"/>
+          </dgm:ruleLst>
+        </dgm:layoutNode>
+        <dgm:layoutNode name="quad3">
+          <dgm:varLst>
+            <dgm:chMax val="0"/>
+            <dgm:chPref val="0"/>
+            <dgm:bulletEnabled val="1"/>
+          </dgm:varLst>
+          <dgm:alg type="tx"/>
+          <dgm:shape xmlns:r="http://schemas.openxmlformats.org/officeDocument/2006/relationships" type="roundRect" r:blip="">
+            <dgm:adjLst/>
+          </dgm:shape>
+          <dgm:presOf axis="ch desOrSelf" ptType="node node" st="3 1" cnt="1 0"/>
+          <dgm:constrLst>
+            <dgm:constr type="w" refType="h" op="equ"/>
+            <dgm:constr type="tMarg" refType="primFontSz" fact="0.3"/>
+            <dgm:constr type="bMarg" refType="primFontSz" fact="0.3"/>
+            <dgm:constr type="lMarg" refType="primFontSz" fact="0.3"/>
+            <dgm:constr type="rMarg" refType="primFontSz" fact="0.3"/>
+          </dgm:constrLst>
+          <dgm:ruleLst>
+            <dgm:rule type="primFontSz" val="5" fact="NaN" max="NaN"/>
+          </dgm:ruleLst>
+        </dgm:layoutNode>
+        <dgm:layoutNode name="quad4">
+          <dgm:varLst>
+            <dgm:chMax val="0"/>
+            <dgm:chPref val="0"/>
+            <dgm:bulletEnabled val="1"/>
+          </dgm:varLst>
+          <dgm:alg type="tx"/>
+          <dgm:shape xmlns:r="http://schemas.openxmlformats.org/officeDocument/2006/relationships" type="roundRect" r:blip="">
+            <dgm:adjLst/>
+          </dgm:shape>
+          <dgm:presOf axis="ch desOrSelf" ptType="node node" st="4 1" cnt="1 0"/>
+          <dgm:constrLst>
+            <dgm:constr type="w" refType="h" op="equ"/>
+            <dgm:constr type="tMarg" refType="primFontSz" fact="0.3"/>
+            <dgm:constr type="bMarg" refType="primFontSz" fact="0.3"/>
+            <dgm:constr type="lMarg" refType="primFontSz" fact="0.3"/>
+            <dgm:constr type="rMarg" refType="primFontSz" fact="0.3"/>
+          </dgm:constrLst>
+          <dgm:ruleLst>
+            <dgm:rule type="primFontSz" val="5" fact="NaN" max="NaN"/>
+          </dgm:ruleLst>
+        </dgm:layoutNode>
+      </dgm:if>
+      <dgm:else name="Name5"/>
+    </dgm:choose>
+  </dgm:layoutNode>
+</dgm:layoutDef>
+</file>
+
+<file path=ppt/diagrams/quickStyle1.xml><?xml version="1.0" encoding="utf-8"?>
+<dgm:styleDef xmlns:dgm="http://schemas.openxmlformats.org/drawingml/2006/diagram" xmlns:a="http://schemas.openxmlformats.org/drawingml/2006/main" uniqueId="urn:microsoft.com/office/officeart/2005/8/quickstyle/simple1">
+  <dgm:title val=""/>
+  <dgm:desc val=""/>
+  <dgm:catLst>
+    <dgm:cat type="simple" pri="10100"/>
+  </dgm:catLst>
+  <dgm:scene3d>
+    <a:camera prst="orthographicFront"/>
+    <a:lightRig rig="threePt" dir="t"/>
+  </dgm:scene3d>
+  <dgm:styleLbl name="node0">
+    <dgm:scene3d>
+      <a:camera prst="orthographicFront"/>
+      <a:lightRig rig="threePt" dir="t"/>
+    </dgm:scene3d>
+    <dgm:sp3d/>
+    <dgm:txPr/>
+    <dgm:style>
+      <a:lnRef idx="2">
+        <a:scrgbClr r="0" g="0" b="0"/>
+      </a:lnRef>
+      <a:fillRef idx="1">
+        <a:scrgbClr r="0" g="0" b="0"/>
+      </a:fillRef>
+      <a:effectRef idx="0">
+        <a:scrgbClr r="0" g="0" b="0"/>
+      </a:effectRef>
+      <a:fontRef idx="minor">
+        <a:schemeClr val="lt1"/>
+      </a:fontRef>
+    </dgm:style>
+  </dgm:styleLbl>
+  <dgm:styleLbl name="lnNode1">
+    <dgm:scene3d>
+      <a:camera prst="orthographicFront"/>
+      <a:lightRig rig="threePt" dir="t"/>
+    </dgm:scene3d>
+    <dgm:sp3d/>
+    <dgm:txPr/>
+    <dgm:style>
+      <a:lnRef idx="2">
+        <a:scrgbClr r="0" g="0" b="0"/>
+      </a:lnRef>
+      <a:fillRef idx="1">
+        <a:scrgbClr r="0" g="0" b="0"/>
+      </a:fillRef>
+      <a:effectRef idx="0">
+        <a:scrgbClr r="0" g="0" b="0"/>
+      </a:effectRef>
+      <a:fontRef idx="minor">
+        <a:schemeClr val="lt1"/>
+      </a:fontRef>
+    </dgm:style>
+  </dgm:styleLbl>
+  <dgm:styleLbl name="vennNode1">
+    <dgm:scene3d>
+      <a:camera prst="orthographicFront"/>
+      <a:lightRig rig="threePt" dir="t"/>
+    </dgm:scene3d>
+    <dgm:sp3d/>
+    <dgm:txPr/>
+    <dgm:style>
+      <a:lnRef idx="2">
+        <a:scrgbClr r="0" g="0" b="0"/>
+      </a:lnRef>
+      <a:fillRef idx="1">
+        <a:scrgbClr r="0" g="0" b="0"/>
+      </a:fillRef>
+      <a:effectRef idx="0">
+        <a:scrgbClr r="0" g="0" b="0"/>
+      </a:effectRef>
+      <a:fontRef idx="minor">
+        <a:schemeClr val="tx1"/>
+      </a:fontRef>
+    </dgm:style>
+  </dgm:styleLbl>
+  <dgm:styleLbl name="alignNode1">
+    <dgm:scene3d>
+      <a:camera prst="orthographicFront"/>
+      <a:lightRig rig="threePt" dir="t"/>
+    </dgm:scene3d>
+    <dgm:sp3d/>
+    <dgm:txPr/>
+    <dgm:style>
+      <a:lnRef idx="2">
+        <a:scrgbClr r="0" g="0" b="0"/>
+      </a:lnRef>
+      <a:fillRef idx="1">
+        <a:scrgbClr r="0" g="0" b="0"/>
+      </a:fillRef>
+      <a:effectRef idx="0">
+        <a:scrgbClr r="0" g="0" b="0"/>
+      </a:effectRef>
+      <a:fontRef idx="minor">
+        <a:schemeClr val="lt1"/>
+      </a:fontRef>
+    </dgm:style>
+  </dgm:styleLbl>
+  <dgm:styleLbl name="node1">
+    <dgm:scene3d>
+      <a:camera prst="orthographicFront"/>
+      <a:lightRig rig="threePt" dir="t"/>
+    </dgm:scene3d>
+    <dgm:sp3d/>
+    <dgm:txPr/>
+    <dgm:style>
+      <a:lnRef idx="2">
+        <a:scrgbClr r="0" g="0" b="0"/>
+      </a:lnRef>
+      <a:fillRef idx="1">
+        <a:scrgbClr r="0" g="0" b="0"/>
+      </a:fillRef>
+      <a:effectRef idx="0">
+        <a:scrgbClr r="0" g="0" b="0"/>
+      </a:effectRef>
+      <a:fontRef idx="minor">
+        <a:schemeClr val="lt1"/>
+      </a:fontRef>
+    </dgm:style>
+  </dgm:styleLbl>
+  <dgm:styleLbl name="node2">
+    <dgm:scene3d>
+      <a:camera prst="orthographicFront"/>
+      <a:lightRig rig="threePt" dir="t"/>
+    </dgm:scene3d>
+    <dgm:sp3d/>
+    <dgm:txPr/>
+    <dgm:style>
+      <a:lnRef idx="2">
+        <a:scrgbClr r="0" g="0" b="0"/>
+      </a:lnRef>
+      <a:fillRef idx="1">
+        <a:scrgbClr r="0" g="0" b="0"/>
+      </a:fillRef>
+      <a:effectRef idx="0">
+        <a:scrgbClr r="0" g="0" b="0"/>
+      </a:effectRef>
+      <a:fontRef idx="minor">
+        <a:schemeClr val="lt1"/>
+      </a:fontRef>
+    </dgm:style>
+  </dgm:styleLbl>
+  <dgm:styleLbl name="node3">
+    <dgm:scene3d>
+      <a:camera prst="orthographicFront"/>
+      <a:lightRig rig="threePt" dir="t"/>
+    </dgm:scene3d>
+    <dgm:sp3d/>
+    <dgm:txPr/>
+    <dgm:style>
+      <a:lnRef idx="2">
+        <a:scrgbClr r="0" g="0" b="0"/>
+      </a:lnRef>
+      <a:fillRef idx="1">
+        <a:scrgbClr r="0" g="0" b="0"/>
+      </a:fillRef>
+      <a:effectRef idx="0">
+        <a:scrgbClr r="0" g="0" b="0"/>
+      </a:effectRef>
+      <a:fontRef idx="minor">
+        <a:schemeClr val="lt1"/>
+      </a:fontRef>
+    </dgm:style>
+  </dgm:styleLbl>
+  <dgm:styleLbl name="node4">
+    <dgm:scene3d>
+      <a:camera prst="orthographicFront"/>
+      <a:lightRig rig="threePt" dir="t"/>
+    </dgm:scene3d>
+    <dgm:sp3d/>
+    <dgm:txPr/>
+    <dgm:style>
+      <a:lnRef idx="2">
+        <a:scrgbClr r="0" g="0" b="0"/>
+      </a:lnRef>
+      <a:fillRef idx="1">
+        <a:scrgbClr r="0" g="0" b="0"/>
+      </a:fillRef>
+      <a:effectRef idx="0">
+        <a:scrgbClr r="0" g="0" b="0"/>
+      </a:effectRef>
+      <a:fontRef idx="minor">
+        <a:schemeClr val="lt1"/>
+      </a:fontRef>
+    </dgm:style>
+  </dgm:styleLbl>
+  <dgm:styleLbl name="fgImgPlace1">
+    <dgm:scene3d>
+      <a:camera prst="orthographicFront"/>
+      <a:lightRig rig="threePt" dir="t"/>
+    </dgm:scene3d>
+    <dgm:sp3d/>
+    <dgm:txPr/>
+    <dgm:style>
+      <a:lnRef idx="2">
+        <a:scrgbClr r="0" g="0" b="0"/>
+      </a:lnRef>
+      <a:fillRef idx="1">
+        <a:scrgbClr r="0" g="0" b="0"/>
+      </a:fillRef>
+      <a:effectRef idx="0">
+        <a:scrgbClr r="0" g="0" b="0"/>
+      </a:effectRef>
+      <a:fontRef idx="minor"/>
+    </dgm:style>
+  </dgm:styleLbl>
+  <dgm:styleLbl name="alignImgPlace1">
+    <dgm:scene3d>
+      <a:camera prst="orthographicFront"/>
+      <a:lightRig rig="threePt" dir="t"/>
+    </dgm:scene3d>
+    <dgm:sp3d/>
+    <dgm:txPr/>
+    <dgm:style>
+      <a:lnRef idx="2">
+        <a:scrgbClr r="0" g="0" b="0"/>
+      </a:lnRef>
+      <a:fillRef idx="1">
+        <a:scrgbClr r="0" g="0" b="0"/>
+      </a:fillRef>
+      <a:effectRef idx="0">
+        <a:scrgbClr r="0" g="0" b="0"/>
+      </a:effectRef>
+      <a:fontRef idx="minor"/>
+    </dgm:style>
+  </dgm:styleLbl>
+  <dgm:styleLbl name="bgImgPlace1">
+    <dgm:scene3d>
+      <a:camera prst="orthographicFront"/>
+      <a:lightRig rig="threePt" dir="t"/>
+    </dgm:scene3d>
+    <dgm:sp3d/>
+    <dgm:txPr/>
+    <dgm:style>
+      <a:lnRef idx="2">
+        <a:scrgbClr r="0" g="0" b="0"/>
+      </a:lnRef>
+      <a:fillRef idx="1">
+        <a:scrgbClr r="0" g="0" b="0"/>
+      </a:fillRef>
+      <a:effectRef idx="0">
+        <a:scrgbClr r="0" g="0" b="0"/>
+      </a:effectRef>
+      <a:fontRef idx="minor"/>
+    </dgm:style>
+  </dgm:styleLbl>
+  <dgm:styleLbl name="sibTrans2D1">
+    <dgm:scene3d>
+      <a:camera prst="orthographicFront"/>
+      <a:lightRig rig="threePt" dir="t"/>
+    </dgm:scene3d>
+    <dgm:sp3d/>
+    <dgm:txPr/>
+    <dgm:style>
+      <a:lnRef idx="0">
+        <a:scrgbClr r="0" g="0" b="0"/>
+      </a:lnRef>
+      <a:fillRef idx="1">
+        <a:scrgbClr r="0" g="0" b="0"/>
+      </a:fillRef>
+      <a:effectRef idx="0">
+        <a:scrgbClr r="0" g="0" b="0"/>
+      </a:effectRef>
+      <a:fontRef idx="minor">
+        <a:schemeClr val="lt1"/>
+      </a:fontRef>
+    </dgm:style>
+  </dgm:styleLbl>
+  <dgm:styleLbl name="fgSibTrans2D1">
+    <dgm:scene3d>
+      <a:camera prst="orthographicFront"/>
+      <a:lightRig rig="threePt" dir="t"/>
+    </dgm:scene3d>
+    <dgm:sp3d/>
+    <dgm:txPr/>
+    <dgm:style>
+      <a:lnRef idx="0">
+        <a:scrgbClr r="0" g="0" b="0"/>
+      </a:lnRef>
+      <a:fillRef idx="1">
+        <a:scrgbClr r="0" g="0" b="0"/>
+      </a:fillRef>
+      <a:effectRef idx="0">
+        <a:scrgbClr r="0" g="0" b="0"/>
+      </a:effectRef>
+      <a:fontRef idx="minor">
+        <a:schemeClr val="lt1"/>
+      </a:fontRef>
+    </dgm:style>
+  </dgm:styleLbl>
+  <dgm:styleLbl name="bgSibTrans2D1">
+    <dgm:scene3d>
+      <a:camera prst="orthographicFront"/>
+      <a:lightRig rig="threePt" dir="t"/>
+    </dgm:scene3d>
+    <dgm:sp3d/>
+    <dgm:txPr/>
+    <dgm:style>
+      <a:lnRef idx="0">
+        <a:scrgbClr r="0" g="0" b="0"/>
+      </a:lnRef>
+      <a:fillRef idx="1">
+        <a:scrgbClr r="0" g="0" b="0"/>
+      </a:fillRef>
+      <a:effectRef idx="0">
+        <a:scrgbClr r="0" g="0" b="0"/>
+      </a:effectRef>
+      <a:fontRef idx="minor">
+        <a:schemeClr val="lt1"/>
+      </a:fontRef>
+    </dgm:style>
+  </dgm:styleLbl>
+  <dgm:styleLbl name="sibTrans1D1">
+    <dgm:scene3d>
+      <a:camera prst="orthographicFront"/>
+      <a:lightRig rig="threePt" dir="t"/>
+    </dgm:scene3d>
+    <dgm:sp3d/>
+    <dgm:txPr/>
+    <dgm:style>
+      <a:lnRef idx="1">
+        <a:scrgbClr r="0" g="0" b="0"/>
+      </a:lnRef>
+      <a:fillRef idx="0">
+        <a:scrgbClr r="0" g="0" b="0"/>
+      </a:fillRef>
+      <a:effectRef idx="0">
+        <a:scrgbClr r="0" g="0" b="0"/>
+      </a:effectRef>
+      <a:fontRef idx="minor"/>
+    </dgm:style>
+  </dgm:styleLbl>
+  <dgm:styleLbl name="callout">
+    <dgm:scene3d>
+      <a:camera prst="orthographicFront"/>
+      <a:lightRig rig="threePt" dir="t"/>
+    </dgm:scene3d>
+    <dgm:sp3d/>
+    <dgm:txPr/>
+    <dgm:style>
+      <a:lnRef idx="2">
+        <a:scrgbClr r="0" g="0" b="0"/>
+      </a:lnRef>
+      <a:fillRef idx="1">
+        <a:scrgbClr r="0" g="0" b="0"/>
+      </a:fillRef>
+      <a:effectRef idx="0">
+        <a:scrgbClr r="0" g="0" b="0"/>
+      </a:effectRef>
+      <a:fontRef idx="minor"/>
+    </dgm:style>
+  </dgm:styleLbl>
+  <dgm:styleLbl name="asst0">
+    <dgm:scene3d>
+      <a:camera prst="orthographicFront"/>
+      <a:lightRig rig="threePt" dir="t"/>
+    </dgm:scene3d>
+    <dgm:sp3d/>
+    <dgm:txPr/>
+    <dgm:style>
+      <a:lnRef idx="2">
+        <a:scrgbClr r="0" g="0" b="0"/>
+      </a:lnRef>
+      <a:fillRef idx="1">
+        <a:scrgbClr r="0" g="0" b="0"/>
+      </a:fillRef>
+      <a:effectRef idx="0">
+        <a:scrgbClr r="0" g="0" b="0"/>
+      </a:effectRef>
+      <a:fontRef idx="minor">
+        <a:schemeClr val="lt1"/>
+      </a:fontRef>
+    </dgm:style>
+  </dgm:styleLbl>
+  <dgm:styleLbl name="asst1">
+    <dgm:scene3d>
+      <a:camera prst="orthographicFront"/>
+      <a:lightRig rig="threePt" dir="t"/>
+    </dgm:scene3d>
+    <dgm:sp3d/>
+    <dgm:txPr/>
+    <dgm:style>
+      <a:lnRef idx="2">
+        <a:scrgbClr r="0" g="0" b="0"/>
+      </a:lnRef>
+      <a:fillRef idx="1">
+        <a:scrgbClr r="0" g="0" b="0"/>
+      </a:fillRef>
+      <a:effectRef idx="0">
+        <a:scrgbClr r="0" g="0" b="0"/>
+      </a:effectRef>
+      <a:fontRef idx="minor">
+        <a:schemeClr val="lt1"/>
+      </a:fontRef>
+    </dgm:style>
+  </dgm:styleLbl>
+  <dgm:styleLbl name="asst2">
+    <dgm:scene3d>
+      <a:camera prst="orthographicFront"/>
+      <a:lightRig rig="threePt" dir="t"/>
+    </dgm:scene3d>
+    <dgm:sp3d/>
+    <dgm:txPr/>
+    <dgm:style>
+      <a:lnRef idx="2">
+        <a:scrgbClr r="0" g="0" b="0"/>
+      </a:lnRef>
+      <a:fillRef idx="1">
+        <a:scrgbClr r="0" g="0" b="0"/>
+      </a:fillRef>
+      <a:effectRef idx="0">
+        <a:scrgbClr r="0" g="0" b="0"/>
+      </a:effectRef>
+      <a:fontRef idx="minor">
+        <a:schemeClr val="lt1"/>
+      </a:fontRef>
+    </dgm:style>
+  </dgm:styleLbl>
+  <dgm:styleLbl name="asst3">
+    <dgm:scene3d>
+      <a:camera prst="orthographicFront"/>
+      <a:lightRig rig="threePt" dir="t"/>
+    </dgm:scene3d>
+    <dgm:sp3d/>
+    <dgm:txPr/>
+    <dgm:style>
+      <a:lnRef idx="2">
+        <a:scrgbClr r="0" g="0" b="0"/>
+      </a:lnRef>
+      <a:fillRef idx="1">
+        <a:scrgbClr r="0" g="0" b="0"/>
+      </a:fillRef>
+      <a:effectRef idx="0">
+        <a:scrgbClr r="0" g="0" b="0"/>
+      </a:effectRef>
+      <a:fontRef idx="minor">
+        <a:schemeClr val="lt1"/>
+      </a:fontRef>
+    </dgm:style>
+  </dgm:styleLbl>
+  <dgm:styleLbl name="asst4">
+    <dgm:scene3d>
+      <a:camera prst="orthographicFront"/>
+      <a:lightRig rig="threePt" dir="t"/>
+    </dgm:scene3d>
+    <dgm:sp3d/>
+    <dgm:txPr/>
+    <dgm:style>
+      <a:lnRef idx="2">
+        <a:scrgbClr r="0" g="0" b="0"/>
+      </a:lnRef>
+      <a:fillRef idx="1">
+        <a:scrgbClr r="0" g="0" b="0"/>
+      </a:fillRef>
+      <a:effectRef idx="0">
+        <a:scrgbClr r="0" g="0" b="0"/>
+      </a:effectRef>
+      <a:fontRef idx="minor">
+        <a:schemeClr val="lt1"/>
+      </a:fontRef>
+    </dgm:style>
+  </dgm:styleLbl>
+  <dgm:styleLbl name="parChTrans2D1">
+    <dgm:scene3d>
+      <a:camera prst="orthographicFront"/>
+      <a:lightRig rig="threePt" dir="t"/>
+    </dgm:scene3d>
+    <dgm:sp3d/>
+    <dgm:txPr/>
+    <dgm:style>
+      <a:lnRef idx="2">
+        <a:scrgbClr r="0" g="0" b="0"/>
+      </a:lnRef>
+      <a:fillRef idx="1">
+        <a:scrgbClr r="0" g="0" b="0"/>
+      </a:fillRef>
+      <a:effectRef idx="0">
+        <a:scrgbClr r="0" g="0" b="0"/>
+      </a:effectRef>
+      <a:fontRef idx="minor">
+        <a:schemeClr val="lt1"/>
+      </a:fontRef>
+    </dgm:style>
+  </dgm:styleLbl>
+  <dgm:styleLbl name="parChTrans2D2">
+    <dgm:scene3d>
+      <a:camera prst="orthographicFront"/>
+      <a:lightRig rig="threePt" dir="t"/>
+    </dgm:scene3d>
+    <dgm:sp3d/>
+    <dgm:txPr/>
+    <dgm:style>
+      <a:lnRef idx="2">
+        <a:scrgbClr r="0" g="0" b="0"/>
+      </a:lnRef>
+      <a:fillRef idx="1">
+        <a:scrgbClr r="0" g="0" b="0"/>
+      </a:fillRef>
+      <a:effectRef idx="0">
+        <a:scrgbClr r="0" g="0" b="0"/>
+      </a:effectRef>
+      <a:fontRef idx="minor">
+        <a:schemeClr val="lt1"/>
+      </a:fontRef>
+    </dgm:style>
+  </dgm:styleLbl>
+  <dgm:styleLbl name="parChTrans2D3">
+    <dgm:scene3d>
+      <a:camera prst="orthographicFront"/>
+      <a:lightRig rig="threePt" dir="t"/>
+    </dgm:scene3d>
+    <dgm:sp3d/>
+    <dgm:txPr/>
+    <dgm:style>
+      <a:lnRef idx="2">
+        <a:scrgbClr r="0" g="0" b="0"/>
+      </a:lnRef>
+      <a:fillRef idx="1">
+        <a:scrgbClr r="0" g="0" b="0"/>
+      </a:fillRef>
+      <a:effectRef idx="0">
+        <a:scrgbClr r="0" g="0" b="0"/>
+      </a:effectRef>
+      <a:fontRef idx="minor">
+        <a:schemeClr val="lt1"/>
+      </a:fontRef>
+    </dgm:style>
+  </dgm:styleLbl>
+  <dgm:styleLbl name="parChTrans2D4">
+    <dgm:scene3d>
+      <a:camera prst="orthographicFront"/>
+      <a:lightRig rig="threePt" dir="t"/>
+    </dgm:scene3d>
+    <dgm:sp3d/>
+    <dgm:txPr/>
+    <dgm:style>
+      <a:lnRef idx="2">
+        <a:scrgbClr r="0" g="0" b="0"/>
+      </a:lnRef>
+      <a:fillRef idx="1">
+        <a:scrgbClr r="0" g="0" b="0"/>
+      </a:fillRef>
+      <a:effectRef idx="0">
+        <a:scrgbClr r="0" g="0" b="0"/>
+      </a:effectRef>
+      <a:fontRef idx="minor">
+        <a:schemeClr val="lt1"/>
+      </a:fontRef>
+    </dgm:style>
+  </dgm:styleLbl>
+  <dgm:styleLbl name="parChTrans1D1">
+    <dgm:scene3d>
+      <a:camera prst="orthographicFront"/>
+      <a:lightRig rig="threePt" dir="t"/>
+    </dgm:scene3d>
+    <dgm:sp3d/>
+    <dgm:txPr/>
+    <dgm:style>
+      <a:lnRef idx="2">
+        <a:scrgbClr r="0" g="0" b="0"/>
+      </a:lnRef>
+      <a:fillRef idx="0">
+        <a:scrgbClr r="0" g="0" b="0"/>
+      </a:fillRef>
+      <a:effectRef idx="0">
+        <a:scrgbClr r="0" g="0" b="0"/>
+      </a:effectRef>
+      <a:fontRef idx="minor"/>
+    </dgm:style>
+  </dgm:styleLbl>
+  <dgm:styleLbl name="parChTrans1D2">
+    <dgm:scene3d>
+      <a:camera prst="orthographicFront"/>
+      <a:lightRig rig="threePt" dir="t"/>
+    </dgm:scene3d>
+    <dgm:sp3d/>
+    <dgm:txPr/>
+    <dgm:style>
+      <a:lnRef idx="2">
+        <a:scrgbClr r="0" g="0" b="0"/>
+      </a:lnRef>
+      <a:fillRef idx="0">
+        <a:scrgbClr r="0" g="0" b="0"/>
+      </a:fillRef>
+      <a:effectRef idx="0">
+        <a:scrgbClr r="0" g="0" b="0"/>
+      </a:effectRef>
+      <a:fontRef idx="minor"/>
+    </dgm:style>
+  </dgm:styleLbl>
+  <dgm:styleLbl name="parChTrans1D3">
+    <dgm:scene3d>
+      <a:camera prst="orthographicFront"/>
+      <a:lightRig rig="threePt" dir="t"/>
+    </dgm:scene3d>
+    <dgm:sp3d/>
+    <dgm:txPr/>
+    <dgm:style>
+      <a:lnRef idx="2">
+        <a:scrgbClr r="0" g="0" b="0"/>
+      </a:lnRef>
+      <a:fillRef idx="0">
+        <a:scrgbClr r="0" g="0" b="0"/>
+      </a:fillRef>
+      <a:effectRef idx="0">
+        <a:scrgbClr r="0" g="0" b="0"/>
+      </a:effectRef>
+      <a:fontRef idx="minor"/>
+    </dgm:style>
+  </dgm:styleLbl>
+  <dgm:styleLbl name="parChTrans1D4">
+    <dgm:scene3d>
+      <a:camera prst="orthographicFront"/>
+      <a:lightRig rig="threePt" dir="t"/>
+    </dgm:scene3d>
+    <dgm:sp3d/>
+    <dgm:txPr/>
+    <dgm:style>
+      <a:lnRef idx="2">
+        <a:scrgbClr r="0" g="0" b="0"/>
+      </a:lnRef>
+      <a:fillRef idx="0">
+        <a:scrgbClr r="0" g="0" b="0"/>
+      </a:fillRef>
+      <a:effectRef idx="0">
+        <a:scrgbClr r="0" g="0" b="0"/>
+      </a:effectRef>
+      <a:fontRef idx="minor"/>
+    </dgm:style>
+  </dgm:styleLbl>
+  <dgm:styleLbl name="fgAcc1">
+    <dgm:scene3d>
+      <a:camera prst="orthographicFront"/>
+      <a:lightRig rig="threePt" dir="t"/>
+    </dgm:scene3d>
+    <dgm:sp3d/>
+    <dgm:txPr/>
+    <dgm:style>
+      <a:lnRef idx="2">
+        <a:scrgbClr r="0" g="0" b="0"/>
+      </a:lnRef>
+      <a:fillRef idx="1">
+        <a:scrgbClr r="0" g="0" b="0"/>
+      </a:fillRef>
+      <a:effectRef idx="0">
+        <a:scrgbClr r="0" g="0" b="0"/>
+      </a:effectRef>
+      <a:fontRef idx="minor"/>
+    </dgm:style>
+  </dgm:styleLbl>
+  <dgm:styleLbl name="conFgAcc1">
+    <dgm:scene3d>
+      <a:camera prst="orthographicFront"/>
+      <a:lightRig rig="threePt" dir="t"/>
+    </dgm:scene3d>
+    <dgm:sp3d/>
+    <dgm:txPr/>
+    <dgm:style>
+      <a:lnRef idx="2">
+        <a:scrgbClr r="0" g="0" b="0"/>
+      </a:lnRef>
+      <a:fillRef idx="1">
+        <a:scrgbClr r="0" g="0" b="0"/>
+      </a:fillRef>
+      <a:effectRef idx="0">
+        <a:scrgbClr r="0" g="0" b="0"/>
+      </a:effectRef>
+      <a:fontRef idx="minor"/>
+    </dgm:style>
+  </dgm:styleLbl>
+  <dgm:styleLbl name="alignAcc1">
+    <dgm:scene3d>
+      <a:camera prst="orthographicFront"/>
+      <a:lightRig rig="threePt" dir="t"/>
+    </dgm:scene3d>
+    <dgm:sp3d/>
+    <dgm:txPr/>
+    <dgm:style>
+      <a:lnRef idx="2">
+        <a:scrgbClr r="0" g="0" b="0"/>
+      </a:lnRef>
+      <a:fillRef idx="1">
+        <a:scrgbClr r="0" g="0" b="0"/>
+      </a:fillRef>
+      <a:effectRef idx="0">
+        <a:scrgbClr r="0" g="0" b="0"/>
+      </a:effectRef>
+      <a:fontRef idx="minor"/>
+    </dgm:style>
+  </dgm:styleLbl>
+  <dgm:styleLbl name="trAlignAcc1">
+    <dgm:scene3d>
+      <a:camera prst="orthographicFront"/>
+      <a:lightRig rig="threePt" dir="t"/>
+    </dgm:scene3d>
+    <dgm:sp3d/>
+    <dgm:txPr/>
+    <dgm:style>
+      <a:lnRef idx="1">
+        <a:scrgbClr r="0" g="0" b="0"/>
+      </a:lnRef>
+      <a:fillRef idx="1">
+        <a:scrgbClr r="0" g="0" b="0"/>
+      </a:fillRef>
+      <a:effectRef idx="0">
+        <a:scrgbClr r="0" g="0" b="0"/>
+      </a:effectRef>
+      <a:fontRef idx="minor"/>
+    </dgm:style>
+  </dgm:styleLbl>
+  <dgm:styleLbl name="bgAcc1">
+    <dgm:scene3d>
+      <a:camera prst="orthographicFront"/>
+      <a:lightRig rig="threePt" dir="t"/>
+    </dgm:scene3d>
+    <dgm:sp3d/>
+    <dgm:txPr/>
+    <dgm:style>
+      <a:lnRef idx="2">
+        <a:scrgbClr r="0" g="0" b="0"/>
+      </a:lnRef>
+      <a:fillRef idx="1">
+        <a:scrgbClr r="0" g="0" b="0"/>
+      </a:fillRef>
+      <a:effectRef idx="0">
+        <a:scrgbClr r="0" g="0" b="0"/>
+      </a:effectRef>
+      <a:fontRef idx="minor"/>
+    </dgm:style>
+  </dgm:styleLbl>
+  <dgm:styleLbl name="solidFgAcc1">
+    <dgm:scene3d>
+      <a:camera prst="orthographicFront"/>
+      <a:lightRig rig="threePt" dir="t"/>
+    </dgm:scene3d>
+    <dgm:sp3d/>
+    <dgm:txPr/>
+    <dgm:style>
+      <a:lnRef idx="2">
+        <a:scrgbClr r="0" g="0" b="0"/>
+      </a:lnRef>
+      <a:fillRef idx="1">
+        <a:scrgbClr r="0" g="0" b="0"/>
+      </a:fillRef>
+      <a:effectRef idx="0">
+        <a:scrgbClr r="0" g="0" b="0"/>
+      </a:effectRef>
+      <a:fontRef idx="minor"/>
+    </dgm:style>
+  </dgm:styleLbl>
+  <dgm:styleLbl name="solidAlignAcc1">
+    <dgm:scene3d>
+      <a:camera prst="orthographicFront"/>
+      <a:lightRig rig="threePt" dir="t"/>
+    </dgm:scene3d>
+    <dgm:sp3d/>
+    <dgm:txPr/>
+    <dgm:style>
+      <a:lnRef idx="2">
+        <a:scrgbClr r="0" g="0" b="0"/>
+      </a:lnRef>
+      <a:fillRef idx="1">
+        <a:scrgbClr r="0" g="0" b="0"/>
+      </a:fillRef>
+      <a:effectRef idx="0">
+        <a:scrgbClr r="0" g="0" b="0"/>
+      </a:effectRef>
+      <a:fontRef idx="minor"/>
+    </dgm:style>
+  </dgm:styleLbl>
+  <dgm:styleLbl name="solidBgAcc1">
+    <dgm:scene3d>
+      <a:camera prst="orthographicFront"/>
+      <a:lightRig rig="threePt" dir="t"/>
+    </dgm:scene3d>
+    <dgm:sp3d/>
+    <dgm:txPr/>
+    <dgm:style>
+      <a:lnRef idx="2">
+        <a:scrgbClr r="0" g="0" b="0"/>
+      </a:lnRef>
+      <a:fillRef idx="1">
+        <a:scrgbClr r="0" g="0" b="0"/>
+      </a:fillRef>
+      <a:effectRef idx="0">
+        <a:scrgbClr r="0" g="0" b="0"/>
+      </a:effectRef>
+      <a:fontRef idx="minor"/>
+    </dgm:style>
+  </dgm:styleLbl>
+  <dgm:styleLbl name="fgAccFollowNode1">
+    <dgm:scene3d>
+      <a:camera prst="orthographicFront"/>
+      <a:lightRig rig="threePt" dir="t"/>
+    </dgm:scene3d>
+    <dgm:sp3d/>
+    <dgm:txPr/>
+    <dgm:style>
+      <a:lnRef idx="2">
+        <a:scrgbClr r="0" g="0" b="0"/>
+      </a:lnRef>
+      <a:fillRef idx="1">
+        <a:scrgbClr r="0" g="0" b="0"/>
+      </a:fillRef>
+      <a:effectRef idx="0">
+        <a:scrgbClr r="0" g="0" b="0"/>
+      </a:effectRef>
+      <a:fontRef idx="minor"/>
+    </dgm:style>
+  </dgm:styleLbl>
+  <dgm:styleLbl name="alignAccFollowNode1">
+    <dgm:scene3d>
+      <a:camera prst="orthographicFront"/>
+      <a:lightRig rig="threePt" dir="t"/>
+    </dgm:scene3d>
+    <dgm:sp3d/>
+    <dgm:txPr/>
+    <dgm:style>
+      <a:lnRef idx="2">
+        <a:scrgbClr r="0" g="0" b="0"/>
+      </a:lnRef>
+      <a:fillRef idx="1">
+        <a:scrgbClr r="0" g="0" b="0"/>
+      </a:fillRef>
+      <a:effectRef idx="0">
+        <a:scrgbClr r="0" g="0" b="0"/>
+      </a:effectRef>
+      <a:fontRef idx="minor"/>
+    </dgm:style>
+  </dgm:styleLbl>
+  <dgm:styleLbl name="bgAccFollowNode1">
+    <dgm:scene3d>
+      <a:camera prst="orthographicFront"/>
+      <a:lightRig rig="threePt" dir="t"/>
+    </dgm:scene3d>
+    <dgm:sp3d/>
+    <dgm:txPr/>
+    <dgm:style>
+      <a:lnRef idx="2">
+        <a:scrgbClr r="0" g="0" b="0"/>
+      </a:lnRef>
+      <a:fillRef idx="1">
+        <a:scrgbClr r="0" g="0" b="0"/>
+      </a:fillRef>
+      <a:effectRef idx="0">
+        <a:scrgbClr r="0" g="0" b="0"/>
+      </a:effectRef>
+      <a:fontRef idx="minor"/>
+    </dgm:style>
+  </dgm:styleLbl>
+  <dgm:styleLbl name="fgAcc0">
+    <dgm:scene3d>
+      <a:camera prst="orthographicFront"/>
+      <a:lightRig rig="threePt" dir="t"/>
+    </dgm:scene3d>
+    <dgm:sp3d/>
+    <dgm:txPr/>
+    <dgm:style>
+      <a:lnRef idx="2">
+        <a:scrgbClr r="0" g="0" b="0"/>
+      </a:lnRef>
+      <a:fillRef idx="1">
+        <a:scrgbClr r="0" g="0" b="0"/>
+      </a:fillRef>
+      <a:effectRef idx="0">
+        <a:scrgbClr r="0" g="0" b="0"/>
+      </a:effectRef>
+      <a:fontRef idx="minor"/>
+    </dgm:style>
+  </dgm:styleLbl>
+  <dgm:styleLbl name="fgAcc2">
+    <dgm:scene3d>
+      <a:camera prst="orthographicFront"/>
+      <a:lightRig rig="threePt" dir="t"/>
+    </dgm:scene3d>
+    <dgm:sp3d/>
+    <dgm:txPr/>
+    <dgm:style>
+      <a:lnRef idx="2">
+        <a:scrgbClr r="0" g="0" b="0"/>
+      </a:lnRef>
+      <a:fillRef idx="1">
+        <a:scrgbClr r="0" g="0" b="0"/>
+      </a:fillRef>
+      <a:effectRef idx="0">
+        <a:scrgbClr r="0" g="0" b="0"/>
+      </a:effectRef>
+      <a:fontRef idx="minor"/>
+    </dgm:style>
+  </dgm:styleLbl>
+  <dgm:styleLbl name="fgAcc3">
+    <dgm:scene3d>
+      <a:camera prst="orthographicFront"/>
+      <a:lightRig rig="threePt" dir="t"/>
+    </dgm:scene3d>
+    <dgm:sp3d/>
+    <dgm:txPr/>
+    <dgm:style>
+      <a:lnRef idx="2">
+        <a:scrgbClr r="0" g="0" b="0"/>
+      </a:lnRef>
+      <a:fillRef idx="1">
+        <a:scrgbClr r="0" g="0" b="0"/>
+      </a:fillRef>
+      <a:effectRef idx="0">
+        <a:scrgbClr r="0" g="0" b="0"/>
+      </a:effectRef>
+      <a:fontRef idx="minor"/>
+    </dgm:style>
+  </dgm:styleLbl>
+  <dgm:styleLbl name="fgAcc4">
+    <dgm:scene3d>
+      <a:camera prst="orthographicFront"/>
+      <a:lightRig rig="threePt" dir="t"/>
+    </dgm:scene3d>
+    <dgm:sp3d/>
+    <dgm:txPr/>
+    <dgm:style>
+      <a:lnRef idx="2">
+        <a:scrgbClr r="0" g="0" b="0"/>
+      </a:lnRef>
+      <a:fillRef idx="1">
+        <a:scrgbClr r="0" g="0" b="0"/>
+      </a:fillRef>
+      <a:effectRef idx="0">
+        <a:scrgbClr r="0" g="0" b="0"/>
+      </a:effectRef>
+      <a:fontRef idx="minor"/>
+    </dgm:style>
+  </dgm:styleLbl>
+  <dgm:styleLbl name="bgShp">
+    <dgm:scene3d>
+      <a:camera prst="orthographicFront"/>
+      <a:lightRig rig="threePt" dir="t"/>
+    </dgm:scene3d>
+    <dgm:sp3d/>
+    <dgm:txPr/>
+    <dgm:style>
+      <a:lnRef idx="0">
+        <a:scrgbClr r="0" g="0" b="0"/>
+      </a:lnRef>
+      <a:fillRef idx="1">
+        <a:scrgbClr r="0" g="0" b="0"/>
+      </a:fillRef>
+      <a:effectRef idx="0">
+        <a:scrgbClr r="0" g="0" b="0"/>
+      </a:effectRef>
+      <a:fontRef idx="minor"/>
+    </dgm:style>
+  </dgm:styleLbl>
+  <dgm:styleLbl name="dkBgShp">
+    <dgm:scene3d>
+      <a:camera prst="orthographicFront"/>
+      <a:lightRig rig="threePt" dir="t"/>
+    </dgm:scene3d>
+    <dgm:sp3d/>
+    <dgm:txPr/>
+    <dgm:style>
+      <a:lnRef idx="0">
+        <a:scrgbClr r="0" g="0" b="0"/>
+      </a:lnRef>
+      <a:fillRef idx="1">
+        <a:scrgbClr r="0" g="0" b="0"/>
+      </a:fillRef>
+      <a:effectRef idx="0">
+        <a:scrgbClr r="0" g="0" b="0"/>
+      </a:effectRef>
+      <a:fontRef idx="minor"/>
+    </dgm:style>
+  </dgm:styleLbl>
+  <dgm:styleLbl name="trBgShp">
+    <dgm:scene3d>
+      <a:camera prst="orthographicFront"/>
+      <a:lightRig rig="threePt" dir="t"/>
+    </dgm:scene3d>
+    <dgm:sp3d/>
+    <dgm:txPr/>
+    <dgm:style>
+      <a:lnRef idx="0">
+        <a:scrgbClr r="0" g="0" b="0"/>
+      </a:lnRef>
+      <a:fillRef idx="1">
+        <a:scrgbClr r="0" g="0" b="0"/>
+      </a:fillRef>
+      <a:effectRef idx="0">
+        <a:scrgbClr r="0" g="0" b="0"/>
+      </a:effectRef>
+      <a:fontRef idx="minor"/>
+    </dgm:style>
+  </dgm:styleLbl>
+  <dgm:styleLbl name="fgShp">
+    <dgm:scene3d>
+      <a:camera prst="orthographicFront"/>
+      <a:lightRig rig="threePt" dir="t"/>
+    </dgm:scene3d>
+    <dgm:sp3d/>
+    <dgm:txPr/>
+    <dgm:style>
+      <a:lnRef idx="2">
+        <a:scrgbClr r="0" g="0" b="0"/>
+      </a:lnRef>
+      <a:fillRef idx="1">
+        <a:scrgbClr r="0" g="0" b="0"/>
+      </a:fillRef>
+      <a:effectRef idx="0">
+        <a:scrgbClr r="0" g="0" b="0"/>
+      </a:effectRef>
+      <a:fontRef idx="minor"/>
+    </dgm:style>
+  </dgm:styleLbl>
+  <dgm:styleLbl name="revTx">
+    <dgm:scene3d>
+      <a:camera prst="orthographicFront"/>
+      <a:lightRig rig="threePt" dir="t"/>
+    </dgm:scene3d>
+    <dgm:sp3d/>
+    <dgm:txPr/>
+    <dgm:style>
+      <a:lnRef idx="0">
+        <a:scrgbClr r="0" g="0" b="0"/>
+      </a:lnRef>
+      <a:fillRef idx="0">
+        <a:scrgbClr r="0" g="0" b="0"/>
+      </a:fillRef>
+      <a:effectRef idx="0">
+        <a:scrgbClr r="0" g="0" b="0"/>
+      </a:effectRef>
+      <a:fontRef idx="minor"/>
+    </dgm:style>
+  </dgm:styleLbl>
+</dgm:styleDef>
+</file>
+
 <file path=ppt/slideLayouts/slideLayout1.xml><?xml version="1.0" encoding="utf-8"?>
 <p:sldLayout xmlns:a="http://schemas.openxmlformats.org/drawingml/2006/main" xmlns:r="http://schemas.openxmlformats.org/officeDocument/2006/relationships" xmlns:p="http://schemas.openxmlformats.org/presentationml/2006/main" type="title" preserve="1">
   <p:cSld name="Diapositiva de título">
@@ -279,7 +2931,7 @@
           <a:p>
             <a:fld id="{4835AAB7-E587-4E5A-B562-D8E8496AAA95}" type="datetimeFigureOut">
               <a:rPr lang="es-MX" smtClean="0"/>
-              <a:t>23/11/2022</a:t>
+              <a:t>25/11/2022</a:t>
             </a:fld>
             <a:endParaRPr lang="es-MX"/>
           </a:p>
@@ -479,7 +3131,7 @@
           <a:p>
             <a:fld id="{4835AAB7-E587-4E5A-B562-D8E8496AAA95}" type="datetimeFigureOut">
               <a:rPr lang="es-MX" smtClean="0"/>
-              <a:t>23/11/2022</a:t>
+              <a:t>25/11/2022</a:t>
             </a:fld>
             <a:endParaRPr lang="es-MX"/>
           </a:p>
@@ -689,7 +3341,7 @@
           <a:p>
             <a:fld id="{4835AAB7-E587-4E5A-B562-D8E8496AAA95}" type="datetimeFigureOut">
               <a:rPr lang="es-MX" smtClean="0"/>
-              <a:t>23/11/2022</a:t>
+              <a:t>25/11/2022</a:t>
             </a:fld>
             <a:endParaRPr lang="es-MX"/>
           </a:p>
@@ -889,7 +3541,7 @@
           <a:p>
             <a:fld id="{4835AAB7-E587-4E5A-B562-D8E8496AAA95}" type="datetimeFigureOut">
               <a:rPr lang="es-MX" smtClean="0"/>
-              <a:t>23/11/2022</a:t>
+              <a:t>25/11/2022</a:t>
             </a:fld>
             <a:endParaRPr lang="es-MX"/>
           </a:p>
@@ -1165,7 +3817,7 @@
           <a:p>
             <a:fld id="{4835AAB7-E587-4E5A-B562-D8E8496AAA95}" type="datetimeFigureOut">
               <a:rPr lang="es-MX" smtClean="0"/>
-              <a:t>23/11/2022</a:t>
+              <a:t>25/11/2022</a:t>
             </a:fld>
             <a:endParaRPr lang="es-MX"/>
           </a:p>
@@ -1433,7 +4085,7 @@
           <a:p>
             <a:fld id="{4835AAB7-E587-4E5A-B562-D8E8496AAA95}" type="datetimeFigureOut">
               <a:rPr lang="es-MX" smtClean="0"/>
-              <a:t>23/11/2022</a:t>
+              <a:t>25/11/2022</a:t>
             </a:fld>
             <a:endParaRPr lang="es-MX"/>
           </a:p>
@@ -1848,7 +4500,7 @@
           <a:p>
             <a:fld id="{4835AAB7-E587-4E5A-B562-D8E8496AAA95}" type="datetimeFigureOut">
               <a:rPr lang="es-MX" smtClean="0"/>
-              <a:t>23/11/2022</a:t>
+              <a:t>25/11/2022</a:t>
             </a:fld>
             <a:endParaRPr lang="es-MX"/>
           </a:p>
@@ -1990,7 +4642,7 @@
           <a:p>
             <a:fld id="{4835AAB7-E587-4E5A-B562-D8E8496AAA95}" type="datetimeFigureOut">
               <a:rPr lang="es-MX" smtClean="0"/>
-              <a:t>23/11/2022</a:t>
+              <a:t>25/11/2022</a:t>
             </a:fld>
             <a:endParaRPr lang="es-MX"/>
           </a:p>
@@ -2103,7 +4755,7 @@
           <a:p>
             <a:fld id="{4835AAB7-E587-4E5A-B562-D8E8496AAA95}" type="datetimeFigureOut">
               <a:rPr lang="es-MX" smtClean="0"/>
-              <a:t>23/11/2022</a:t>
+              <a:t>25/11/2022</a:t>
             </a:fld>
             <a:endParaRPr lang="es-MX"/>
           </a:p>
@@ -2416,7 +5068,7 @@
           <a:p>
             <a:fld id="{4835AAB7-E587-4E5A-B562-D8E8496AAA95}" type="datetimeFigureOut">
               <a:rPr lang="es-MX" smtClean="0"/>
-              <a:t>23/11/2022</a:t>
+              <a:t>25/11/2022</a:t>
             </a:fld>
             <a:endParaRPr lang="es-MX"/>
           </a:p>
@@ -2705,7 +5357,7 @@
           <a:p>
             <a:fld id="{4835AAB7-E587-4E5A-B562-D8E8496AAA95}" type="datetimeFigureOut">
               <a:rPr lang="es-MX" smtClean="0"/>
-              <a:t>23/11/2022</a:t>
+              <a:t>25/11/2022</a:t>
             </a:fld>
             <a:endParaRPr lang="es-MX"/>
           </a:p>
@@ -2948,7 +5600,7 @@
           <a:p>
             <a:fld id="{4835AAB7-E587-4E5A-B562-D8E8496AAA95}" type="datetimeFigureOut">
               <a:rPr lang="es-MX" smtClean="0"/>
-              <a:t>23/11/2022</a:t>
+              <a:t>25/11/2022</a:t>
             </a:fld>
             <a:endParaRPr lang="es-MX"/>
           </a:p>
@@ -3351,6 +6003,14 @@
 <file path=ppt/slides/slide1.xml><?xml version="1.0" encoding="utf-8"?>
 <p:sld xmlns:a="http://schemas.openxmlformats.org/drawingml/2006/main" xmlns:r="http://schemas.openxmlformats.org/officeDocument/2006/relationships" xmlns:p="http://schemas.openxmlformats.org/presentationml/2006/main">
   <p:cSld>
+    <p:bg>
+      <p:bgPr>
+        <a:solidFill>
+          <a:schemeClr val="bg1"/>
+        </a:solidFill>
+        <a:effectLst/>
+      </p:bgPr>
+    </p:bg>
     <p:spTree>
       <p:nvGrpSpPr>
         <p:cNvPr id="1" name=""/>
@@ -3365,6 +6025,195 @@
           <a:chExt cx="0" cy="0"/>
         </a:xfrm>
       </p:grpSpPr>
+      <p:sp useBgFill="1">
+        <p:nvSpPr>
+          <p:cNvPr id="8" name="Rectangle 7">
+            <a:extLst>
+              <a:ext uri="{FF2B5EF4-FFF2-40B4-BE49-F238E27FC236}">
+                <a16:creationId xmlns:a16="http://schemas.microsoft.com/office/drawing/2014/main" id="{934F1179-B481-4F9E-BCA3-AFB972070F83}"/>
+              </a:ext>
+              <a:ext uri="{C183D7F6-B498-43B3-948B-1728B52AA6E4}">
+                <adec:decorative xmlns:adec="http://schemas.microsoft.com/office/drawing/2017/decorative" val="1"/>
+              </a:ext>
+            </a:extLst>
+          </p:cNvPr>
+          <p:cNvSpPr>
+            <a:spLocks noGrp="1" noRot="1" noChangeAspect="1" noMove="1" noResize="1" noEditPoints="1" noAdjustHandles="1" noChangeArrowheads="1" noChangeShapeType="1" noTextEdit="1"/>
+          </p:cNvSpPr>
+          <p:nvPr>
+            <p:extLst>
+              <p:ext uri="{386F3935-93C4-4BCD-93E2-E3B085C9AB24}">
+                <p16:designElem xmlns:p16="http://schemas.microsoft.com/office/powerpoint/2015/main" val="1"/>
+              </p:ext>
+            </p:extLst>
+          </p:nvPr>
+        </p:nvSpPr>
+        <p:spPr>
+          <a:xfrm>
+            <a:off x="0" y="0"/>
+            <a:ext cx="12192000" cy="6858000"/>
+          </a:xfrm>
+          <a:prstGeom prst="rect">
+            <a:avLst/>
+          </a:prstGeom>
+          <a:ln>
+            <a:noFill/>
+          </a:ln>
+        </p:spPr>
+        <p:style>
+          <a:lnRef idx="2">
+            <a:schemeClr val="accent1">
+              <a:shade val="50000"/>
+            </a:schemeClr>
+          </a:lnRef>
+          <a:fillRef idx="1">
+            <a:schemeClr val="accent1"/>
+          </a:fillRef>
+          <a:effectRef idx="0">
+            <a:schemeClr val="accent1"/>
+          </a:effectRef>
+          <a:fontRef idx="minor">
+            <a:schemeClr val="lt1"/>
+          </a:fontRef>
+        </p:style>
+        <p:txBody>
+          <a:bodyPr rtlCol="0" anchor="ctr"/>
+          <a:lstStyle/>
+          <a:p>
+            <a:pPr algn="ctr"/>
+            <a:endParaRPr lang="en-US"/>
+          </a:p>
+        </p:txBody>
+      </p:sp>
+      <p:sp>
+        <p:nvSpPr>
+          <p:cNvPr id="10" name="Right Triangle 9">
+            <a:extLst>
+              <a:ext uri="{FF2B5EF4-FFF2-40B4-BE49-F238E27FC236}">
+                <a16:creationId xmlns:a16="http://schemas.microsoft.com/office/drawing/2014/main" id="{827DC2C4-B485-428A-BF4A-472D2967F47F}"/>
+              </a:ext>
+              <a:ext uri="{C183D7F6-B498-43B3-948B-1728B52AA6E4}">
+                <adec:decorative xmlns:adec="http://schemas.microsoft.com/office/drawing/2017/decorative" val="1"/>
+              </a:ext>
+            </a:extLst>
+          </p:cNvPr>
+          <p:cNvSpPr>
+            <a:spLocks noGrp="1" noRot="1" noChangeAspect="1" noMove="1" noResize="1" noEditPoints="1" noAdjustHandles="1" noChangeArrowheads="1" noChangeShapeType="1" noTextEdit="1"/>
+          </p:cNvSpPr>
+          <p:nvPr>
+            <p:extLst>
+              <p:ext uri="{386F3935-93C4-4BCD-93E2-E3B085C9AB24}">
+                <p16:designElem xmlns:p16="http://schemas.microsoft.com/office/powerpoint/2015/main" val="1"/>
+              </p:ext>
+            </p:extLst>
+          </p:nvPr>
+        </p:nvSpPr>
+        <p:spPr>
+          <a:xfrm flipH="1">
+            <a:off x="8576720" y="3335867"/>
+            <a:ext cx="3291840" cy="3200400"/>
+          </a:xfrm>
+          <a:prstGeom prst="rtTriangle">
+            <a:avLst/>
+          </a:prstGeom>
+          <a:solidFill>
+            <a:schemeClr val="accent4"/>
+          </a:solidFill>
+          <a:ln>
+            <a:noFill/>
+          </a:ln>
+        </p:spPr>
+        <p:style>
+          <a:lnRef idx="2">
+            <a:schemeClr val="accent1">
+              <a:shade val="50000"/>
+            </a:schemeClr>
+          </a:lnRef>
+          <a:fillRef idx="1">
+            <a:schemeClr val="accent1"/>
+          </a:fillRef>
+          <a:effectRef idx="0">
+            <a:schemeClr val="accent1"/>
+          </a:effectRef>
+          <a:fontRef idx="minor">
+            <a:schemeClr val="lt1"/>
+          </a:fontRef>
+        </p:style>
+        <p:txBody>
+          <a:bodyPr rtlCol="0" anchor="ctr"/>
+          <a:lstStyle/>
+          <a:p>
+            <a:pPr algn="ctr"/>
+            <a:endParaRPr lang="en-US" dirty="0"/>
+          </a:p>
+        </p:txBody>
+      </p:sp>
+      <p:sp>
+        <p:nvSpPr>
+          <p:cNvPr id="12" name="Rectangle 11">
+            <a:extLst>
+              <a:ext uri="{FF2B5EF4-FFF2-40B4-BE49-F238E27FC236}">
+                <a16:creationId xmlns:a16="http://schemas.microsoft.com/office/drawing/2014/main" id="{EE04B5EB-F158-4507-90DD-BD23620C7CC9}"/>
+              </a:ext>
+              <a:ext uri="{C183D7F6-B498-43B3-948B-1728B52AA6E4}">
+                <adec:decorative xmlns:adec="http://schemas.microsoft.com/office/drawing/2017/decorative" val="1"/>
+              </a:ext>
+            </a:extLst>
+          </p:cNvPr>
+          <p:cNvSpPr>
+            <a:spLocks noGrp="1" noRot="1" noChangeAspect="1" noMove="1" noResize="1" noEditPoints="1" noAdjustHandles="1" noChangeArrowheads="1" noChangeShapeType="1" noTextEdit="1"/>
+          </p:cNvSpPr>
+          <p:nvPr>
+            <p:extLst>
+              <p:ext uri="{386F3935-93C4-4BCD-93E2-E3B085C9AB24}">
+                <p16:designElem xmlns:p16="http://schemas.microsoft.com/office/powerpoint/2015/main" val="1"/>
+              </p:ext>
+            </p:extLst>
+          </p:nvPr>
+        </p:nvSpPr>
+        <p:spPr>
+          <a:xfrm>
+            <a:off x="641774" y="623275"/>
+            <a:ext cx="10905053" cy="5607882"/>
+          </a:xfrm>
+          <a:prstGeom prst="rect">
+            <a:avLst/>
+          </a:prstGeom>
+          <a:noFill/>
+          <a:ln w="19050">
+            <a:solidFill>
+              <a:schemeClr val="tx1">
+                <a:lumMod val="75000"/>
+                <a:lumOff val="25000"/>
+              </a:schemeClr>
+            </a:solidFill>
+          </a:ln>
+        </p:spPr>
+        <p:style>
+          <a:lnRef idx="2">
+            <a:schemeClr val="accent1">
+              <a:shade val="50000"/>
+            </a:schemeClr>
+          </a:lnRef>
+          <a:fillRef idx="1">
+            <a:schemeClr val="accent1"/>
+          </a:fillRef>
+          <a:effectRef idx="0">
+            <a:schemeClr val="accent1"/>
+          </a:effectRef>
+          <a:fontRef idx="minor">
+            <a:schemeClr val="lt1"/>
+          </a:fontRef>
+        </p:style>
+        <p:txBody>
+          <a:bodyPr rtlCol="0" anchor="ctr"/>
+          <a:lstStyle/>
+          <a:p>
+            <a:pPr algn="ctr"/>
+            <a:endParaRPr lang="en-US"/>
+          </a:p>
+        </p:txBody>
+      </p:sp>
       <p:sp>
         <p:nvSpPr>
           <p:cNvPr id="2" name="Título 1">
@@ -3383,18 +6232,19 @@
         </p:nvSpPr>
         <p:spPr>
           <a:xfrm>
-            <a:off x="1524000" y="1122362"/>
-            <a:ext cx="9144000" cy="3281195"/>
+            <a:off x="1285241" y="1008993"/>
+            <a:ext cx="9231410" cy="3542045"/>
           </a:xfrm>
         </p:spPr>
         <p:txBody>
-          <a:bodyPr>
-            <a:normAutofit fontScale="90000"/>
+          <a:bodyPr anchor="b">
+            <a:normAutofit/>
           </a:bodyPr>
           <a:lstStyle/>
           <a:p>
-            <a:r>
-              <a:rPr lang="es-MX" dirty="0"/>
+            <a:pPr algn="l"/>
+            <a:r>
+              <a:rPr lang="es-MX" sz="5500"/>
               <a:t>Un acercamiento a la tarifa de Gran Demanda Media Tensión Horaria del consumo eléctrico en México</a:t>
             </a:r>
           </a:p>
@@ -3418,26 +6268,30 @@
         </p:nvSpPr>
         <p:spPr>
           <a:xfrm>
-            <a:off x="1524000" y="5436853"/>
-            <a:ext cx="9144000" cy="729330"/>
+            <a:off x="1285241" y="4582814"/>
+            <a:ext cx="7132335" cy="1312657"/>
           </a:xfrm>
         </p:spPr>
         <p:txBody>
-          <a:bodyPr>
-            <a:normAutofit fontScale="92500" lnSpcReduction="20000"/>
+          <a:bodyPr anchor="t">
+            <a:normAutofit/>
           </a:bodyPr>
           <a:lstStyle/>
           <a:p>
+            <a:pPr algn="l"/>
             <a:r>
               <a:rPr lang="es-MX" dirty="0"/>
               <a:t>Pedro Arturo Flores Silva</a:t>
             </a:r>
-          </a:p>
-          <a:p>
+            <a:endParaRPr lang="es-MX"/>
+          </a:p>
+          <a:p>
+            <a:pPr algn="l"/>
             <a:r>
               <a:rPr lang="es-MX" dirty="0"/>
               <a:t>ATCO México</a:t>
             </a:r>
+            <a:endParaRPr lang="es-MX"/>
           </a:p>
         </p:txBody>
       </p:sp>
@@ -3487,6 +6341,554 @@
             <p:ph type="title"/>
           </p:nvPr>
         </p:nvSpPr>
+        <p:spPr/>
+        <p:txBody>
+          <a:bodyPr>
+            <a:normAutofit/>
+          </a:bodyPr>
+          <a:lstStyle/>
+          <a:p>
+            <a:r>
+              <a:rPr lang="es-MX" sz="3600" dirty="0"/>
+              <a:t>17 Divisiones tarifarias CFE (oficiales)</a:t>
+            </a:r>
+          </a:p>
+        </p:txBody>
+      </p:sp>
+      <p:pic>
+        <p:nvPicPr>
+          <p:cNvPr id="1026" name="Picture 2">
+            <a:extLst>
+              <a:ext uri="{FF2B5EF4-FFF2-40B4-BE49-F238E27FC236}">
+                <a16:creationId xmlns:a16="http://schemas.microsoft.com/office/drawing/2014/main" id="{97604844-1427-7E4B-F873-1AB4C0093805}"/>
+              </a:ext>
+            </a:extLst>
+          </p:cNvPr>
+          <p:cNvPicPr>
+            <a:picLocks noGrp="1" noChangeAspect="1" noChangeArrowheads="1"/>
+          </p:cNvPicPr>
+          <p:nvPr>
+            <p:ph idx="1"/>
+          </p:nvPr>
+        </p:nvPicPr>
+        <p:blipFill>
+          <a:blip r:embed="rId2">
+            <a:extLst>
+              <a:ext uri="{28A0092B-C50C-407E-A947-70E740481C1C}">
+                <a14:useLocalDpi xmlns:a14="http://schemas.microsoft.com/office/drawing/2010/main" val="0"/>
+              </a:ext>
+            </a:extLst>
+          </a:blip>
+          <a:srcRect/>
+          <a:stretch>
+            <a:fillRect/>
+          </a:stretch>
+        </p:blipFill>
+        <p:spPr bwMode="auto">
+          <a:xfrm>
+            <a:off x="286082" y="2220555"/>
+            <a:ext cx="5495925" cy="3743325"/>
+          </a:xfrm>
+          <a:prstGeom prst="rect">
+            <a:avLst/>
+          </a:prstGeom>
+          <a:noFill/>
+          <a:extLst>
+            <a:ext uri="{909E8E84-426E-40DD-AFC4-6F175D3DCCD1}">
+              <a14:hiddenFill xmlns:a14="http://schemas.microsoft.com/office/drawing/2010/main">
+                <a:solidFill>
+                  <a:srgbClr val="FFFFFF"/>
+                </a:solidFill>
+              </a14:hiddenFill>
+            </a:ext>
+          </a:extLst>
+        </p:spPr>
+      </p:pic>
+      <p:sp>
+        <p:nvSpPr>
+          <p:cNvPr id="4" name="CuadroTexto 3">
+            <a:extLst>
+              <a:ext uri="{FF2B5EF4-FFF2-40B4-BE49-F238E27FC236}">
+                <a16:creationId xmlns:a16="http://schemas.microsoft.com/office/drawing/2014/main" id="{5C87D09B-71A2-3C4C-D65C-890482376FEF}"/>
+              </a:ext>
+            </a:extLst>
+          </p:cNvPr>
+          <p:cNvSpPr txBox="1"/>
+          <p:nvPr/>
+        </p:nvSpPr>
+        <p:spPr>
+          <a:xfrm>
+            <a:off x="6096000" y="1691561"/>
+            <a:ext cx="5633672" cy="4801314"/>
+          </a:xfrm>
+          <a:prstGeom prst="rect">
+            <a:avLst/>
+          </a:prstGeom>
+          <a:noFill/>
+        </p:spPr>
+        <p:txBody>
+          <a:bodyPr wrap="square" rtlCol="0">
+            <a:spAutoFit/>
+          </a:bodyPr>
+          <a:lstStyle/>
+          <a:p>
+            <a:r>
+              <a:rPr lang="es-MX" dirty="0"/>
+              <a:t>Los datos extraídos de </a:t>
+            </a:r>
+            <a:r>
+              <a:rPr lang="es-MX" b="1" i="1" dirty="0"/>
+              <a:t>“Gran demanda en media tensión</a:t>
+            </a:r>
+          </a:p>
+          <a:p>
+            <a:r>
+              <a:rPr lang="es-MX" b="1" i="1" dirty="0"/>
+              <a:t>Horaria” </a:t>
+            </a:r>
+            <a:r>
+              <a:rPr lang="es-MX" dirty="0"/>
+              <a:t>(GDMTH) se encontraron 30 regiones únicas</a:t>
+            </a:r>
+            <a:r>
+              <a:rPr lang="es-MX" b="1" i="1" dirty="0"/>
+              <a:t>:</a:t>
+            </a:r>
+          </a:p>
+          <a:p>
+            <a:pPr marL="342900" indent="-342900">
+              <a:buFont typeface="+mj-lt"/>
+              <a:buAutoNum type="arabicPeriod" startAt="16"/>
+            </a:pPr>
+            <a:r>
+              <a:rPr lang="es-MX" dirty="0"/>
+              <a:t>Golfo Norte y Norte</a:t>
+            </a:r>
+          </a:p>
+          <a:p>
+            <a:pPr marL="342900" indent="-342900">
+              <a:buFont typeface="+mj-lt"/>
+              <a:buAutoNum type="arabicPeriod" startAt="16"/>
+            </a:pPr>
+            <a:r>
+              <a:rPr lang="es-MX" dirty="0">
+                <a:highlight>
+                  <a:srgbClr val="008080"/>
+                </a:highlight>
+              </a:rPr>
+              <a:t>Jalisco</a:t>
+            </a:r>
+          </a:p>
+          <a:p>
+            <a:pPr marL="342900" indent="-342900">
+              <a:buFont typeface="+mj-lt"/>
+              <a:buAutoNum type="arabicPeriod" startAt="16"/>
+            </a:pPr>
+            <a:r>
+              <a:rPr lang="es-MX" dirty="0">
+                <a:highlight>
+                  <a:srgbClr val="008080"/>
+                </a:highlight>
+              </a:rPr>
+              <a:t>Noroeste</a:t>
+            </a:r>
+          </a:p>
+          <a:p>
+            <a:pPr marL="342900" indent="-342900">
+              <a:buFont typeface="+mj-lt"/>
+              <a:buAutoNum type="arabicPeriod" startAt="16"/>
+            </a:pPr>
+            <a:r>
+              <a:rPr lang="es-MX" dirty="0"/>
+              <a:t>Noroeste y Norte</a:t>
+            </a:r>
+          </a:p>
+          <a:p>
+            <a:pPr marL="342900" indent="-342900">
+              <a:buFont typeface="+mj-lt"/>
+              <a:buAutoNum type="arabicPeriod" startAt="16"/>
+            </a:pPr>
+            <a:r>
+              <a:rPr lang="es-MX" dirty="0">
+                <a:highlight>
+                  <a:srgbClr val="008080"/>
+                </a:highlight>
+              </a:rPr>
+              <a:t>Norte</a:t>
+            </a:r>
+          </a:p>
+          <a:p>
+            <a:pPr marL="342900" indent="-342900">
+              <a:buFont typeface="+mj-lt"/>
+              <a:buAutoNum type="arabicPeriod" startAt="16"/>
+            </a:pPr>
+            <a:r>
+              <a:rPr lang="es-MX" dirty="0">
+                <a:highlight>
+                  <a:srgbClr val="008080"/>
+                </a:highlight>
+              </a:rPr>
+              <a:t>Oriente</a:t>
+            </a:r>
+          </a:p>
+          <a:p>
+            <a:pPr marL="342900" indent="-342900">
+              <a:buFont typeface="+mj-lt"/>
+              <a:buAutoNum type="arabicPeriod" startAt="16"/>
+            </a:pPr>
+            <a:r>
+              <a:rPr lang="es-MX" dirty="0">
+                <a:highlight>
+                  <a:srgbClr val="008080"/>
+                </a:highlight>
+              </a:rPr>
+              <a:t>Peninsular</a:t>
+            </a:r>
+          </a:p>
+          <a:p>
+            <a:pPr marL="342900" indent="-342900">
+              <a:buFont typeface="+mj-lt"/>
+              <a:buAutoNum type="arabicPeriod" startAt="16"/>
+            </a:pPr>
+            <a:r>
+              <a:rPr lang="es-MX" dirty="0">
+                <a:highlight>
+                  <a:srgbClr val="008080"/>
+                </a:highlight>
+              </a:rPr>
+              <a:t>Sureste</a:t>
+            </a:r>
+          </a:p>
+          <a:p>
+            <a:pPr marL="342900" indent="-342900">
+              <a:buFont typeface="+mj-lt"/>
+              <a:buAutoNum type="arabicPeriod" startAt="16"/>
+            </a:pPr>
+            <a:r>
+              <a:rPr lang="es-MX" dirty="0">
+                <a:highlight>
+                  <a:srgbClr val="008080"/>
+                </a:highlight>
+              </a:rPr>
+              <a:t>Valle de México Centro</a:t>
+            </a:r>
+          </a:p>
+          <a:p>
+            <a:pPr marL="342900" indent="-342900">
+              <a:buFont typeface="+mj-lt"/>
+              <a:buAutoNum type="arabicPeriod" startAt="16"/>
+            </a:pPr>
+            <a:r>
+              <a:rPr lang="es-MX" dirty="0"/>
+              <a:t>Valle de México Centro y Sur</a:t>
+            </a:r>
+          </a:p>
+          <a:p>
+            <a:pPr marL="342900" indent="-342900">
+              <a:buFont typeface="+mj-lt"/>
+              <a:buAutoNum type="arabicPeriod" startAt="16"/>
+            </a:pPr>
+            <a:r>
+              <a:rPr lang="es-MX" dirty="0">
+                <a:highlight>
+                  <a:srgbClr val="008080"/>
+                </a:highlight>
+              </a:rPr>
+              <a:t>Valle de México Norte</a:t>
+            </a:r>
+          </a:p>
+          <a:p>
+            <a:pPr marL="342900" indent="-342900">
+              <a:buFont typeface="+mj-lt"/>
+              <a:buAutoNum type="arabicPeriod" startAt="16"/>
+            </a:pPr>
+            <a:r>
+              <a:rPr lang="es-MX" dirty="0"/>
+              <a:t>Valle de México Norte y Centro</a:t>
+            </a:r>
+          </a:p>
+          <a:p>
+            <a:pPr marL="342900" indent="-342900">
+              <a:buFont typeface="+mj-lt"/>
+              <a:buAutoNum type="arabicPeriod" startAt="16"/>
+            </a:pPr>
+            <a:r>
+              <a:rPr lang="es-MX" dirty="0"/>
+              <a:t>Valle de México Norte Centro y Sur</a:t>
+            </a:r>
+          </a:p>
+          <a:p>
+            <a:pPr marL="342900" indent="-342900">
+              <a:buFont typeface="+mj-lt"/>
+              <a:buAutoNum type="arabicPeriod" startAt="16"/>
+            </a:pPr>
+            <a:r>
+              <a:rPr lang="es-MX" dirty="0">
+                <a:highlight>
+                  <a:srgbClr val="008080"/>
+                </a:highlight>
+              </a:rPr>
+              <a:t>Valle de México Sur</a:t>
+            </a:r>
+          </a:p>
+          <a:p>
+            <a:pPr marL="342900" indent="-342900">
+              <a:buFont typeface="+mj-lt"/>
+              <a:buAutoNum type="arabicPeriod" startAt="16"/>
+            </a:pPr>
+            <a:r>
+              <a:rPr lang="es-MX" dirty="0"/>
+              <a:t>Valle de México Sur y Centro Oriente</a:t>
+            </a:r>
+          </a:p>
+        </p:txBody>
+      </p:sp>
+      <p:sp>
+        <p:nvSpPr>
+          <p:cNvPr id="3" name="CuadroTexto 2">
+            <a:extLst>
+              <a:ext uri="{FF2B5EF4-FFF2-40B4-BE49-F238E27FC236}">
+                <a16:creationId xmlns:a16="http://schemas.microsoft.com/office/drawing/2014/main" id="{64805C0A-33B3-5E64-0755-223D80EAD2F5}"/>
+              </a:ext>
+            </a:extLst>
+          </p:cNvPr>
+          <p:cNvSpPr txBox="1"/>
+          <p:nvPr/>
+        </p:nvSpPr>
+        <p:spPr>
+          <a:xfrm>
+            <a:off x="0" y="6604084"/>
+            <a:ext cx="2603598" cy="253916"/>
+          </a:xfrm>
+          <a:prstGeom prst="rect">
+            <a:avLst/>
+          </a:prstGeom>
+          <a:noFill/>
+        </p:spPr>
+        <p:txBody>
+          <a:bodyPr wrap="none" rtlCol="0">
+            <a:spAutoFit/>
+          </a:bodyPr>
+          <a:lstStyle/>
+          <a:p>
+            <a:r>
+              <a:rPr lang="es-MX" sz="1050" dirty="0"/>
+              <a:t>Fuente: </a:t>
+            </a:r>
+            <a:r>
+              <a:rPr lang="es-MX" sz="1050" dirty="0">
+                <a:hlinkClick r:id="rId3"/>
+              </a:rPr>
+              <a:t>DOF - Diario Oficial de la Federación</a:t>
+            </a:r>
+            <a:endParaRPr lang="es-MX" sz="1050" dirty="0"/>
+          </a:p>
+        </p:txBody>
+      </p:sp>
+    </p:spTree>
+    <p:extLst>
+      <p:ext uri="{BB962C8B-B14F-4D97-AF65-F5344CB8AC3E}">
+        <p14:creationId xmlns:p14="http://schemas.microsoft.com/office/powerpoint/2010/main" val="2311835591"/>
+      </p:ext>
+    </p:extLst>
+  </p:cSld>
+  <p:clrMapOvr>
+    <a:masterClrMapping/>
+  </p:clrMapOvr>
+</p:sld>
+</file>
+
+<file path=ppt/slides/slide11.xml><?xml version="1.0" encoding="utf-8"?>
+<p:sld xmlns:a="http://schemas.openxmlformats.org/drawingml/2006/main" xmlns:r="http://schemas.openxmlformats.org/officeDocument/2006/relationships" xmlns:p="http://schemas.openxmlformats.org/presentationml/2006/main">
+  <p:cSld>
+    <p:spTree>
+      <p:nvGrpSpPr>
+        <p:cNvPr id="1" name=""/>
+        <p:cNvGrpSpPr/>
+        <p:nvPr/>
+      </p:nvGrpSpPr>
+      <p:grpSpPr>
+        <a:xfrm>
+          <a:off x="0" y="0"/>
+          <a:ext cx="0" cy="0"/>
+          <a:chOff x="0" y="0"/>
+          <a:chExt cx="0" cy="0"/>
+        </a:xfrm>
+      </p:grpSpPr>
+      <p:sp>
+        <p:nvSpPr>
+          <p:cNvPr id="2" name="Título 1">
+            <a:extLst>
+              <a:ext uri="{FF2B5EF4-FFF2-40B4-BE49-F238E27FC236}">
+                <a16:creationId xmlns:a16="http://schemas.microsoft.com/office/drawing/2014/main" id="{FC206C1C-1441-41DF-F1EC-0E186656C380}"/>
+              </a:ext>
+            </a:extLst>
+          </p:cNvPr>
+          <p:cNvSpPr>
+            <a:spLocks noGrp="1"/>
+          </p:cNvSpPr>
+          <p:nvPr>
+            <p:ph type="title"/>
+          </p:nvPr>
+        </p:nvSpPr>
+        <p:spPr/>
+        <p:txBody>
+          <a:bodyPr>
+            <a:normAutofit/>
+          </a:bodyPr>
+          <a:lstStyle/>
+          <a:p>
+            <a:r>
+              <a:rPr lang="es-MX" sz="3600" dirty="0"/>
+              <a:t>17 Divisiones tarifarias CFE (oficiales)</a:t>
+            </a:r>
+          </a:p>
+        </p:txBody>
+      </p:sp>
+      <p:sp>
+        <p:nvSpPr>
+          <p:cNvPr id="3" name="CuadroTexto 2">
+            <a:extLst>
+              <a:ext uri="{FF2B5EF4-FFF2-40B4-BE49-F238E27FC236}">
+                <a16:creationId xmlns:a16="http://schemas.microsoft.com/office/drawing/2014/main" id="{64805C0A-33B3-5E64-0755-223D80EAD2F5}"/>
+              </a:ext>
+            </a:extLst>
+          </p:cNvPr>
+          <p:cNvSpPr txBox="1"/>
+          <p:nvPr/>
+        </p:nvSpPr>
+        <p:spPr>
+          <a:xfrm>
+            <a:off x="0" y="6604084"/>
+            <a:ext cx="2603598" cy="253916"/>
+          </a:xfrm>
+          <a:prstGeom prst="rect">
+            <a:avLst/>
+          </a:prstGeom>
+          <a:noFill/>
+        </p:spPr>
+        <p:txBody>
+          <a:bodyPr wrap="none" rtlCol="0">
+            <a:spAutoFit/>
+          </a:bodyPr>
+          <a:lstStyle/>
+          <a:p>
+            <a:r>
+              <a:rPr lang="es-MX" sz="1050" dirty="0"/>
+              <a:t>Fuente: </a:t>
+            </a:r>
+            <a:r>
+              <a:rPr lang="es-MX" sz="1050" dirty="0">
+                <a:hlinkClick r:id="rId2"/>
+              </a:rPr>
+              <a:t>DOF - Diario Oficial de la Federación</a:t>
+            </a:r>
+            <a:endParaRPr lang="es-MX" sz="1050" dirty="0"/>
+          </a:p>
+        </p:txBody>
+      </p:sp>
+      <p:sp>
+        <p:nvSpPr>
+          <p:cNvPr id="6" name="Marcador de contenido 5">
+            <a:extLst>
+              <a:ext uri="{FF2B5EF4-FFF2-40B4-BE49-F238E27FC236}">
+                <a16:creationId xmlns:a16="http://schemas.microsoft.com/office/drawing/2014/main" id="{A3B66627-54FF-1E85-78DF-DF2DC79F1B87}"/>
+              </a:ext>
+            </a:extLst>
+          </p:cNvPr>
+          <p:cNvSpPr>
+            <a:spLocks noGrp="1"/>
+          </p:cNvSpPr>
+          <p:nvPr>
+            <p:ph idx="1"/>
+          </p:nvPr>
+        </p:nvSpPr>
+        <p:spPr/>
+        <p:txBody>
+          <a:bodyPr>
+            <a:normAutofit/>
+          </a:bodyPr>
+          <a:lstStyle/>
+          <a:p>
+            <a:pPr marL="0" indent="0">
+              <a:buNone/>
+            </a:pPr>
+            <a:r>
+              <a:rPr lang="es-MX" sz="2000" dirty="0"/>
+              <a:t>De acuerdo con ajuste de las tarifas finales por la comisión reguladora de energía publicado en el DOF en el acuerdo número </a:t>
+            </a:r>
+            <a:r>
+              <a:rPr lang="es-MX" sz="2000" b="1" i="1" dirty="0"/>
+              <a:t>A/064/2018 </a:t>
+            </a:r>
+            <a:r>
+              <a:rPr lang="es-MX" sz="2000" dirty="0"/>
+              <a:t>Las tarifas aplicables del suministro de energía se aplican de acuerdo a las regiones tarifarias oficiales (17) así como otras variables como categorías, cargos de generación, entre otros.</a:t>
+            </a:r>
+          </a:p>
+          <a:p>
+            <a:pPr marL="0" indent="0">
+              <a:buNone/>
+            </a:pPr>
+            <a:endParaRPr lang="es-MX" sz="2000" b="1" i="1" dirty="0"/>
+          </a:p>
+          <a:p>
+            <a:pPr marL="0" indent="0">
+              <a:buNone/>
+            </a:pPr>
+            <a:r>
+              <a:rPr lang="es-MX" sz="2000" dirty="0"/>
+              <a:t>Es decir, para un año, mes y división dada, la tarifa será la misma para aquellos estados en dicha división.</a:t>
+            </a:r>
+          </a:p>
+        </p:txBody>
+      </p:sp>
+    </p:spTree>
+    <p:extLst>
+      <p:ext uri="{BB962C8B-B14F-4D97-AF65-F5344CB8AC3E}">
+        <p14:creationId xmlns:p14="http://schemas.microsoft.com/office/powerpoint/2010/main" val="3891984302"/>
+      </p:ext>
+    </p:extLst>
+  </p:cSld>
+  <p:clrMapOvr>
+    <a:masterClrMapping/>
+  </p:clrMapOvr>
+</p:sld>
+</file>
+
+<file path=ppt/slides/slide12.xml><?xml version="1.0" encoding="utf-8"?>
+<p:sld xmlns:a="http://schemas.openxmlformats.org/drawingml/2006/main" xmlns:r="http://schemas.openxmlformats.org/officeDocument/2006/relationships" xmlns:p="http://schemas.openxmlformats.org/presentationml/2006/main">
+  <p:cSld>
+    <p:spTree>
+      <p:nvGrpSpPr>
+        <p:cNvPr id="1" name=""/>
+        <p:cNvGrpSpPr/>
+        <p:nvPr/>
+      </p:nvGrpSpPr>
+      <p:grpSpPr>
+        <a:xfrm>
+          <a:off x="0" y="0"/>
+          <a:ext cx="0" cy="0"/>
+          <a:chOff x="0" y="0"/>
+          <a:chExt cx="0" cy="0"/>
+        </a:xfrm>
+      </p:grpSpPr>
+      <p:sp>
+        <p:nvSpPr>
+          <p:cNvPr id="2" name="Título 1">
+            <a:extLst>
+              <a:ext uri="{FF2B5EF4-FFF2-40B4-BE49-F238E27FC236}">
+                <a16:creationId xmlns:a16="http://schemas.microsoft.com/office/drawing/2014/main" id="{FC206C1C-1441-41DF-F1EC-0E186656C380}"/>
+              </a:ext>
+            </a:extLst>
+          </p:cNvPr>
+          <p:cNvSpPr>
+            <a:spLocks noGrp="1"/>
+          </p:cNvSpPr>
+          <p:nvPr>
+            <p:ph type="title"/>
+          </p:nvPr>
+        </p:nvSpPr>
         <p:spPr>
           <a:xfrm>
             <a:off x="838199" y="0"/>
@@ -3494,11 +6896,13 @@
           </a:xfrm>
         </p:spPr>
         <p:txBody>
-          <a:bodyPr/>
+          <a:bodyPr>
+            <a:normAutofit/>
+          </a:bodyPr>
           <a:lstStyle/>
           <a:p>
             <a:r>
-              <a:rPr lang="es-MX" dirty="0"/>
+              <a:rPr lang="es-MX" sz="3600" dirty="0"/>
               <a:t>Diferencias por mes por división (cargo Fijo)</a:t>
             </a:r>
           </a:p>
@@ -3625,7 +7029,7 @@
 </p:sld>
 </file>
 
-<file path=ppt/slides/slide11.xml><?xml version="1.0" encoding="utf-8"?>
+<file path=ppt/slides/slide13.xml><?xml version="1.0" encoding="utf-8"?>
 <p:sld xmlns:a="http://schemas.openxmlformats.org/drawingml/2006/main" xmlns:r="http://schemas.openxmlformats.org/officeDocument/2006/relationships" xmlns:p="http://schemas.openxmlformats.org/presentationml/2006/main">
   <p:cSld>
     <p:spTree>
@@ -3665,11 +7069,13 @@
           </a:xfrm>
         </p:spPr>
         <p:txBody>
-          <a:bodyPr/>
+          <a:bodyPr>
+            <a:normAutofit/>
+          </a:bodyPr>
           <a:lstStyle/>
           <a:p>
             <a:r>
-              <a:rPr lang="es-MX" dirty="0"/>
+              <a:rPr lang="es-MX" sz="3600" dirty="0"/>
               <a:t>Diferencias por mes por división (Distribución)</a:t>
             </a:r>
           </a:p>
@@ -3796,7 +7202,7 @@
 </p:sld>
 </file>
 
-<file path=ppt/slides/slide12.xml><?xml version="1.0" encoding="utf-8"?>
+<file path=ppt/slides/slide14.xml><?xml version="1.0" encoding="utf-8"?>
 <p:sld xmlns:a="http://schemas.openxmlformats.org/drawingml/2006/main" xmlns:r="http://schemas.openxmlformats.org/officeDocument/2006/relationships" xmlns:p="http://schemas.openxmlformats.org/presentationml/2006/main">
   <p:cSld>
     <p:spTree>
@@ -3836,11 +7242,13 @@
           </a:xfrm>
         </p:spPr>
         <p:txBody>
-          <a:bodyPr/>
+          <a:bodyPr>
+            <a:normAutofit/>
+          </a:bodyPr>
           <a:lstStyle/>
           <a:p>
             <a:r>
-              <a:rPr lang="es-MX" dirty="0"/>
+              <a:rPr lang="es-MX" sz="3600" dirty="0"/>
               <a:t>Diferencias por mes por división (Capacidad)</a:t>
             </a:r>
           </a:p>
@@ -3967,7 +7375,7 @@
 </p:sld>
 </file>
 
-<file path=ppt/slides/slide13.xml><?xml version="1.0" encoding="utf-8"?>
+<file path=ppt/slides/slide15.xml><?xml version="1.0" encoding="utf-8"?>
 <p:sld xmlns:a="http://schemas.openxmlformats.org/drawingml/2006/main" xmlns:r="http://schemas.openxmlformats.org/officeDocument/2006/relationships" xmlns:p="http://schemas.openxmlformats.org/presentationml/2006/main">
   <p:cSld>
     <p:spTree>
@@ -4007,11 +7415,13 @@
           </a:xfrm>
         </p:spPr>
         <p:txBody>
-          <a:bodyPr/>
+          <a:bodyPr>
+            <a:normAutofit/>
+          </a:bodyPr>
           <a:lstStyle/>
           <a:p>
             <a:r>
-              <a:rPr lang="es-MX" dirty="0"/>
+              <a:rPr lang="es-MX" sz="3600" dirty="0"/>
               <a:t>Distribución de costos por división (Capacidad)</a:t>
             </a:r>
           </a:p>
@@ -4138,7 +7548,7 @@
 </p:sld>
 </file>
 
-<file path=ppt/slides/slide14.xml><?xml version="1.0" encoding="utf-8"?>
+<file path=ppt/slides/slide16.xml><?xml version="1.0" encoding="utf-8"?>
 <p:sld xmlns:a="http://schemas.openxmlformats.org/drawingml/2006/main" xmlns:r="http://schemas.openxmlformats.org/officeDocument/2006/relationships" xmlns:p="http://schemas.openxmlformats.org/presentationml/2006/main">
   <p:cSld>
     <p:spTree>
@@ -4178,20 +7588,22 @@
           </a:xfrm>
         </p:spPr>
         <p:txBody>
-          <a:bodyPr/>
+          <a:bodyPr>
+            <a:normAutofit/>
+          </a:bodyPr>
           <a:lstStyle/>
           <a:p>
             <a:pPr algn="ctr"/>
             <a:r>
-              <a:rPr lang="es-MX" dirty="0"/>
+              <a:rPr lang="es-MX" sz="3600" dirty="0"/>
               <a:t>Diferencias </a:t>
             </a:r>
             <a:r>
-              <a:rPr lang="es-MX" dirty="0" err="1"/>
+              <a:rPr lang="es-MX" sz="3600" dirty="0" err="1"/>
               <a:t>int</a:t>
             </a:r>
             <a:r>
-              <a:rPr lang="es-MX" dirty="0"/>
+              <a:rPr lang="es-MX" sz="3600" dirty="0"/>
               <a:t>. Horario Base por mes por división</a:t>
             </a:r>
           </a:p>
@@ -4318,7 +7730,7 @@
 </p:sld>
 </file>
 
-<file path=ppt/slides/slide15.xml><?xml version="1.0" encoding="utf-8"?>
+<file path=ppt/slides/slide17.xml><?xml version="1.0" encoding="utf-8"?>
 <p:sld xmlns:a="http://schemas.openxmlformats.org/drawingml/2006/main" xmlns:r="http://schemas.openxmlformats.org/officeDocument/2006/relationships" xmlns:p="http://schemas.openxmlformats.org/presentationml/2006/main">
   <p:cSld>
     <p:spTree>
@@ -4358,12 +7770,14 @@
           </a:xfrm>
         </p:spPr>
         <p:txBody>
-          <a:bodyPr/>
+          <a:bodyPr>
+            <a:normAutofit/>
+          </a:bodyPr>
           <a:lstStyle/>
           <a:p>
             <a:pPr algn="ctr"/>
             <a:r>
-              <a:rPr lang="es-MX" dirty="0"/>
+              <a:rPr lang="es-MX" sz="3600" dirty="0"/>
               <a:t>Distribución de costos por división (horario Base)</a:t>
             </a:r>
           </a:p>
@@ -4490,7 +7904,7 @@
 </p:sld>
 </file>
 
-<file path=ppt/slides/slide16.xml><?xml version="1.0" encoding="utf-8"?>
+<file path=ppt/slides/slide18.xml><?xml version="1.0" encoding="utf-8"?>
 <p:sld xmlns:a="http://schemas.openxmlformats.org/drawingml/2006/main" xmlns:r="http://schemas.openxmlformats.org/officeDocument/2006/relationships" xmlns:p="http://schemas.openxmlformats.org/presentationml/2006/main">
   <p:cSld>
     <p:spTree>
@@ -4530,20 +7944,22 @@
           </a:xfrm>
         </p:spPr>
         <p:txBody>
-          <a:bodyPr/>
+          <a:bodyPr>
+            <a:normAutofit/>
+          </a:bodyPr>
           <a:lstStyle/>
           <a:p>
             <a:pPr algn="ctr"/>
             <a:r>
-              <a:rPr lang="es-MX" dirty="0"/>
+              <a:rPr lang="es-MX" sz="3600" dirty="0"/>
               <a:t>Diferencias </a:t>
             </a:r>
             <a:r>
-              <a:rPr lang="es-MX" dirty="0" err="1"/>
+              <a:rPr lang="es-MX" sz="3600" dirty="0" err="1"/>
               <a:t>int</a:t>
             </a:r>
             <a:r>
-              <a:rPr lang="es-MX" dirty="0"/>
+              <a:rPr lang="es-MX" sz="3600" dirty="0"/>
               <a:t>. Horario Intermedia por mes por división</a:t>
             </a:r>
           </a:p>
@@ -4670,7 +8086,7 @@
 </p:sld>
 </file>
 
-<file path=ppt/slides/slide17.xml><?xml version="1.0" encoding="utf-8"?>
+<file path=ppt/slides/slide19.xml><?xml version="1.0" encoding="utf-8"?>
 <p:sld xmlns:a="http://schemas.openxmlformats.org/drawingml/2006/main" xmlns:r="http://schemas.openxmlformats.org/officeDocument/2006/relationships" xmlns:p="http://schemas.openxmlformats.org/presentationml/2006/main">
   <p:cSld>
     <p:spTree>
@@ -4710,12 +8126,14 @@
           </a:xfrm>
         </p:spPr>
         <p:txBody>
-          <a:bodyPr/>
+          <a:bodyPr>
+            <a:normAutofit/>
+          </a:bodyPr>
           <a:lstStyle/>
           <a:p>
             <a:pPr algn="ctr"/>
             <a:r>
-              <a:rPr lang="es-MX" dirty="0"/>
+              <a:rPr lang="es-MX" sz="3600" dirty="0"/>
               <a:t>Distribución de costos por división (horario Intermedia)</a:t>
             </a:r>
           </a:p>
@@ -4842,7 +8260,490 @@
 </p:sld>
 </file>
 
-<file path=ppt/slides/slide18.xml><?xml version="1.0" encoding="utf-8"?>
+<file path=ppt/slides/slide2.xml><?xml version="1.0" encoding="utf-8"?>
+<p:sld xmlns:a="http://schemas.openxmlformats.org/drawingml/2006/main" xmlns:r="http://schemas.openxmlformats.org/officeDocument/2006/relationships" xmlns:p="http://schemas.openxmlformats.org/presentationml/2006/main">
+  <p:cSld>
+    <p:bg>
+      <p:bgPr>
+        <a:solidFill>
+          <a:schemeClr val="bg1"/>
+        </a:solidFill>
+        <a:effectLst/>
+      </p:bgPr>
+    </p:bg>
+    <p:spTree>
+      <p:nvGrpSpPr>
+        <p:cNvPr id="1" name=""/>
+        <p:cNvGrpSpPr/>
+        <p:nvPr/>
+      </p:nvGrpSpPr>
+      <p:grpSpPr>
+        <a:xfrm>
+          <a:off x="0" y="0"/>
+          <a:ext cx="0" cy="0"/>
+          <a:chOff x="0" y="0"/>
+          <a:chExt cx="0" cy="0"/>
+        </a:xfrm>
+      </p:grpSpPr>
+      <p:sp>
+        <p:nvSpPr>
+          <p:cNvPr id="8" name="Rectangle 7">
+            <a:extLst>
+              <a:ext uri="{FF2B5EF4-FFF2-40B4-BE49-F238E27FC236}">
+                <a16:creationId xmlns:a16="http://schemas.microsoft.com/office/drawing/2014/main" id="{2B566528-1B12-4246-9431-5C2D7D081168}"/>
+              </a:ext>
+              <a:ext uri="{C183D7F6-B498-43B3-948B-1728B52AA6E4}">
+                <adec:decorative xmlns:adec="http://schemas.microsoft.com/office/drawing/2017/decorative" val="1"/>
+              </a:ext>
+            </a:extLst>
+          </p:cNvPr>
+          <p:cNvSpPr>
+            <a:spLocks noGrp="1" noRot="1" noChangeAspect="1" noMove="1" noResize="1" noEditPoints="1" noAdjustHandles="1" noChangeArrowheads="1" noChangeShapeType="1" noTextEdit="1"/>
+          </p:cNvSpPr>
+          <p:nvPr>
+            <p:extLst>
+              <p:ext uri="{386F3935-93C4-4BCD-93E2-E3B085C9AB24}">
+                <p16:designElem xmlns:p16="http://schemas.microsoft.com/office/powerpoint/2015/main" val="1"/>
+              </p:ext>
+            </p:extLst>
+          </p:nvPr>
+        </p:nvSpPr>
+        <p:spPr>
+          <a:xfrm>
+            <a:off x="0" y="0"/>
+            <a:ext cx="12192000" cy="6858000"/>
+          </a:xfrm>
+          <a:prstGeom prst="rect">
+            <a:avLst/>
+          </a:prstGeom>
+          <a:solidFill>
+            <a:schemeClr val="bg1"/>
+          </a:solidFill>
+          <a:ln>
+            <a:noFill/>
+          </a:ln>
+        </p:spPr>
+        <p:style>
+          <a:lnRef idx="2">
+            <a:schemeClr val="accent1">
+              <a:shade val="50000"/>
+            </a:schemeClr>
+          </a:lnRef>
+          <a:fillRef idx="1">
+            <a:schemeClr val="accent1"/>
+          </a:fillRef>
+          <a:effectRef idx="0">
+            <a:schemeClr val="accent1"/>
+          </a:effectRef>
+          <a:fontRef idx="minor">
+            <a:schemeClr val="lt1"/>
+          </a:fontRef>
+        </p:style>
+        <p:txBody>
+          <a:bodyPr rtlCol="0" anchor="ctr"/>
+          <a:lstStyle/>
+          <a:p>
+            <a:pPr algn="ctr"/>
+            <a:endParaRPr lang="en-US" dirty="0"/>
+          </a:p>
+        </p:txBody>
+      </p:sp>
+      <p:sp>
+        <p:nvSpPr>
+          <p:cNvPr id="2" name="Título 1">
+            <a:extLst>
+              <a:ext uri="{FF2B5EF4-FFF2-40B4-BE49-F238E27FC236}">
+                <a16:creationId xmlns:a16="http://schemas.microsoft.com/office/drawing/2014/main" id="{019B1078-E133-C41E-C4D9-445573074A14}"/>
+              </a:ext>
+            </a:extLst>
+          </p:cNvPr>
+          <p:cNvSpPr>
+            <a:spLocks noGrp="1"/>
+          </p:cNvSpPr>
+          <p:nvPr>
+            <p:ph type="title"/>
+          </p:nvPr>
+        </p:nvSpPr>
+        <p:spPr>
+          <a:xfrm>
+            <a:off x="643467" y="321734"/>
+            <a:ext cx="10905066" cy="1135737"/>
+          </a:xfrm>
+        </p:spPr>
+        <p:txBody>
+          <a:bodyPr>
+            <a:normAutofit/>
+          </a:bodyPr>
+          <a:lstStyle/>
+          <a:p>
+            <a:r>
+              <a:rPr lang="es-MX" sz="3600"/>
+              <a:t>Agenda</a:t>
+            </a:r>
+          </a:p>
+        </p:txBody>
+      </p:sp>
+      <p:sp>
+        <p:nvSpPr>
+          <p:cNvPr id="3" name="Marcador de contenido 2">
+            <a:extLst>
+              <a:ext uri="{FF2B5EF4-FFF2-40B4-BE49-F238E27FC236}">
+                <a16:creationId xmlns:a16="http://schemas.microsoft.com/office/drawing/2014/main" id="{80D6E1F1-C8D9-AA88-25F1-220057C65CFA}"/>
+              </a:ext>
+            </a:extLst>
+          </p:cNvPr>
+          <p:cNvSpPr>
+            <a:spLocks noGrp="1"/>
+          </p:cNvSpPr>
+          <p:nvPr>
+            <p:ph idx="1"/>
+          </p:nvPr>
+        </p:nvSpPr>
+        <p:spPr>
+          <a:xfrm>
+            <a:off x="643467" y="1782981"/>
+            <a:ext cx="10905066" cy="4393982"/>
+          </a:xfrm>
+        </p:spPr>
+        <p:txBody>
+          <a:bodyPr>
+            <a:normAutofit/>
+          </a:bodyPr>
+          <a:lstStyle/>
+          <a:p>
+            <a:pPr marL="514350" indent="-514350">
+              <a:buFont typeface="+mj-lt"/>
+              <a:buAutoNum type="arabicPeriod"/>
+            </a:pPr>
+            <a:r>
+              <a:rPr lang="es-MX" sz="2000"/>
+              <a:t>Objetivos</a:t>
+            </a:r>
+          </a:p>
+          <a:p>
+            <a:pPr marL="514350" indent="-514350">
+              <a:buFont typeface="+mj-lt"/>
+              <a:buAutoNum type="arabicPeriod"/>
+            </a:pPr>
+            <a:r>
+              <a:rPr lang="es-MX" sz="2000"/>
+              <a:t>Definición de la tarifa GDMTH</a:t>
+            </a:r>
+          </a:p>
+          <a:p>
+            <a:pPr marL="514350" indent="-514350">
+              <a:buFont typeface="+mj-lt"/>
+              <a:buAutoNum type="arabicPeriod"/>
+            </a:pPr>
+            <a:r>
+              <a:rPr lang="es-MX" sz="2000"/>
+              <a:t>Extracción de datos</a:t>
+            </a:r>
+          </a:p>
+          <a:p>
+            <a:pPr marL="514350" indent="-514350">
+              <a:buFont typeface="+mj-lt"/>
+              <a:buAutoNum type="arabicPeriod"/>
+            </a:pPr>
+            <a:r>
+              <a:rPr lang="es-MX" sz="2000"/>
+              <a:t>Análisis de los datos</a:t>
+            </a:r>
+          </a:p>
+          <a:p>
+            <a:pPr marL="514350" indent="-514350">
+              <a:buFont typeface="+mj-lt"/>
+              <a:buAutoNum type="arabicPeriod"/>
+            </a:pPr>
+            <a:r>
+              <a:rPr lang="es-MX" sz="2000"/>
+              <a:t>Pronostico de costo de una tarifa horaria en particular</a:t>
+            </a:r>
+          </a:p>
+        </p:txBody>
+      </p:sp>
+      <p:sp>
+        <p:nvSpPr>
+          <p:cNvPr id="10" name="Rectangle 9">
+            <a:extLst>
+              <a:ext uri="{FF2B5EF4-FFF2-40B4-BE49-F238E27FC236}">
+                <a16:creationId xmlns:a16="http://schemas.microsoft.com/office/drawing/2014/main" id="{2E80C965-DB6D-4F81-9E9E-B027384D0BD6}"/>
+              </a:ext>
+              <a:ext uri="{C183D7F6-B498-43B3-948B-1728B52AA6E4}">
+                <adec:decorative xmlns:adec="http://schemas.microsoft.com/office/drawing/2017/decorative" val="1"/>
+              </a:ext>
+            </a:extLst>
+          </p:cNvPr>
+          <p:cNvSpPr>
+            <a:spLocks noGrp="1" noRot="1" noChangeAspect="1" noMove="1" noResize="1" noEditPoints="1" noAdjustHandles="1" noChangeArrowheads="1" noChangeShapeType="1" noTextEdit="1"/>
+          </p:cNvSpPr>
+          <p:nvPr>
+            <p:extLst>
+              <p:ext uri="{386F3935-93C4-4BCD-93E2-E3B085C9AB24}">
+                <p16:designElem xmlns:p16="http://schemas.microsoft.com/office/powerpoint/2015/main" val="1"/>
+              </p:ext>
+            </p:extLst>
+          </p:nvPr>
+        </p:nvSpPr>
+        <p:spPr>
+          <a:xfrm rot="2700000">
+            <a:off x="11052629" y="2120024"/>
+            <a:ext cx="645368" cy="645368"/>
+          </a:xfrm>
+          <a:prstGeom prst="rect">
+            <a:avLst/>
+          </a:prstGeom>
+          <a:solidFill>
+            <a:schemeClr val="accent4">
+              <a:alpha val="30000"/>
+            </a:schemeClr>
+          </a:solidFill>
+          <a:ln>
+            <a:noFill/>
+          </a:ln>
+        </p:spPr>
+        <p:style>
+          <a:lnRef idx="2">
+            <a:schemeClr val="accent1">
+              <a:shade val="50000"/>
+            </a:schemeClr>
+          </a:lnRef>
+          <a:fillRef idx="1">
+            <a:schemeClr val="accent1"/>
+          </a:fillRef>
+          <a:effectRef idx="0">
+            <a:schemeClr val="accent1"/>
+          </a:effectRef>
+          <a:fontRef idx="minor">
+            <a:schemeClr val="lt1"/>
+          </a:fontRef>
+        </p:style>
+        <p:txBody>
+          <a:bodyPr rtlCol="0" anchor="ctr"/>
+          <a:lstStyle/>
+          <a:p>
+            <a:pPr algn="ctr"/>
+            <a:endParaRPr lang="en-US"/>
+          </a:p>
+        </p:txBody>
+      </p:sp>
+      <p:sp>
+        <p:nvSpPr>
+          <p:cNvPr id="12" name="Isosceles Triangle 11">
+            <a:extLst>
+              <a:ext uri="{FF2B5EF4-FFF2-40B4-BE49-F238E27FC236}">
+                <a16:creationId xmlns:a16="http://schemas.microsoft.com/office/drawing/2014/main" id="{A580F890-B085-4E95-96AA-55AEBEC5CE6E}"/>
+              </a:ext>
+              <a:ext uri="{C183D7F6-B498-43B3-948B-1728B52AA6E4}">
+                <adec:decorative xmlns:adec="http://schemas.microsoft.com/office/drawing/2017/decorative" val="1"/>
+              </a:ext>
+            </a:extLst>
+          </p:cNvPr>
+          <p:cNvSpPr>
+            <a:spLocks noGrp="1" noRot="1" noChangeAspect="1" noMove="1" noResize="1" noEditPoints="1" noAdjustHandles="1" noChangeArrowheads="1" noChangeShapeType="1" noTextEdit="1"/>
+          </p:cNvSpPr>
+          <p:nvPr>
+            <p:extLst>
+              <p:ext uri="{386F3935-93C4-4BCD-93E2-E3B085C9AB24}">
+                <p16:designElem xmlns:p16="http://schemas.microsoft.com/office/powerpoint/2015/main" val="1"/>
+              </p:ext>
+            </p:extLst>
+          </p:nvPr>
+        </p:nvSpPr>
+        <p:spPr>
+          <a:xfrm rot="16200000">
+            <a:off x="10289068" y="1343027"/>
+            <a:ext cx="2532832" cy="1273032"/>
+          </a:xfrm>
+          <a:prstGeom prst="triangle">
+            <a:avLst>
+              <a:gd name="adj" fmla="val 50000"/>
+            </a:avLst>
+          </a:prstGeom>
+          <a:solidFill>
+            <a:schemeClr val="accent4">
+              <a:alpha val="30000"/>
+            </a:schemeClr>
+          </a:solidFill>
+          <a:ln>
+            <a:noFill/>
+          </a:ln>
+        </p:spPr>
+        <p:style>
+          <a:lnRef idx="2">
+            <a:schemeClr val="accent1">
+              <a:shade val="50000"/>
+            </a:schemeClr>
+          </a:lnRef>
+          <a:fillRef idx="1">
+            <a:schemeClr val="accent1"/>
+          </a:fillRef>
+          <a:effectRef idx="0">
+            <a:schemeClr val="accent1"/>
+          </a:effectRef>
+          <a:fontRef idx="minor">
+            <a:schemeClr val="lt1"/>
+          </a:fontRef>
+        </p:style>
+        <p:txBody>
+          <a:bodyPr rtlCol="0" anchor="ctr"/>
+          <a:lstStyle/>
+          <a:p>
+            <a:pPr algn="ctr"/>
+            <a:endParaRPr lang="en-US"/>
+          </a:p>
+        </p:txBody>
+      </p:sp>
+      <p:sp>
+        <p:nvSpPr>
+          <p:cNvPr id="14" name="Isosceles Triangle 13">
+            <a:extLst>
+              <a:ext uri="{FF2B5EF4-FFF2-40B4-BE49-F238E27FC236}">
+                <a16:creationId xmlns:a16="http://schemas.microsoft.com/office/drawing/2014/main" id="{D3F51FEB-38FB-4F6C-9F7B-2F2AFAB65463}"/>
+              </a:ext>
+              <a:ext uri="{C183D7F6-B498-43B3-948B-1728B52AA6E4}">
+                <adec:decorative xmlns:adec="http://schemas.microsoft.com/office/drawing/2017/decorative" val="1"/>
+              </a:ext>
+            </a:extLst>
+          </p:cNvPr>
+          <p:cNvSpPr>
+            <a:spLocks noGrp="1" noRot="1" noChangeAspect="1" noMove="1" noResize="1" noEditPoints="1" noAdjustHandles="1" noChangeArrowheads="1" noChangeShapeType="1" noTextEdit="1"/>
+          </p:cNvSpPr>
+          <p:nvPr>
+            <p:extLst>
+              <p:ext uri="{386F3935-93C4-4BCD-93E2-E3B085C9AB24}">
+                <p16:designElem xmlns:p16="http://schemas.microsoft.com/office/powerpoint/2015/main" val="1"/>
+              </p:ext>
+            </p:extLst>
+          </p:nvPr>
+        </p:nvSpPr>
+        <p:spPr>
+          <a:xfrm rot="5400000">
+            <a:off x="-501760" y="5103257"/>
+            <a:ext cx="2017580" cy="1014060"/>
+          </a:xfrm>
+          <a:prstGeom prst="triangle">
+            <a:avLst>
+              <a:gd name="adj" fmla="val 50000"/>
+            </a:avLst>
+          </a:prstGeom>
+          <a:solidFill>
+            <a:schemeClr val="accent1">
+              <a:alpha val="30000"/>
+            </a:schemeClr>
+          </a:solidFill>
+          <a:ln>
+            <a:noFill/>
+          </a:ln>
+        </p:spPr>
+        <p:style>
+          <a:lnRef idx="2">
+            <a:schemeClr val="accent1">
+              <a:shade val="50000"/>
+            </a:schemeClr>
+          </a:lnRef>
+          <a:fillRef idx="1">
+            <a:schemeClr val="accent1"/>
+          </a:fillRef>
+          <a:effectRef idx="0">
+            <a:schemeClr val="accent1"/>
+          </a:effectRef>
+          <a:fontRef idx="minor">
+            <a:schemeClr val="lt1"/>
+          </a:fontRef>
+        </p:style>
+        <p:txBody>
+          <a:bodyPr wrap="square" rtlCol="0" anchor="ctr">
+            <a:noAutofit/>
+          </a:bodyPr>
+          <a:lstStyle/>
+          <a:p>
+            <a:pPr algn="ctr"/>
+            <a:endParaRPr lang="en-US"/>
+          </a:p>
+        </p:txBody>
+      </p:sp>
+      <p:sp>
+        <p:nvSpPr>
+          <p:cNvPr id="16" name="Rectangle 15">
+            <a:extLst>
+              <a:ext uri="{FF2B5EF4-FFF2-40B4-BE49-F238E27FC236}">
+                <a16:creationId xmlns:a16="http://schemas.microsoft.com/office/drawing/2014/main" id="{1E547BA6-BAE0-43BB-A7CA-60F69CE252F0}"/>
+              </a:ext>
+              <a:ext uri="{C183D7F6-B498-43B3-948B-1728B52AA6E4}">
+                <adec:decorative xmlns:adec="http://schemas.microsoft.com/office/drawing/2017/decorative" val="1"/>
+              </a:ext>
+            </a:extLst>
+          </p:cNvPr>
+          <p:cNvSpPr>
+            <a:spLocks noGrp="1" noRot="1" noChangeAspect="1" noMove="1" noResize="1" noEditPoints="1" noAdjustHandles="1" noChangeArrowheads="1" noChangeShapeType="1" noTextEdit="1"/>
+          </p:cNvSpPr>
+          <p:nvPr>
+            <p:extLst>
+              <p:ext uri="{386F3935-93C4-4BCD-93E2-E3B085C9AB24}">
+                <p16:designElem xmlns:p16="http://schemas.microsoft.com/office/powerpoint/2015/main" val="1"/>
+              </p:ext>
+            </p:extLst>
+          </p:nvPr>
+        </p:nvSpPr>
+        <p:spPr>
+          <a:xfrm rot="2700000">
+            <a:off x="427916" y="5728708"/>
+            <a:ext cx="485578" cy="485578"/>
+          </a:xfrm>
+          <a:prstGeom prst="rect">
+            <a:avLst/>
+          </a:prstGeom>
+          <a:solidFill>
+            <a:schemeClr val="accent1">
+              <a:alpha val="30000"/>
+            </a:schemeClr>
+          </a:solidFill>
+          <a:ln>
+            <a:noFill/>
+          </a:ln>
+        </p:spPr>
+        <p:style>
+          <a:lnRef idx="2">
+            <a:schemeClr val="accent1">
+              <a:shade val="50000"/>
+            </a:schemeClr>
+          </a:lnRef>
+          <a:fillRef idx="1">
+            <a:schemeClr val="accent1"/>
+          </a:fillRef>
+          <a:effectRef idx="0">
+            <a:schemeClr val="accent1"/>
+          </a:effectRef>
+          <a:fontRef idx="minor">
+            <a:schemeClr val="lt1"/>
+          </a:fontRef>
+        </p:style>
+        <p:txBody>
+          <a:bodyPr wrap="square" rtlCol="0" anchor="ctr">
+            <a:noAutofit/>
+          </a:bodyPr>
+          <a:lstStyle/>
+          <a:p>
+            <a:pPr algn="ctr"/>
+            <a:endParaRPr lang="en-US"/>
+          </a:p>
+        </p:txBody>
+      </p:sp>
+    </p:spTree>
+    <p:extLst>
+      <p:ext uri="{BB962C8B-B14F-4D97-AF65-F5344CB8AC3E}">
+        <p14:creationId xmlns:p14="http://schemas.microsoft.com/office/powerpoint/2010/main" val="680441888"/>
+      </p:ext>
+    </p:extLst>
+  </p:cSld>
+  <p:clrMapOvr>
+    <a:masterClrMapping/>
+  </p:clrMapOvr>
+</p:sld>
+</file>
+
+<file path=ppt/slides/slide20.xml><?xml version="1.0" encoding="utf-8"?>
 <p:sld xmlns:a="http://schemas.openxmlformats.org/drawingml/2006/main" xmlns:r="http://schemas.openxmlformats.org/officeDocument/2006/relationships" xmlns:p="http://schemas.openxmlformats.org/presentationml/2006/main">
   <p:cSld>
     <p:spTree>
@@ -4918,20 +8819,22 @@
           </a:xfrm>
         </p:spPr>
         <p:txBody>
-          <a:bodyPr/>
+          <a:bodyPr>
+            <a:normAutofit/>
+          </a:bodyPr>
           <a:lstStyle/>
           <a:p>
             <a:pPr algn="ctr"/>
             <a:r>
-              <a:rPr lang="es-MX" dirty="0"/>
+              <a:rPr lang="es-MX" sz="3600" dirty="0"/>
               <a:t>Diferencias </a:t>
             </a:r>
             <a:r>
-              <a:rPr lang="es-MX" dirty="0" err="1"/>
+              <a:rPr lang="es-MX" sz="3600" dirty="0" err="1"/>
               <a:t>int</a:t>
             </a:r>
             <a:r>
-              <a:rPr lang="es-MX" dirty="0"/>
+              <a:rPr lang="es-MX" sz="3600" dirty="0"/>
               <a:t>. Horario Punta por mes por división</a:t>
             </a:r>
           </a:p>
@@ -5022,7 +8925,7 @@
 </p:sld>
 </file>
 
-<file path=ppt/slides/slide19.xml><?xml version="1.0" encoding="utf-8"?>
+<file path=ppt/slides/slide21.xml><?xml version="1.0" encoding="utf-8"?>
 <p:sld xmlns:a="http://schemas.openxmlformats.org/drawingml/2006/main" xmlns:r="http://schemas.openxmlformats.org/officeDocument/2006/relationships" xmlns:p="http://schemas.openxmlformats.org/presentationml/2006/main">
   <p:cSld>
     <p:spTree>
@@ -5062,12 +8965,14 @@
           </a:xfrm>
         </p:spPr>
         <p:txBody>
-          <a:bodyPr/>
+          <a:bodyPr>
+            <a:normAutofit/>
+          </a:bodyPr>
           <a:lstStyle/>
           <a:p>
             <a:pPr algn="ctr"/>
             <a:r>
-              <a:rPr lang="es-MX" dirty="0"/>
+              <a:rPr lang="es-MX" sz="3600" dirty="0"/>
               <a:t>Distribución de costos por división (horario Punta)</a:t>
             </a:r>
           </a:p>
@@ -5194,7 +9099,7 @@
 </p:sld>
 </file>
 
-<file path=ppt/slides/slide2.xml><?xml version="1.0" encoding="utf-8"?>
+<file path=ppt/slides/slide22.xml><?xml version="1.0" encoding="utf-8"?>
 <p:sld xmlns:a="http://schemas.openxmlformats.org/drawingml/2006/main" xmlns:r="http://schemas.openxmlformats.org/officeDocument/2006/relationships" xmlns:p="http://schemas.openxmlformats.org/presentationml/2006/main">
   <p:cSld>
     <p:spTree>
@@ -5216,7 +9121,7 @@
           <p:cNvPr id="2" name="Título 1">
             <a:extLst>
               <a:ext uri="{FF2B5EF4-FFF2-40B4-BE49-F238E27FC236}">
-                <a16:creationId xmlns:a16="http://schemas.microsoft.com/office/drawing/2014/main" id="{019B1078-E133-C41E-C4D9-445573074A14}"/>
+                <a16:creationId xmlns:a16="http://schemas.microsoft.com/office/drawing/2014/main" id="{FC206C1C-1441-41DF-F1EC-0E186656C380}"/>
               </a:ext>
             </a:extLst>
           </p:cNvPr>
@@ -5227,104 +9132,138 @@
             <p:ph type="title"/>
           </p:nvPr>
         </p:nvSpPr>
-        <p:spPr/>
-        <p:txBody>
-          <a:bodyPr/>
+        <p:spPr>
+          <a:xfrm>
+            <a:off x="1452032" y="0"/>
+            <a:ext cx="9287935" cy="1325563"/>
+          </a:xfrm>
+        </p:spPr>
+        <p:txBody>
+          <a:bodyPr>
+            <a:normAutofit/>
+          </a:bodyPr>
           <a:lstStyle/>
           <a:p>
-            <a:r>
-              <a:rPr lang="es-MX" dirty="0"/>
-              <a:t>Agenda</a:t>
-            </a:r>
-          </a:p>
-        </p:txBody>
-      </p:sp>
-      <p:sp>
-        <p:nvSpPr>
-          <p:cNvPr id="3" name="Marcador de contenido 2">
-            <a:extLst>
-              <a:ext uri="{FF2B5EF4-FFF2-40B4-BE49-F238E27FC236}">
-                <a16:creationId xmlns:a16="http://schemas.microsoft.com/office/drawing/2014/main" id="{80D6E1F1-C8D9-AA88-25F1-220057C65CFA}"/>
-              </a:ext>
-            </a:extLst>
-          </p:cNvPr>
-          <p:cNvSpPr>
-            <a:spLocks noGrp="1"/>
-          </p:cNvSpPr>
-          <p:nvPr>
-            <p:ph idx="1"/>
-          </p:nvPr>
-        </p:nvSpPr>
-        <p:spPr/>
-        <p:txBody>
-          <a:bodyPr/>
-          <a:lstStyle/>
-          <a:p>
-            <a:pPr marL="514350" indent="-514350">
-              <a:buFont typeface="+mj-lt"/>
-              <a:buAutoNum type="arabicPeriod"/>
-            </a:pPr>
-            <a:r>
-              <a:rPr lang="es-MX" dirty="0"/>
-              <a:t>Objetivos</a:t>
-            </a:r>
-          </a:p>
-          <a:p>
-            <a:pPr marL="514350" indent="-514350">
-              <a:buFont typeface="+mj-lt"/>
-              <a:buAutoNum type="arabicPeriod"/>
-            </a:pPr>
-            <a:r>
-              <a:rPr lang="es-MX" dirty="0"/>
-              <a:t>Definición de la tarifa GDMTH</a:t>
-            </a:r>
-          </a:p>
-          <a:p>
-            <a:pPr marL="514350" indent="-514350">
-              <a:buFont typeface="+mj-lt"/>
-              <a:buAutoNum type="arabicPeriod"/>
-            </a:pPr>
-            <a:r>
-              <a:rPr lang="es-MX" dirty="0"/>
-              <a:t>Ejemplo puntual para el cálculo de la tarifa</a:t>
-            </a:r>
-          </a:p>
-          <a:p>
-            <a:pPr marL="514350" indent="-514350">
-              <a:buFont typeface="+mj-lt"/>
-              <a:buAutoNum type="arabicPeriod"/>
-            </a:pPr>
-            <a:r>
-              <a:rPr lang="es-MX" dirty="0"/>
-              <a:t>Extracción de datos</a:t>
-            </a:r>
-          </a:p>
-          <a:p>
-            <a:pPr marL="514350" indent="-514350">
-              <a:buFont typeface="+mj-lt"/>
-              <a:buAutoNum type="arabicPeriod"/>
-            </a:pPr>
-            <a:r>
-              <a:rPr lang="es-MX" dirty="0"/>
-              <a:t>Análisis de los datos</a:t>
-            </a:r>
-          </a:p>
-          <a:p>
-            <a:pPr marL="514350" indent="-514350">
-              <a:buFont typeface="+mj-lt"/>
-              <a:buAutoNum type="arabicPeriod"/>
-            </a:pPr>
-            <a:r>
-              <a:rPr lang="es-MX" dirty="0"/>
-              <a:t>Recomendaciones</a:t>
-            </a:r>
-          </a:p>
-        </p:txBody>
-      </p:sp>
+            <a:pPr algn="ctr"/>
+            <a:r>
+              <a:rPr lang="es-MX" sz="3600" dirty="0"/>
+              <a:t>Variación de las tarifas para los años 2020-2022</a:t>
+            </a:r>
+          </a:p>
+        </p:txBody>
+      </p:sp>
+      <p:pic>
+        <p:nvPicPr>
+          <p:cNvPr id="5" name="Imagen 4" descr="Gráfico, Gráfico de líneas&#10;&#10;Descripción generada automáticamente">
+            <a:extLst>
+              <a:ext uri="{FF2B5EF4-FFF2-40B4-BE49-F238E27FC236}">
+                <a16:creationId xmlns:a16="http://schemas.microsoft.com/office/drawing/2014/main" id="{E3899264-7255-F730-DDBB-5D3EF7E9B8CE}"/>
+              </a:ext>
+            </a:extLst>
+          </p:cNvPr>
+          <p:cNvPicPr>
+            <a:picLocks noChangeAspect="1"/>
+          </p:cNvPicPr>
+          <p:nvPr/>
+        </p:nvPicPr>
+        <p:blipFill>
+          <a:blip r:embed="rId2">
+            <a:extLst>
+              <a:ext uri="{28A0092B-C50C-407E-A947-70E740481C1C}">
+                <a14:useLocalDpi xmlns:a14="http://schemas.microsoft.com/office/drawing/2010/main" val="0"/>
+              </a:ext>
+            </a:extLst>
+          </a:blip>
+          <a:stretch>
+            <a:fillRect/>
+          </a:stretch>
+        </p:blipFill>
+        <p:spPr>
+          <a:xfrm>
+            <a:off x="1" y="1158665"/>
+            <a:ext cx="5134904" cy="2781406"/>
+          </a:xfrm>
+          <a:prstGeom prst="rect">
+            <a:avLst/>
+          </a:prstGeom>
+        </p:spPr>
+      </p:pic>
+      <p:pic>
+        <p:nvPicPr>
+          <p:cNvPr id="13" name="Imagen 12" descr="Gráfico, Gráfico de líneas, Histograma&#10;&#10;Descripción generada automáticamente">
+            <a:extLst>
+              <a:ext uri="{FF2B5EF4-FFF2-40B4-BE49-F238E27FC236}">
+                <a16:creationId xmlns:a16="http://schemas.microsoft.com/office/drawing/2014/main" id="{75EEFD9A-F22F-08B9-A124-92D34F8A3EB5}"/>
+              </a:ext>
+            </a:extLst>
+          </p:cNvPr>
+          <p:cNvPicPr>
+            <a:picLocks noChangeAspect="1"/>
+          </p:cNvPicPr>
+          <p:nvPr/>
+        </p:nvPicPr>
+        <p:blipFill>
+          <a:blip r:embed="rId3">
+            <a:extLst>
+              <a:ext uri="{28A0092B-C50C-407E-A947-70E740481C1C}">
+                <a14:useLocalDpi xmlns:a14="http://schemas.microsoft.com/office/drawing/2010/main" val="0"/>
+              </a:ext>
+            </a:extLst>
+          </a:blip>
+          <a:stretch>
+            <a:fillRect/>
+          </a:stretch>
+        </p:blipFill>
+        <p:spPr>
+          <a:xfrm>
+            <a:off x="3528548" y="3988821"/>
+            <a:ext cx="5134904" cy="2781406"/>
+          </a:xfrm>
+          <a:prstGeom prst="rect">
+            <a:avLst/>
+          </a:prstGeom>
+        </p:spPr>
+      </p:pic>
+      <p:pic>
+        <p:nvPicPr>
+          <p:cNvPr id="8" name="Imagen 7" descr="Gráfico, Gráfico de líneas&#10;&#10;Descripción generada automáticamente">
+            <a:extLst>
+              <a:ext uri="{FF2B5EF4-FFF2-40B4-BE49-F238E27FC236}">
+                <a16:creationId xmlns:a16="http://schemas.microsoft.com/office/drawing/2014/main" id="{4621E85F-8B74-761B-A190-C7B522208171}"/>
+              </a:ext>
+            </a:extLst>
+          </p:cNvPr>
+          <p:cNvPicPr>
+            <a:picLocks noChangeAspect="1"/>
+          </p:cNvPicPr>
+          <p:nvPr/>
+        </p:nvPicPr>
+        <p:blipFill>
+          <a:blip r:embed="rId4">
+            <a:extLst>
+              <a:ext uri="{28A0092B-C50C-407E-A947-70E740481C1C}">
+                <a14:useLocalDpi xmlns:a14="http://schemas.microsoft.com/office/drawing/2010/main" val="0"/>
+              </a:ext>
+            </a:extLst>
+          </a:blip>
+          <a:stretch>
+            <a:fillRect/>
+          </a:stretch>
+        </p:blipFill>
+        <p:spPr>
+          <a:xfrm>
+            <a:off x="7057099" y="1325564"/>
+            <a:ext cx="5134904" cy="2781406"/>
+          </a:xfrm>
+          <a:prstGeom prst="rect">
+            <a:avLst/>
+          </a:prstGeom>
+        </p:spPr>
+      </p:pic>
     </p:spTree>
     <p:extLst>
       <p:ext uri="{BB962C8B-B14F-4D97-AF65-F5344CB8AC3E}">
-        <p14:creationId xmlns:p14="http://schemas.microsoft.com/office/powerpoint/2010/main" val="680441888"/>
+        <p14:creationId xmlns:p14="http://schemas.microsoft.com/office/powerpoint/2010/main" val="3945692242"/>
       </p:ext>
     </p:extLst>
   </p:cSld>
@@ -5334,7 +9273,7 @@
 </p:sld>
 </file>
 
-<file path=ppt/slides/slide3.xml><?xml version="1.0" encoding="utf-8"?>
+<file path=ppt/slides/slide23.xml><?xml version="1.0" encoding="utf-8"?>
 <p:sld xmlns:a="http://schemas.openxmlformats.org/drawingml/2006/main" xmlns:r="http://schemas.openxmlformats.org/officeDocument/2006/relationships" xmlns:p="http://schemas.openxmlformats.org/presentationml/2006/main">
   <p:cSld>
     <p:spTree>
@@ -5356,7 +9295,7 @@
           <p:cNvPr id="2" name="Título 1">
             <a:extLst>
               <a:ext uri="{FF2B5EF4-FFF2-40B4-BE49-F238E27FC236}">
-                <a16:creationId xmlns:a16="http://schemas.microsoft.com/office/drawing/2014/main" id="{019B1078-E133-C41E-C4D9-445573074A14}"/>
+                <a16:creationId xmlns:a16="http://schemas.microsoft.com/office/drawing/2014/main" id="{FC206C1C-1441-41DF-F1EC-0E186656C380}"/>
               </a:ext>
             </a:extLst>
           </p:cNvPr>
@@ -5367,24 +9306,170 @@
             <p:ph type="title"/>
           </p:nvPr>
         </p:nvSpPr>
-        <p:spPr/>
-        <p:txBody>
-          <a:bodyPr/>
+        <p:spPr>
+          <a:xfrm>
+            <a:off x="1452032" y="0"/>
+            <a:ext cx="9287935" cy="1325563"/>
+          </a:xfrm>
+        </p:spPr>
+        <p:txBody>
+          <a:bodyPr>
+            <a:normAutofit/>
+          </a:bodyPr>
           <a:lstStyle/>
           <a:p>
-            <a:r>
-              <a:rPr lang="es-MX" dirty="0"/>
-              <a:t>Objetivos</a:t>
-            </a:r>
-          </a:p>
-        </p:txBody>
-      </p:sp>
-      <p:sp>
-        <p:nvSpPr>
-          <p:cNvPr id="3" name="Marcador de contenido 2">
-            <a:extLst>
-              <a:ext uri="{FF2B5EF4-FFF2-40B4-BE49-F238E27FC236}">
-                <a16:creationId xmlns:a16="http://schemas.microsoft.com/office/drawing/2014/main" id="{80D6E1F1-C8D9-AA88-25F1-220057C65CFA}"/>
+            <a:pPr algn="ctr"/>
+            <a:r>
+              <a:rPr lang="es-MX" sz="3600" dirty="0"/>
+              <a:t>Variación de las tarifas para los años 2020-2022</a:t>
+            </a:r>
+          </a:p>
+        </p:txBody>
+      </p:sp>
+      <p:pic>
+        <p:nvPicPr>
+          <p:cNvPr id="4" name="Imagen 3" descr="Gráfico, Gráfico de líneas&#10;&#10;Descripción generada automáticamente">
+            <a:extLst>
+              <a:ext uri="{FF2B5EF4-FFF2-40B4-BE49-F238E27FC236}">
+                <a16:creationId xmlns:a16="http://schemas.microsoft.com/office/drawing/2014/main" id="{E62DA9A4-C035-3A8D-5A65-806A66C887EA}"/>
+              </a:ext>
+            </a:extLst>
+          </p:cNvPr>
+          <p:cNvPicPr>
+            <a:picLocks noChangeAspect="1"/>
+          </p:cNvPicPr>
+          <p:nvPr/>
+        </p:nvPicPr>
+        <p:blipFill>
+          <a:blip r:embed="rId2">
+            <a:extLst>
+              <a:ext uri="{28A0092B-C50C-407E-A947-70E740481C1C}">
+                <a14:useLocalDpi xmlns:a14="http://schemas.microsoft.com/office/drawing/2010/main" val="0"/>
+              </a:ext>
+            </a:extLst>
+          </a:blip>
+          <a:stretch>
+            <a:fillRect/>
+          </a:stretch>
+        </p:blipFill>
+        <p:spPr>
+          <a:xfrm>
+            <a:off x="-1" y="1325563"/>
+            <a:ext cx="5824902" cy="2103437"/>
+          </a:xfrm>
+          <a:prstGeom prst="rect">
+            <a:avLst/>
+          </a:prstGeom>
+        </p:spPr>
+      </p:pic>
+      <p:pic>
+        <p:nvPicPr>
+          <p:cNvPr id="7" name="Imagen 6" descr="Gráfico, Gráfico de líneas&#10;&#10;Descripción generada automáticamente">
+            <a:extLst>
+              <a:ext uri="{FF2B5EF4-FFF2-40B4-BE49-F238E27FC236}">
+                <a16:creationId xmlns:a16="http://schemas.microsoft.com/office/drawing/2014/main" id="{4CE3D2D7-C22F-5C38-6FD7-4B869BA68874}"/>
+              </a:ext>
+            </a:extLst>
+          </p:cNvPr>
+          <p:cNvPicPr>
+            <a:picLocks noChangeAspect="1"/>
+          </p:cNvPicPr>
+          <p:nvPr/>
+        </p:nvPicPr>
+        <p:blipFill>
+          <a:blip r:embed="rId3">
+            <a:extLst>
+              <a:ext uri="{28A0092B-C50C-407E-A947-70E740481C1C}">
+                <a14:useLocalDpi xmlns:a14="http://schemas.microsoft.com/office/drawing/2010/main" val="0"/>
+              </a:ext>
+            </a:extLst>
+          </a:blip>
+          <a:stretch>
+            <a:fillRect/>
+          </a:stretch>
+        </p:blipFill>
+        <p:spPr>
+          <a:xfrm>
+            <a:off x="6367097" y="1325563"/>
+            <a:ext cx="5824903" cy="2103437"/>
+          </a:xfrm>
+          <a:prstGeom prst="rect">
+            <a:avLst/>
+          </a:prstGeom>
+        </p:spPr>
+      </p:pic>
+      <p:pic>
+        <p:nvPicPr>
+          <p:cNvPr id="10" name="Imagen 9" descr="Mapa de colores&#10;&#10;Descripción generada automáticamente con confianza media">
+            <a:extLst>
+              <a:ext uri="{FF2B5EF4-FFF2-40B4-BE49-F238E27FC236}">
+                <a16:creationId xmlns:a16="http://schemas.microsoft.com/office/drawing/2014/main" id="{A8A95DA9-30B4-6B93-1FBE-F8A06D0D9B37}"/>
+              </a:ext>
+            </a:extLst>
+          </p:cNvPr>
+          <p:cNvPicPr>
+            <a:picLocks noChangeAspect="1"/>
+          </p:cNvPicPr>
+          <p:nvPr/>
+        </p:nvPicPr>
+        <p:blipFill>
+          <a:blip r:embed="rId4">
+            <a:extLst>
+              <a:ext uri="{28A0092B-C50C-407E-A947-70E740481C1C}">
+                <a14:useLocalDpi xmlns:a14="http://schemas.microsoft.com/office/drawing/2010/main" val="0"/>
+              </a:ext>
+            </a:extLst>
+          </a:blip>
+          <a:stretch>
+            <a:fillRect/>
+          </a:stretch>
+        </p:blipFill>
+        <p:spPr>
+          <a:xfrm>
+            <a:off x="3183547" y="3940070"/>
+            <a:ext cx="5824903" cy="2103437"/>
+          </a:xfrm>
+          <a:prstGeom prst="rect">
+            <a:avLst/>
+          </a:prstGeom>
+        </p:spPr>
+      </p:pic>
+    </p:spTree>
+    <p:extLst>
+      <p:ext uri="{BB962C8B-B14F-4D97-AF65-F5344CB8AC3E}">
+        <p14:creationId xmlns:p14="http://schemas.microsoft.com/office/powerpoint/2010/main" val="375354029"/>
+      </p:ext>
+    </p:extLst>
+  </p:cSld>
+  <p:clrMapOvr>
+    <a:masterClrMapping/>
+  </p:clrMapOvr>
+</p:sld>
+</file>
+
+<file path=ppt/slides/slide24.xml><?xml version="1.0" encoding="utf-8"?>
+<p:sld xmlns:a="http://schemas.openxmlformats.org/drawingml/2006/main" xmlns:r="http://schemas.openxmlformats.org/officeDocument/2006/relationships" xmlns:p="http://schemas.openxmlformats.org/presentationml/2006/main">
+  <p:cSld>
+    <p:spTree>
+      <p:nvGrpSpPr>
+        <p:cNvPr id="1" name=""/>
+        <p:cNvGrpSpPr/>
+        <p:nvPr/>
+      </p:nvGrpSpPr>
+      <p:grpSpPr>
+        <a:xfrm>
+          <a:off x="0" y="0"/>
+          <a:ext cx="0" cy="0"/>
+          <a:chOff x="0" y="0"/>
+          <a:chExt cx="0" cy="0"/>
+        </a:xfrm>
+      </p:grpSpPr>
+      <p:sp>
+        <p:nvSpPr>
+          <p:cNvPr id="2" name="Título 1">
+            <a:extLst>
+              <a:ext uri="{FF2B5EF4-FFF2-40B4-BE49-F238E27FC236}">
+                <a16:creationId xmlns:a16="http://schemas.microsoft.com/office/drawing/2014/main" id="{FC206C1C-1441-41DF-F1EC-0E186656C380}"/>
               </a:ext>
             </a:extLst>
           </p:cNvPr>
@@ -5392,39 +9477,1382 @@
             <a:spLocks noGrp="1"/>
           </p:cNvSpPr>
           <p:nvPr>
+            <p:ph type="title"/>
+          </p:nvPr>
+        </p:nvSpPr>
+        <p:spPr>
+          <a:xfrm>
+            <a:off x="1452032" y="0"/>
+            <a:ext cx="9287935" cy="1325563"/>
+          </a:xfrm>
+        </p:spPr>
+        <p:txBody>
+          <a:bodyPr>
+            <a:normAutofit/>
+          </a:bodyPr>
+          <a:lstStyle/>
+          <a:p>
+            <a:pPr algn="ctr"/>
+            <a:r>
+              <a:rPr lang="es-MX" sz="3600" dirty="0"/>
+              <a:t>Predicción para los siguientes 4 meses de la tarifa intermedia SLP-Golfo centro </a:t>
+            </a:r>
+          </a:p>
+        </p:txBody>
+      </p:sp>
+      <p:pic>
+        <p:nvPicPr>
+          <p:cNvPr id="5" name="Imagen 4" descr="Gráfico, Gráfico de líneas&#10;&#10;Descripción generada automáticamente">
+            <a:extLst>
+              <a:ext uri="{FF2B5EF4-FFF2-40B4-BE49-F238E27FC236}">
+                <a16:creationId xmlns:a16="http://schemas.microsoft.com/office/drawing/2014/main" id="{06A8B938-AEE8-B313-87FD-4CF40D8B872F}"/>
+              </a:ext>
+            </a:extLst>
+          </p:cNvPr>
+          <p:cNvPicPr>
+            <a:picLocks noChangeAspect="1"/>
+          </p:cNvPicPr>
+          <p:nvPr/>
+        </p:nvPicPr>
+        <p:blipFill>
+          <a:blip r:embed="rId2">
+            <a:extLst>
+              <a:ext uri="{28A0092B-C50C-407E-A947-70E740481C1C}">
+                <a14:useLocalDpi xmlns:a14="http://schemas.microsoft.com/office/drawing/2010/main" val="0"/>
+              </a:ext>
+            </a:extLst>
+          </a:blip>
+          <a:stretch>
+            <a:fillRect/>
+          </a:stretch>
+        </p:blipFill>
+        <p:spPr>
+          <a:xfrm>
+            <a:off x="230292" y="1325563"/>
+            <a:ext cx="5427133" cy="5427133"/>
+          </a:xfrm>
+          <a:prstGeom prst="rect">
+            <a:avLst/>
+          </a:prstGeom>
+        </p:spPr>
+      </p:pic>
+      <p:sp>
+        <p:nvSpPr>
+          <p:cNvPr id="6" name="CuadroTexto 5">
+            <a:extLst>
+              <a:ext uri="{FF2B5EF4-FFF2-40B4-BE49-F238E27FC236}">
+                <a16:creationId xmlns:a16="http://schemas.microsoft.com/office/drawing/2014/main" id="{B230FF43-14D7-ED99-6A1E-ECA64A69752F}"/>
+              </a:ext>
+            </a:extLst>
+          </p:cNvPr>
+          <p:cNvSpPr txBox="1"/>
+          <p:nvPr/>
+        </p:nvSpPr>
+        <p:spPr>
+          <a:xfrm>
+            <a:off x="5585628" y="1700027"/>
+            <a:ext cx="6376080" cy="4678204"/>
+          </a:xfrm>
+          <a:prstGeom prst="rect">
+            <a:avLst/>
+          </a:prstGeom>
+          <a:noFill/>
+        </p:spPr>
+        <p:txBody>
+          <a:bodyPr wrap="square" rtlCol="0">
+            <a:spAutoFit/>
+          </a:bodyPr>
+          <a:lstStyle/>
+          <a:p>
+            <a:r>
+              <a:rPr lang="es-MX" sz="2000" dirty="0"/>
+              <a:t>Noviembre 2022: 1.6151 $/kWh</a:t>
+            </a:r>
+          </a:p>
+          <a:p>
+            <a:r>
+              <a:rPr lang="es-MX" sz="2000" dirty="0"/>
+              <a:t>Actual: 1.6241 $/kWh</a:t>
+            </a:r>
+          </a:p>
+          <a:p>
+            <a:r>
+              <a:rPr lang="es-MX" sz="2000" dirty="0"/>
+              <a:t>Error: 0.55%</a:t>
+            </a:r>
+          </a:p>
+          <a:p>
+            <a:endParaRPr lang="es-MX" sz="2000" dirty="0"/>
+          </a:p>
+          <a:p>
+            <a:r>
+              <a:rPr lang="es-MX" sz="2000" dirty="0"/>
+              <a:t>Diciembre 2022: 1.6170 $/kWh</a:t>
+            </a:r>
+          </a:p>
+          <a:p>
+            <a:r>
+              <a:rPr lang="es-MX" sz="2000" dirty="0"/>
+              <a:t>Enero 2022: 1.6186 $/kWh</a:t>
+            </a:r>
+          </a:p>
+          <a:p>
+            <a:r>
+              <a:rPr lang="es-MX" sz="2000" dirty="0"/>
+              <a:t>Febrero 2022: 1.6199 $/kWh</a:t>
+            </a:r>
+          </a:p>
+          <a:p>
+            <a:endParaRPr lang="es-MX" sz="2000" dirty="0"/>
+          </a:p>
+          <a:p>
+            <a:endParaRPr lang="es-MX" sz="2000" dirty="0"/>
+          </a:p>
+          <a:p>
+            <a:r>
+              <a:rPr lang="es-MX" sz="2000" dirty="0" err="1"/>
+              <a:t>Exponential</a:t>
+            </a:r>
+            <a:r>
+              <a:rPr lang="es-MX" sz="2000" dirty="0"/>
+              <a:t> </a:t>
+            </a:r>
+            <a:r>
+              <a:rPr lang="es-MX" sz="2000" dirty="0" err="1"/>
+              <a:t>smoothing</a:t>
+            </a:r>
+            <a:endParaRPr lang="es-MX" sz="2000" dirty="0"/>
+          </a:p>
+          <a:p>
+            <a:r>
+              <a:rPr lang="es-MX" sz="2000" dirty="0"/>
+              <a:t>No estacionalidad (las propiedades estadísticas no son constantes) </a:t>
+            </a:r>
+          </a:p>
+          <a:p>
+            <a:r>
+              <a:rPr lang="es-MX" sz="2000" dirty="0"/>
+              <a:t>– Prueba de </a:t>
+            </a:r>
+            <a:r>
+              <a:rPr lang="es-MX" sz="2000" dirty="0" err="1"/>
+              <a:t>Dickey</a:t>
+            </a:r>
+            <a:r>
+              <a:rPr lang="es-MX" sz="2000" dirty="0"/>
+              <a:t>-Fuller</a:t>
+            </a:r>
+          </a:p>
+          <a:p>
+            <a:r>
+              <a:rPr lang="es-MX" sz="2000" dirty="0"/>
+              <a:t>No “</a:t>
+            </a:r>
+            <a:r>
+              <a:rPr lang="es-MX" sz="2000" dirty="0" err="1"/>
+              <a:t>seasonal</a:t>
+            </a:r>
+            <a:r>
+              <a:rPr lang="es-MX" sz="2000" dirty="0"/>
+              <a:t>” (Estacional)</a:t>
+            </a:r>
+          </a:p>
+          <a:p>
+            <a:r>
+              <a:rPr lang="es-MX" sz="2000" dirty="0"/>
+              <a:t>RMSE = 0.00491</a:t>
+            </a:r>
+          </a:p>
+        </p:txBody>
+      </p:sp>
+      <p:sp>
+        <p:nvSpPr>
+          <p:cNvPr id="8" name="CuadroTexto 7">
+            <a:extLst>
+              <a:ext uri="{FF2B5EF4-FFF2-40B4-BE49-F238E27FC236}">
+                <a16:creationId xmlns:a16="http://schemas.microsoft.com/office/drawing/2014/main" id="{AED47EF4-5CA7-35A1-41FD-EA105BA5C80D}"/>
+              </a:ext>
+            </a:extLst>
+          </p:cNvPr>
+          <p:cNvSpPr txBox="1"/>
+          <p:nvPr/>
+        </p:nvSpPr>
+        <p:spPr>
+          <a:xfrm>
+            <a:off x="0" y="6604084"/>
+            <a:ext cx="7042312" cy="253916"/>
+          </a:xfrm>
+          <a:prstGeom prst="rect">
+            <a:avLst/>
+          </a:prstGeom>
+          <a:noFill/>
+        </p:spPr>
+        <p:txBody>
+          <a:bodyPr wrap="none" rtlCol="0">
+            <a:spAutoFit/>
+          </a:bodyPr>
+          <a:lstStyle/>
+          <a:p>
+            <a:r>
+              <a:rPr lang="es-MX" sz="1050" dirty="0"/>
+              <a:t>Fuente: </a:t>
+            </a:r>
+            <a:r>
+              <a:rPr lang="en-US" sz="1050" dirty="0">
+                <a:hlinkClick r:id="rId3"/>
+              </a:rPr>
+              <a:t>Time Series in Python — Exponential Smoothing and ARIMA processes | by Benjamin Etienne | Towards Data Science</a:t>
+            </a:r>
+            <a:endParaRPr lang="es-MX" sz="1050" dirty="0"/>
+          </a:p>
+        </p:txBody>
+      </p:sp>
+    </p:spTree>
+    <p:extLst>
+      <p:ext uri="{BB962C8B-B14F-4D97-AF65-F5344CB8AC3E}">
+        <p14:creationId xmlns:p14="http://schemas.microsoft.com/office/powerpoint/2010/main" val="2299299175"/>
+      </p:ext>
+    </p:extLst>
+  </p:cSld>
+  <p:clrMapOvr>
+    <a:masterClrMapping/>
+  </p:clrMapOvr>
+</p:sld>
+</file>
+
+<file path=ppt/slides/slide25.xml><?xml version="1.0" encoding="utf-8"?>
+<p:sld xmlns:a="http://schemas.openxmlformats.org/drawingml/2006/main" xmlns:r="http://schemas.openxmlformats.org/officeDocument/2006/relationships" xmlns:p="http://schemas.openxmlformats.org/presentationml/2006/main">
+  <p:cSld>
+    <p:bg>
+      <p:bgPr>
+        <a:solidFill>
+          <a:schemeClr val="bg1"/>
+        </a:solidFill>
+        <a:effectLst/>
+      </p:bgPr>
+    </p:bg>
+    <p:spTree>
+      <p:nvGrpSpPr>
+        <p:cNvPr id="1" name=""/>
+        <p:cNvGrpSpPr/>
+        <p:nvPr/>
+      </p:nvGrpSpPr>
+      <p:grpSpPr>
+        <a:xfrm>
+          <a:off x="0" y="0"/>
+          <a:ext cx="0" cy="0"/>
+          <a:chOff x="0" y="0"/>
+          <a:chExt cx="0" cy="0"/>
+        </a:xfrm>
+      </p:grpSpPr>
+      <p:sp>
+        <p:nvSpPr>
+          <p:cNvPr id="24" name="Rectangle 23">
+            <a:extLst>
+              <a:ext uri="{FF2B5EF4-FFF2-40B4-BE49-F238E27FC236}">
+                <a16:creationId xmlns:a16="http://schemas.microsoft.com/office/drawing/2014/main" id="{46D6306C-ED4F-4AAE-B4A5-EEA6AFAD726E}"/>
+              </a:ext>
+              <a:ext uri="{C183D7F6-B498-43B3-948B-1728B52AA6E4}">
+                <adec:decorative xmlns:adec="http://schemas.microsoft.com/office/drawing/2017/decorative" val="1"/>
+              </a:ext>
+            </a:extLst>
+          </p:cNvPr>
+          <p:cNvSpPr>
+            <a:spLocks noGrp="1" noRot="1" noChangeAspect="1" noMove="1" noResize="1" noEditPoints="1" noAdjustHandles="1" noChangeArrowheads="1" noChangeShapeType="1" noTextEdit="1"/>
+          </p:cNvSpPr>
+          <p:nvPr>
+            <p:extLst>
+              <p:ext uri="{386F3935-93C4-4BCD-93E2-E3B085C9AB24}">
+                <p16:designElem xmlns:p16="http://schemas.microsoft.com/office/powerpoint/2015/main" val="1"/>
+              </p:ext>
+            </p:extLst>
+          </p:nvPr>
+        </p:nvSpPr>
+        <p:spPr>
+          <a:xfrm>
+            <a:off x="0" y="0"/>
+            <a:ext cx="12192000" cy="6858000"/>
+          </a:xfrm>
+          <a:prstGeom prst="rect">
+            <a:avLst/>
+          </a:prstGeom>
+          <a:solidFill>
+            <a:schemeClr val="bg1"/>
+          </a:solidFill>
+          <a:ln>
+            <a:noFill/>
+          </a:ln>
+        </p:spPr>
+        <p:style>
+          <a:lnRef idx="2">
+            <a:schemeClr val="accent1">
+              <a:shade val="50000"/>
+            </a:schemeClr>
+          </a:lnRef>
+          <a:fillRef idx="1">
+            <a:schemeClr val="accent1"/>
+          </a:fillRef>
+          <a:effectRef idx="0">
+            <a:schemeClr val="accent1"/>
+          </a:effectRef>
+          <a:fontRef idx="minor">
+            <a:schemeClr val="lt1"/>
+          </a:fontRef>
+        </p:style>
+        <p:txBody>
+          <a:bodyPr rtlCol="0" anchor="ctr"/>
+          <a:lstStyle/>
+          <a:p>
+            <a:pPr algn="ctr"/>
+            <a:endParaRPr lang="en-US" dirty="0"/>
+          </a:p>
+        </p:txBody>
+      </p:sp>
+      <p:sp>
+        <p:nvSpPr>
+          <p:cNvPr id="2" name="Título 1">
+            <a:extLst>
+              <a:ext uri="{FF2B5EF4-FFF2-40B4-BE49-F238E27FC236}">
+                <a16:creationId xmlns:a16="http://schemas.microsoft.com/office/drawing/2014/main" id="{FC206C1C-1441-41DF-F1EC-0E186656C380}"/>
+              </a:ext>
+            </a:extLst>
+          </p:cNvPr>
+          <p:cNvSpPr>
+            <a:spLocks noGrp="1"/>
+          </p:cNvSpPr>
+          <p:nvPr>
+            <p:ph type="title"/>
+          </p:nvPr>
+        </p:nvSpPr>
+        <p:spPr>
+          <a:xfrm>
+            <a:off x="643467" y="1698171"/>
+            <a:ext cx="3962061" cy="4516360"/>
+          </a:xfrm>
+        </p:spPr>
+        <p:txBody>
+          <a:bodyPr vert="horz" lIns="91440" tIns="45720" rIns="91440" bIns="45720" rtlCol="0" anchor="t">
+            <a:normAutofit/>
+          </a:bodyPr>
+          <a:lstStyle/>
+          <a:p>
+            <a:r>
+              <a:rPr lang="en-US" sz="3600" kern="1200" dirty="0" err="1">
+                <a:solidFill>
+                  <a:schemeClr val="tx1"/>
+                </a:solidFill>
+                <a:latin typeface="+mj-lt"/>
+                <a:ea typeface="+mj-ea"/>
+                <a:cs typeface="+mj-cs"/>
+              </a:rPr>
+              <a:t>Conclusiones</a:t>
+            </a:r>
+            <a:endParaRPr lang="en-US" sz="3600" kern="1200" dirty="0">
+              <a:solidFill>
+                <a:schemeClr val="tx1"/>
+              </a:solidFill>
+              <a:latin typeface="+mj-lt"/>
+              <a:ea typeface="+mj-ea"/>
+              <a:cs typeface="+mj-cs"/>
+            </a:endParaRPr>
+          </a:p>
+        </p:txBody>
+      </p:sp>
+      <p:sp>
+        <p:nvSpPr>
+          <p:cNvPr id="26" name="Rectangle 25">
+            <a:extLst>
+              <a:ext uri="{FF2B5EF4-FFF2-40B4-BE49-F238E27FC236}">
+                <a16:creationId xmlns:a16="http://schemas.microsoft.com/office/drawing/2014/main" id="{0EC5361D-F897-4856-B945-0455A365EB24}"/>
+              </a:ext>
+              <a:ext uri="{C183D7F6-B498-43B3-948B-1728B52AA6E4}">
+                <adec:decorative xmlns:adec="http://schemas.microsoft.com/office/drawing/2017/decorative" val="1"/>
+              </a:ext>
+            </a:extLst>
+          </p:cNvPr>
+          <p:cNvSpPr>
+            <a:spLocks noGrp="1" noRot="1" noChangeAspect="1" noMove="1" noResize="1" noEditPoints="1" noAdjustHandles="1" noChangeArrowheads="1" noChangeShapeType="1" noTextEdit="1"/>
+          </p:cNvSpPr>
+          <p:nvPr>
+            <p:extLst>
+              <p:ext uri="{386F3935-93C4-4BCD-93E2-E3B085C9AB24}">
+                <p16:designElem xmlns:p16="http://schemas.microsoft.com/office/powerpoint/2015/main" val="1"/>
+              </p:ext>
+            </p:extLst>
+          </p:nvPr>
+        </p:nvSpPr>
+        <p:spPr>
+          <a:xfrm rot="2700000">
+            <a:off x="415435" y="655140"/>
+            <a:ext cx="687472" cy="687472"/>
+          </a:xfrm>
+          <a:prstGeom prst="rect">
+            <a:avLst/>
+          </a:prstGeom>
+          <a:solidFill>
+            <a:schemeClr val="accent4">
+              <a:alpha val="30000"/>
+            </a:schemeClr>
+          </a:solidFill>
+          <a:ln>
+            <a:noFill/>
+          </a:ln>
+        </p:spPr>
+        <p:style>
+          <a:lnRef idx="2">
+            <a:schemeClr val="accent1">
+              <a:shade val="50000"/>
+            </a:schemeClr>
+          </a:lnRef>
+          <a:fillRef idx="1">
+            <a:schemeClr val="accent1"/>
+          </a:fillRef>
+          <a:effectRef idx="0">
+            <a:schemeClr val="accent1"/>
+          </a:effectRef>
+          <a:fontRef idx="minor">
+            <a:schemeClr val="lt1"/>
+          </a:fontRef>
+        </p:style>
+        <p:txBody>
+          <a:bodyPr rtlCol="0" anchor="ctr"/>
+          <a:lstStyle/>
+          <a:p>
+            <a:pPr algn="ctr"/>
+            <a:endParaRPr lang="en-US"/>
+          </a:p>
+        </p:txBody>
+      </p:sp>
+      <p:sp>
+        <p:nvSpPr>
+          <p:cNvPr id="28" name="Freeform: Shape 27">
+            <a:extLst>
+              <a:ext uri="{FF2B5EF4-FFF2-40B4-BE49-F238E27FC236}">
+                <a16:creationId xmlns:a16="http://schemas.microsoft.com/office/drawing/2014/main" id="{4508C0C5-2268-42B5-B3C8-4D0899E05F8C}"/>
+              </a:ext>
+              <a:ext uri="{C183D7F6-B498-43B3-948B-1728B52AA6E4}">
+                <adec:decorative xmlns:adec="http://schemas.microsoft.com/office/drawing/2017/decorative" val="1"/>
+              </a:ext>
+            </a:extLst>
+          </p:cNvPr>
+          <p:cNvSpPr>
+            <a:spLocks noGrp="1" noRot="1" noChangeAspect="1" noMove="1" noResize="1" noEditPoints="1" noAdjustHandles="1" noChangeArrowheads="1" noChangeShapeType="1" noTextEdit="1"/>
+          </p:cNvSpPr>
+          <p:nvPr>
+            <p:extLst>
+              <p:ext uri="{386F3935-93C4-4BCD-93E2-E3B085C9AB24}">
+                <p16:designElem xmlns:p16="http://schemas.microsoft.com/office/powerpoint/2015/main" val="1"/>
+              </p:ext>
+            </p:extLst>
+          </p:nvPr>
+        </p:nvSpPr>
+        <p:spPr>
+          <a:xfrm rot="10800000">
+            <a:off x="0" y="0"/>
+            <a:ext cx="2835357" cy="1480837"/>
+          </a:xfrm>
+          <a:custGeom>
+            <a:avLst/>
+            <a:gdLst>
+              <a:gd name="connsiteX0" fmla="*/ 2835357 w 2835357"/>
+              <a:gd name="connsiteY0" fmla="*/ 1480837 h 1480837"/>
+              <a:gd name="connsiteX1" fmla="*/ 0 w 2835357"/>
+              <a:gd name="connsiteY1" fmla="*/ 1480837 h 1480837"/>
+              <a:gd name="connsiteX2" fmla="*/ 1552727 w 2835357"/>
+              <a:gd name="connsiteY2" fmla="*/ 0 h 1480837"/>
+              <a:gd name="connsiteX3" fmla="*/ 2835357 w 2835357"/>
+              <a:gd name="connsiteY3" fmla="*/ 1223245 h 1480837"/>
+            </a:gdLst>
+            <a:ahLst/>
+            <a:cxnLst>
+              <a:cxn ang="0">
+                <a:pos x="connsiteX0" y="connsiteY0"/>
+              </a:cxn>
+              <a:cxn ang="0">
+                <a:pos x="connsiteX1" y="connsiteY1"/>
+              </a:cxn>
+              <a:cxn ang="0">
+                <a:pos x="connsiteX2" y="connsiteY2"/>
+              </a:cxn>
+              <a:cxn ang="0">
+                <a:pos x="connsiteX3" y="connsiteY3"/>
+              </a:cxn>
+            </a:cxnLst>
+            <a:rect l="l" t="t" r="r" b="b"/>
+            <a:pathLst>
+              <a:path w="2835357" h="1480837">
+                <a:moveTo>
+                  <a:pt x="2835357" y="1480837"/>
+                </a:moveTo>
+                <a:lnTo>
+                  <a:pt x="0" y="1480837"/>
+                </a:lnTo>
+                <a:lnTo>
+                  <a:pt x="1552727" y="0"/>
+                </a:lnTo>
+                <a:lnTo>
+                  <a:pt x="2835357" y="1223245"/>
+                </a:lnTo>
+                <a:close/>
+              </a:path>
+            </a:pathLst>
+          </a:custGeom>
+          <a:solidFill>
+            <a:schemeClr val="accent4">
+              <a:alpha val="30000"/>
+            </a:schemeClr>
+          </a:solidFill>
+          <a:ln>
+            <a:noFill/>
+          </a:ln>
+        </p:spPr>
+        <p:style>
+          <a:lnRef idx="2">
+            <a:schemeClr val="accent1">
+              <a:shade val="50000"/>
+            </a:schemeClr>
+          </a:lnRef>
+          <a:fillRef idx="1">
+            <a:schemeClr val="accent1"/>
+          </a:fillRef>
+          <a:effectRef idx="0">
+            <a:schemeClr val="accent1"/>
+          </a:effectRef>
+          <a:fontRef idx="minor">
+            <a:schemeClr val="lt1"/>
+          </a:fontRef>
+        </p:style>
+        <p:txBody>
+          <a:bodyPr wrap="square" rtlCol="0" anchor="ctr">
+            <a:noAutofit/>
+          </a:bodyPr>
+          <a:lstStyle/>
+          <a:p>
+            <a:pPr algn="ctr"/>
+            <a:endParaRPr lang="en-US" dirty="0"/>
+          </a:p>
+        </p:txBody>
+      </p:sp>
+      <p:sp>
+        <p:nvSpPr>
+          <p:cNvPr id="30" name="Freeform: Shape 29">
+            <a:extLst>
+              <a:ext uri="{FF2B5EF4-FFF2-40B4-BE49-F238E27FC236}">
+                <a16:creationId xmlns:a16="http://schemas.microsoft.com/office/drawing/2014/main" id="{141ACBDB-38F8-4B34-8183-BD95B4E55A62}"/>
+              </a:ext>
+              <a:ext uri="{C183D7F6-B498-43B3-948B-1728B52AA6E4}">
+                <adec:decorative xmlns:adec="http://schemas.microsoft.com/office/drawing/2017/decorative" val="1"/>
+              </a:ext>
+            </a:extLst>
+          </p:cNvPr>
+          <p:cNvSpPr>
+            <a:spLocks noGrp="1" noRot="1" noChangeAspect="1" noMove="1" noResize="1" noEditPoints="1" noAdjustHandles="1" noChangeArrowheads="1" noChangeShapeType="1" noTextEdit="1"/>
+          </p:cNvSpPr>
+          <p:nvPr>
+            <p:extLst>
+              <p:ext uri="{386F3935-93C4-4BCD-93E2-E3B085C9AB24}">
+                <p16:designElem xmlns:p16="http://schemas.microsoft.com/office/powerpoint/2015/main" val="1"/>
+              </p:ext>
+            </p:extLst>
+          </p:nvPr>
+        </p:nvSpPr>
+        <p:spPr>
+          <a:xfrm rot="2700000">
+            <a:off x="10739327" y="-253670"/>
+            <a:ext cx="1827638" cy="1376989"/>
+          </a:xfrm>
+          <a:custGeom>
+            <a:avLst/>
+            <a:gdLst>
+              <a:gd name="connsiteX0" fmla="*/ 0 w 1827638"/>
+              <a:gd name="connsiteY0" fmla="*/ 987379 h 1376989"/>
+              <a:gd name="connsiteX1" fmla="*/ 987379 w 1827638"/>
+              <a:gd name="connsiteY1" fmla="*/ 0 h 1376989"/>
+              <a:gd name="connsiteX2" fmla="*/ 1827638 w 1827638"/>
+              <a:gd name="connsiteY2" fmla="*/ 840260 h 1376989"/>
+              <a:gd name="connsiteX3" fmla="*/ 1827638 w 1827638"/>
+              <a:gd name="connsiteY3" fmla="*/ 1376989 h 1376989"/>
+              <a:gd name="connsiteX4" fmla="*/ 0 w 1827638"/>
+              <a:gd name="connsiteY4" fmla="*/ 1376989 h 1376989"/>
+            </a:gdLst>
+            <a:ahLst/>
+            <a:cxnLst>
+              <a:cxn ang="0">
+                <a:pos x="connsiteX0" y="connsiteY0"/>
+              </a:cxn>
+              <a:cxn ang="0">
+                <a:pos x="connsiteX1" y="connsiteY1"/>
+              </a:cxn>
+              <a:cxn ang="0">
+                <a:pos x="connsiteX2" y="connsiteY2"/>
+              </a:cxn>
+              <a:cxn ang="0">
+                <a:pos x="connsiteX3" y="connsiteY3"/>
+              </a:cxn>
+              <a:cxn ang="0">
+                <a:pos x="connsiteX4" y="connsiteY4"/>
+              </a:cxn>
+            </a:cxnLst>
+            <a:rect l="l" t="t" r="r" b="b"/>
+            <a:pathLst>
+              <a:path w="1827638" h="1376989">
+                <a:moveTo>
+                  <a:pt x="0" y="987379"/>
+                </a:moveTo>
+                <a:lnTo>
+                  <a:pt x="987379" y="0"/>
+                </a:lnTo>
+                <a:lnTo>
+                  <a:pt x="1827638" y="840260"/>
+                </a:lnTo>
+                <a:lnTo>
+                  <a:pt x="1827638" y="1376989"/>
+                </a:lnTo>
+                <a:lnTo>
+                  <a:pt x="0" y="1376989"/>
+                </a:lnTo>
+                <a:close/>
+              </a:path>
+            </a:pathLst>
+          </a:custGeom>
+          <a:solidFill>
+            <a:schemeClr val="accent1">
+              <a:alpha val="30000"/>
+            </a:schemeClr>
+          </a:solidFill>
+          <a:ln>
+            <a:noFill/>
+          </a:ln>
+        </p:spPr>
+        <p:style>
+          <a:lnRef idx="2">
+            <a:schemeClr val="accent1">
+              <a:shade val="50000"/>
+            </a:schemeClr>
+          </a:lnRef>
+          <a:fillRef idx="1">
+            <a:schemeClr val="accent1"/>
+          </a:fillRef>
+          <a:effectRef idx="0">
+            <a:schemeClr val="accent1"/>
+          </a:effectRef>
+          <a:fontRef idx="minor">
+            <a:schemeClr val="lt1"/>
+          </a:fontRef>
+        </p:style>
+        <p:txBody>
+          <a:bodyPr wrap="square" rtlCol="0" anchor="ctr">
+            <a:noAutofit/>
+          </a:bodyPr>
+          <a:lstStyle/>
+          <a:p>
+            <a:pPr algn="ctr"/>
+            <a:endParaRPr lang="en-US" dirty="0"/>
+          </a:p>
+        </p:txBody>
+      </p:sp>
+      <p:sp>
+        <p:nvSpPr>
+          <p:cNvPr id="32" name="Rectangle 31">
+            <a:extLst>
+              <a:ext uri="{FF2B5EF4-FFF2-40B4-BE49-F238E27FC236}">
+                <a16:creationId xmlns:a16="http://schemas.microsoft.com/office/drawing/2014/main" id="{DE00DB52-3455-4E2F-867B-A6D0516E175B}"/>
+              </a:ext>
+              <a:ext uri="{C183D7F6-B498-43B3-948B-1728B52AA6E4}">
+                <adec:decorative xmlns:adec="http://schemas.microsoft.com/office/drawing/2017/decorative" val="1"/>
+              </a:ext>
+            </a:extLst>
+          </p:cNvPr>
+          <p:cNvSpPr>
+            <a:spLocks noGrp="1" noRot="1" noChangeAspect="1" noMove="1" noResize="1" noEditPoints="1" noAdjustHandles="1" noChangeArrowheads="1" noChangeShapeType="1" noTextEdit="1"/>
+          </p:cNvSpPr>
+          <p:nvPr>
+            <p:extLst>
+              <p:ext uri="{386F3935-93C4-4BCD-93E2-E3B085C9AB24}">
+                <p16:designElem xmlns:p16="http://schemas.microsoft.com/office/powerpoint/2015/main" val="1"/>
+              </p:ext>
+            </p:extLst>
+          </p:nvPr>
+        </p:nvSpPr>
+        <p:spPr>
+          <a:xfrm rot="2700000">
+            <a:off x="10653800" y="422146"/>
+            <a:ext cx="645368" cy="645368"/>
+          </a:xfrm>
+          <a:prstGeom prst="rect">
+            <a:avLst/>
+          </a:prstGeom>
+          <a:solidFill>
+            <a:schemeClr val="accent1">
+              <a:alpha val="30000"/>
+            </a:schemeClr>
+          </a:solidFill>
+          <a:ln>
+            <a:noFill/>
+          </a:ln>
+        </p:spPr>
+        <p:style>
+          <a:lnRef idx="2">
+            <a:schemeClr val="accent1">
+              <a:shade val="50000"/>
+            </a:schemeClr>
+          </a:lnRef>
+          <a:fillRef idx="1">
+            <a:schemeClr val="accent1"/>
+          </a:fillRef>
+          <a:effectRef idx="0">
+            <a:schemeClr val="accent1"/>
+          </a:effectRef>
+          <a:fontRef idx="minor">
+            <a:schemeClr val="lt1"/>
+          </a:fontRef>
+        </p:style>
+        <p:txBody>
+          <a:bodyPr wrap="square" rtlCol="0" anchor="ctr">
+            <a:noAutofit/>
+          </a:bodyPr>
+          <a:lstStyle/>
+          <a:p>
+            <a:pPr algn="ctr"/>
+            <a:endParaRPr lang="en-US"/>
+          </a:p>
+        </p:txBody>
+      </p:sp>
+      <p:sp>
+        <p:nvSpPr>
+          <p:cNvPr id="6" name="CuadroTexto 5">
+            <a:extLst>
+              <a:ext uri="{FF2B5EF4-FFF2-40B4-BE49-F238E27FC236}">
+                <a16:creationId xmlns:a16="http://schemas.microsoft.com/office/drawing/2014/main" id="{B230FF43-14D7-ED99-6A1E-ECA64A69752F}"/>
+              </a:ext>
+            </a:extLst>
+          </p:cNvPr>
+          <p:cNvSpPr txBox="1"/>
+          <p:nvPr/>
+        </p:nvSpPr>
+        <p:spPr>
+          <a:xfrm>
+            <a:off x="5070020" y="1698170"/>
+            <a:ext cx="6478513" cy="4516361"/>
+          </a:xfrm>
+          <a:prstGeom prst="rect">
+            <a:avLst/>
+          </a:prstGeom>
+        </p:spPr>
+        <p:txBody>
+          <a:bodyPr vert="horz" lIns="91440" tIns="45720" rIns="91440" bIns="45720" rtlCol="0">
+            <a:normAutofit/>
+          </a:bodyPr>
+          <a:lstStyle/>
+          <a:p>
+            <a:pPr marL="285750" indent="-228600">
+              <a:lnSpc>
+                <a:spcPct val="90000"/>
+              </a:lnSpc>
+              <a:spcAft>
+                <a:spcPts val="600"/>
+              </a:spcAft>
+              <a:buFont typeface="Arial" panose="020B0604020202020204" pitchFamily="34" charset="0"/>
+              <a:buChar char="•"/>
+            </a:pPr>
+            <a:r>
+              <a:rPr lang="en-US" sz="2000" dirty="0"/>
+              <a:t>Se </a:t>
+            </a:r>
+            <a:r>
+              <a:rPr lang="en-US" sz="2000" dirty="0" err="1"/>
+              <a:t>comprendió</a:t>
+            </a:r>
+            <a:r>
+              <a:rPr lang="en-US" sz="2000" dirty="0"/>
+              <a:t> a </a:t>
+            </a:r>
+            <a:r>
+              <a:rPr lang="en-US" sz="2000" dirty="0" err="1"/>
+              <a:t>grandez</a:t>
+            </a:r>
+            <a:r>
+              <a:rPr lang="en-US" sz="2000" dirty="0"/>
+              <a:t> </a:t>
+            </a:r>
+            <a:r>
+              <a:rPr lang="en-US" sz="2000" dirty="0" err="1"/>
+              <a:t>rasgos</a:t>
+            </a:r>
+            <a:r>
+              <a:rPr lang="en-US" sz="2000" dirty="0"/>
+              <a:t> la </a:t>
+            </a:r>
+            <a:r>
+              <a:rPr lang="en-US" sz="2000" dirty="0" err="1"/>
+              <a:t>definición</a:t>
+            </a:r>
+            <a:r>
+              <a:rPr lang="en-US" sz="2000" dirty="0"/>
+              <a:t> y </a:t>
+            </a:r>
+            <a:r>
+              <a:rPr lang="en-US" sz="2000" dirty="0" err="1"/>
+              <a:t>uso</a:t>
+            </a:r>
+            <a:r>
+              <a:rPr lang="en-US" sz="2000" dirty="0"/>
+              <a:t> de la </a:t>
+            </a:r>
+            <a:r>
+              <a:rPr lang="en-US" sz="2000" dirty="0" err="1"/>
+              <a:t>tarifa</a:t>
+            </a:r>
+            <a:r>
+              <a:rPr lang="en-US" sz="2000" dirty="0"/>
+              <a:t> GDMTH</a:t>
+            </a:r>
+          </a:p>
+          <a:p>
+            <a:pPr marL="285750" indent="-228600">
+              <a:lnSpc>
+                <a:spcPct val="90000"/>
+              </a:lnSpc>
+              <a:spcAft>
+                <a:spcPts val="600"/>
+              </a:spcAft>
+              <a:buFont typeface="Arial" panose="020B0604020202020204" pitchFamily="34" charset="0"/>
+              <a:buChar char="•"/>
+            </a:pPr>
+            <a:r>
+              <a:rPr lang="en-US" sz="2000" dirty="0"/>
+              <a:t>Se </a:t>
+            </a:r>
+            <a:r>
+              <a:rPr lang="en-US" sz="2000" dirty="0" err="1"/>
+              <a:t>extrajeron</a:t>
+            </a:r>
+            <a:r>
+              <a:rPr lang="en-US" sz="2000" dirty="0"/>
+              <a:t> </a:t>
+            </a:r>
+            <a:r>
+              <a:rPr lang="en-US" sz="2000" dirty="0" err="1"/>
+              <a:t>los</a:t>
+            </a:r>
+            <a:r>
+              <a:rPr lang="en-US" sz="2000" dirty="0"/>
+              <a:t> </a:t>
+            </a:r>
+            <a:r>
+              <a:rPr lang="en-US" sz="2000" dirty="0" err="1"/>
+              <a:t>datos</a:t>
+            </a:r>
+            <a:r>
+              <a:rPr lang="en-US" sz="2000" dirty="0"/>
+              <a:t> de </a:t>
+            </a:r>
+            <a:r>
+              <a:rPr lang="en-US" sz="2000" dirty="0" err="1"/>
+              <a:t>dicha</a:t>
+            </a:r>
+            <a:r>
+              <a:rPr lang="en-US" sz="2000" dirty="0"/>
+              <a:t> </a:t>
+            </a:r>
+            <a:r>
+              <a:rPr lang="en-US" sz="2000" dirty="0" err="1"/>
+              <a:t>tarifa</a:t>
+            </a:r>
+            <a:r>
+              <a:rPr lang="en-US" sz="2000" dirty="0"/>
+              <a:t> para </a:t>
+            </a:r>
+            <a:r>
+              <a:rPr lang="en-US" sz="2000" dirty="0" err="1"/>
+              <a:t>cada</a:t>
+            </a:r>
+            <a:r>
+              <a:rPr lang="en-US" sz="2000" dirty="0"/>
+              <a:t> </a:t>
+            </a:r>
+            <a:r>
+              <a:rPr lang="en-US" sz="2000" dirty="0" err="1"/>
+              <a:t>una</a:t>
+            </a:r>
+            <a:r>
+              <a:rPr lang="en-US" sz="2000" dirty="0"/>
+              <a:t> de las 17 </a:t>
+            </a:r>
+            <a:r>
+              <a:rPr lang="en-US" sz="2000" dirty="0" err="1"/>
+              <a:t>divisiones</a:t>
+            </a:r>
+            <a:r>
+              <a:rPr lang="en-US" sz="2000" dirty="0"/>
+              <a:t> </a:t>
+            </a:r>
+            <a:r>
+              <a:rPr lang="en-US" sz="2000" dirty="0" err="1"/>
+              <a:t>oficiales</a:t>
+            </a:r>
+            <a:r>
+              <a:rPr lang="en-US" sz="2000" dirty="0"/>
+              <a:t> </a:t>
+            </a:r>
+          </a:p>
+          <a:p>
+            <a:pPr marL="285750" indent="-228600">
+              <a:lnSpc>
+                <a:spcPct val="90000"/>
+              </a:lnSpc>
+              <a:spcAft>
+                <a:spcPts val="600"/>
+              </a:spcAft>
+              <a:buFont typeface="Arial" panose="020B0604020202020204" pitchFamily="34" charset="0"/>
+              <a:buChar char="•"/>
+            </a:pPr>
+            <a:r>
+              <a:rPr lang="en-US" sz="2000" dirty="0"/>
+              <a:t>Se </a:t>
+            </a:r>
+            <a:r>
+              <a:rPr lang="en-US" sz="2000" dirty="0" err="1"/>
+              <a:t>midieron</a:t>
+            </a:r>
+            <a:r>
+              <a:rPr lang="en-US" sz="2000" dirty="0"/>
+              <a:t> </a:t>
+            </a:r>
+            <a:r>
+              <a:rPr lang="en-US" sz="2000" dirty="0" err="1"/>
+              <a:t>los</a:t>
+            </a:r>
+            <a:r>
+              <a:rPr lang="en-US" sz="2000" dirty="0"/>
+              <a:t> </a:t>
+            </a:r>
+            <a:r>
+              <a:rPr lang="en-US" sz="2000" dirty="0" err="1"/>
+              <a:t>cambios</a:t>
+            </a:r>
+            <a:r>
+              <a:rPr lang="en-US" sz="2000" dirty="0"/>
+              <a:t> de </a:t>
+            </a:r>
+            <a:r>
+              <a:rPr lang="en-US" sz="2000" dirty="0" err="1"/>
+              <a:t>precio</a:t>
+            </a:r>
+            <a:r>
+              <a:rPr lang="en-US" sz="2000" dirty="0"/>
+              <a:t> </a:t>
+            </a:r>
+            <a:r>
+              <a:rPr lang="en-US" sz="2000" dirty="0" err="1"/>
+              <a:t>temporalmente</a:t>
+            </a:r>
+            <a:r>
+              <a:rPr lang="en-US" sz="2000" dirty="0"/>
+              <a:t> de la </a:t>
+            </a:r>
+            <a:r>
+              <a:rPr lang="en-US" sz="2000" dirty="0" err="1"/>
+              <a:t>tarifa</a:t>
+            </a:r>
+            <a:r>
+              <a:rPr lang="en-US" sz="2000" dirty="0"/>
+              <a:t> GDMTH</a:t>
+            </a:r>
+          </a:p>
+          <a:p>
+            <a:pPr marL="285750" indent="-228600">
+              <a:lnSpc>
+                <a:spcPct val="90000"/>
+              </a:lnSpc>
+              <a:spcAft>
+                <a:spcPts val="600"/>
+              </a:spcAft>
+              <a:buFont typeface="Arial" panose="020B0604020202020204" pitchFamily="34" charset="0"/>
+              <a:buChar char="•"/>
+            </a:pPr>
+            <a:r>
+              <a:rPr lang="en-US" sz="2000" dirty="0"/>
+              <a:t>Se </a:t>
+            </a:r>
+            <a:r>
+              <a:rPr lang="en-US" sz="2000" dirty="0" err="1"/>
+              <a:t>presentó</a:t>
+            </a:r>
+            <a:r>
+              <a:rPr lang="en-US" sz="2000" dirty="0"/>
+              <a:t> </a:t>
+            </a:r>
+            <a:r>
+              <a:rPr lang="en-US" sz="2000" dirty="0" err="1"/>
+              <a:t>el</a:t>
+            </a:r>
+            <a:r>
+              <a:rPr lang="en-US" sz="2000" dirty="0"/>
+              <a:t> </a:t>
+            </a:r>
+            <a:r>
+              <a:rPr lang="en-US" sz="2000" dirty="0" err="1"/>
+              <a:t>estimado</a:t>
+            </a:r>
+            <a:r>
+              <a:rPr lang="en-US" sz="2000" dirty="0"/>
+              <a:t> de </a:t>
+            </a:r>
+            <a:r>
+              <a:rPr lang="en-US" sz="2000" dirty="0" err="1"/>
+              <a:t>precio</a:t>
+            </a:r>
+            <a:r>
+              <a:rPr lang="en-US" sz="2000" dirty="0"/>
+              <a:t> de </a:t>
+            </a:r>
+            <a:r>
+              <a:rPr lang="en-US" sz="2000" dirty="0" err="1"/>
+              <a:t>los</a:t>
+            </a:r>
+            <a:r>
+              <a:rPr lang="en-US" sz="2000" dirty="0"/>
+              <a:t> </a:t>
+            </a:r>
+            <a:r>
+              <a:rPr lang="en-US" sz="2000" dirty="0" err="1"/>
+              <a:t>siguientes</a:t>
+            </a:r>
+            <a:r>
+              <a:rPr lang="en-US" sz="2000" dirty="0"/>
+              <a:t> cuatro meses para la </a:t>
+            </a:r>
+            <a:r>
+              <a:rPr lang="en-US" sz="2000" dirty="0" err="1"/>
+              <a:t>tarifa</a:t>
+            </a:r>
+            <a:r>
+              <a:rPr lang="en-US" sz="2000" dirty="0"/>
+              <a:t> intermedia</a:t>
+            </a:r>
+          </a:p>
+          <a:p>
+            <a:pPr marL="285750" indent="-228600">
+              <a:lnSpc>
+                <a:spcPct val="90000"/>
+              </a:lnSpc>
+              <a:spcAft>
+                <a:spcPts val="600"/>
+              </a:spcAft>
+              <a:buFont typeface="Arial" panose="020B0604020202020204" pitchFamily="34" charset="0"/>
+              <a:buChar char="•"/>
+            </a:pPr>
+            <a:r>
+              <a:rPr lang="en-US" sz="2000" dirty="0"/>
+              <a:t>De </a:t>
+            </a:r>
+            <a:r>
+              <a:rPr lang="en-US" sz="2000" dirty="0" err="1"/>
+              <a:t>este</a:t>
+            </a:r>
+            <a:r>
+              <a:rPr lang="en-US" sz="2000" dirty="0"/>
+              <a:t> </a:t>
+            </a:r>
+            <a:r>
+              <a:rPr lang="en-US" sz="2000" dirty="0" err="1"/>
+              <a:t>análisis</a:t>
+            </a:r>
+            <a:r>
+              <a:rPr lang="en-US" sz="2000" dirty="0"/>
+              <a:t> </a:t>
+            </a:r>
+            <a:r>
+              <a:rPr lang="en-US" sz="2000" dirty="0" err="1"/>
+              <a:t>puede</a:t>
+            </a:r>
+            <a:r>
+              <a:rPr lang="en-US" sz="2000" dirty="0"/>
+              <a:t> </a:t>
+            </a:r>
+            <a:r>
+              <a:rPr lang="en-US" sz="2000" dirty="0" err="1"/>
+              <a:t>estimarse</a:t>
+            </a:r>
+            <a:r>
+              <a:rPr lang="en-US" sz="2000" dirty="0"/>
+              <a:t> que </a:t>
+            </a:r>
+            <a:r>
+              <a:rPr lang="en-US" sz="2000" dirty="0" err="1"/>
+              <a:t>división</a:t>
+            </a:r>
+            <a:r>
+              <a:rPr lang="en-US" sz="2000" dirty="0"/>
+              <a:t> </a:t>
+            </a:r>
+            <a:r>
+              <a:rPr lang="en-US" sz="2000" dirty="0" err="1"/>
+              <a:t>oficial</a:t>
+            </a:r>
+            <a:r>
+              <a:rPr lang="en-US" sz="2000" dirty="0"/>
+              <a:t> es la de </a:t>
+            </a:r>
+            <a:r>
+              <a:rPr lang="en-US" sz="2000" dirty="0" err="1"/>
+              <a:t>menor</a:t>
+            </a:r>
+            <a:r>
+              <a:rPr lang="en-US" sz="2000" dirty="0"/>
+              <a:t> </a:t>
+            </a:r>
+            <a:r>
+              <a:rPr lang="en-US" sz="2000" dirty="0" err="1"/>
+              <a:t>costo</a:t>
+            </a:r>
+            <a:endParaRPr lang="en-US" sz="2000" dirty="0"/>
+          </a:p>
+        </p:txBody>
+      </p:sp>
+      <p:sp>
+        <p:nvSpPr>
+          <p:cNvPr id="34" name="Isosceles Triangle 33">
+            <a:extLst>
+              <a:ext uri="{FF2B5EF4-FFF2-40B4-BE49-F238E27FC236}">
+                <a16:creationId xmlns:a16="http://schemas.microsoft.com/office/drawing/2014/main" id="{9E914C83-E0D8-4953-92D5-169D28CB43AE}"/>
+              </a:ext>
+              <a:ext uri="{C183D7F6-B498-43B3-948B-1728B52AA6E4}">
+                <adec:decorative xmlns:adec="http://schemas.microsoft.com/office/drawing/2017/decorative" val="1"/>
+              </a:ext>
+            </a:extLst>
+          </p:cNvPr>
+          <p:cNvSpPr>
+            <a:spLocks noGrp="1" noRot="1" noChangeAspect="1" noMove="1" noResize="1" noEditPoints="1" noAdjustHandles="1" noChangeArrowheads="1" noChangeShapeType="1" noTextEdit="1"/>
+          </p:cNvSpPr>
+          <p:nvPr>
+            <p:extLst>
+              <p:ext uri="{386F3935-93C4-4BCD-93E2-E3B085C9AB24}">
+                <p16:designElem xmlns:p16="http://schemas.microsoft.com/office/powerpoint/2015/main" val="1"/>
+              </p:ext>
+            </p:extLst>
+          </p:nvPr>
+        </p:nvSpPr>
+        <p:spPr>
+          <a:xfrm>
+            <a:off x="8115423" y="6115501"/>
+            <a:ext cx="1494513" cy="742499"/>
+          </a:xfrm>
+          <a:prstGeom prst="triangle">
+            <a:avLst/>
+          </a:prstGeom>
+          <a:solidFill>
+            <a:schemeClr val="accent1">
+              <a:alpha val="30000"/>
+            </a:schemeClr>
+          </a:solidFill>
+          <a:ln>
+            <a:noFill/>
+          </a:ln>
+        </p:spPr>
+        <p:style>
+          <a:lnRef idx="2">
+            <a:schemeClr val="accent1">
+              <a:shade val="50000"/>
+            </a:schemeClr>
+          </a:lnRef>
+          <a:fillRef idx="1">
+            <a:schemeClr val="accent1"/>
+          </a:fillRef>
+          <a:effectRef idx="0">
+            <a:schemeClr val="accent1"/>
+          </a:effectRef>
+          <a:fontRef idx="minor">
+            <a:schemeClr val="lt1"/>
+          </a:fontRef>
+        </p:style>
+        <p:txBody>
+          <a:bodyPr wrap="square" rtlCol="0" anchor="ctr">
+            <a:noAutofit/>
+          </a:bodyPr>
+          <a:lstStyle/>
+          <a:p>
+            <a:pPr algn="ctr"/>
+            <a:endParaRPr lang="en-US"/>
+          </a:p>
+        </p:txBody>
+      </p:sp>
+      <p:sp>
+        <p:nvSpPr>
+          <p:cNvPr id="36" name="Isosceles Triangle 35">
+            <a:extLst>
+              <a:ext uri="{FF2B5EF4-FFF2-40B4-BE49-F238E27FC236}">
+                <a16:creationId xmlns:a16="http://schemas.microsoft.com/office/drawing/2014/main" id="{3512E083-F550-46AF-8490-767ECFD00CB7}"/>
+              </a:ext>
+              <a:ext uri="{C183D7F6-B498-43B3-948B-1728B52AA6E4}">
+                <adec:decorative xmlns:adec="http://schemas.microsoft.com/office/drawing/2017/decorative" val="1"/>
+              </a:ext>
+            </a:extLst>
+          </p:cNvPr>
+          <p:cNvSpPr>
+            <a:spLocks noGrp="1" noRot="1" noChangeAspect="1" noMove="1" noResize="1" noEditPoints="1" noAdjustHandles="1" noChangeArrowheads="1" noChangeShapeType="1" noTextEdit="1"/>
+          </p:cNvSpPr>
+          <p:nvPr>
+            <p:extLst>
+              <p:ext uri="{386F3935-93C4-4BCD-93E2-E3B085C9AB24}">
+                <p16:designElem xmlns:p16="http://schemas.microsoft.com/office/powerpoint/2015/main" val="1"/>
+              </p:ext>
+            </p:extLst>
+          </p:nvPr>
+        </p:nvSpPr>
+        <p:spPr>
+          <a:xfrm>
+            <a:off x="9167297" y="6453143"/>
+            <a:ext cx="814903" cy="404857"/>
+          </a:xfrm>
+          <a:prstGeom prst="triangle">
+            <a:avLst/>
+          </a:prstGeom>
+          <a:solidFill>
+            <a:schemeClr val="accent1">
+              <a:alpha val="30000"/>
+            </a:schemeClr>
+          </a:solidFill>
+          <a:ln>
+            <a:noFill/>
+          </a:ln>
+        </p:spPr>
+        <p:style>
+          <a:lnRef idx="2">
+            <a:schemeClr val="accent1">
+              <a:shade val="50000"/>
+            </a:schemeClr>
+          </a:lnRef>
+          <a:fillRef idx="1">
+            <a:schemeClr val="accent1"/>
+          </a:fillRef>
+          <a:effectRef idx="0">
+            <a:schemeClr val="accent1"/>
+          </a:effectRef>
+          <a:fontRef idx="minor">
+            <a:schemeClr val="lt1"/>
+          </a:fontRef>
+        </p:style>
+        <p:txBody>
+          <a:bodyPr wrap="square" rtlCol="0" anchor="ctr">
+            <a:noAutofit/>
+          </a:bodyPr>
+          <a:lstStyle/>
+          <a:p>
+            <a:pPr algn="ctr"/>
+            <a:endParaRPr lang="en-US"/>
+          </a:p>
+        </p:txBody>
+      </p:sp>
+    </p:spTree>
+    <p:extLst>
+      <p:ext uri="{BB962C8B-B14F-4D97-AF65-F5344CB8AC3E}">
+        <p14:creationId xmlns:p14="http://schemas.microsoft.com/office/powerpoint/2010/main" val="2969908704"/>
+      </p:ext>
+    </p:extLst>
+  </p:cSld>
+  <p:clrMapOvr>
+    <a:masterClrMapping/>
+  </p:clrMapOvr>
+</p:sld>
+</file>
+
+<file path=ppt/slides/slide3.xml><?xml version="1.0" encoding="utf-8"?>
+<p:sld xmlns:a="http://schemas.openxmlformats.org/drawingml/2006/main" xmlns:r="http://schemas.openxmlformats.org/officeDocument/2006/relationships" xmlns:p="http://schemas.openxmlformats.org/presentationml/2006/main">
+  <p:cSld>
+    <p:bg>
+      <p:bgPr>
+        <a:solidFill>
+          <a:schemeClr val="bg1"/>
+        </a:solidFill>
+        <a:effectLst/>
+      </p:bgPr>
+    </p:bg>
+    <p:spTree>
+      <p:nvGrpSpPr>
+        <p:cNvPr id="1" name=""/>
+        <p:cNvGrpSpPr/>
+        <p:nvPr/>
+      </p:nvGrpSpPr>
+      <p:grpSpPr>
+        <a:xfrm>
+          <a:off x="0" y="0"/>
+          <a:ext cx="0" cy="0"/>
+          <a:chOff x="0" y="0"/>
+          <a:chExt cx="0" cy="0"/>
+        </a:xfrm>
+      </p:grpSpPr>
+      <p:sp>
+        <p:nvSpPr>
+          <p:cNvPr id="2" name="Título 1">
+            <a:extLst>
+              <a:ext uri="{FF2B5EF4-FFF2-40B4-BE49-F238E27FC236}">
+                <a16:creationId xmlns:a16="http://schemas.microsoft.com/office/drawing/2014/main" id="{019B1078-E133-C41E-C4D9-445573074A14}"/>
+              </a:ext>
+            </a:extLst>
+          </p:cNvPr>
+          <p:cNvSpPr>
+            <a:spLocks noGrp="1"/>
+          </p:cNvSpPr>
+          <p:nvPr>
+            <p:ph type="title"/>
+          </p:nvPr>
+        </p:nvSpPr>
+        <p:spPr>
+          <a:xfrm>
+            <a:off x="524741" y="620392"/>
+            <a:ext cx="3808268" cy="5504688"/>
+          </a:xfrm>
+        </p:spPr>
+        <p:txBody>
+          <a:bodyPr>
+            <a:normAutofit/>
+          </a:bodyPr>
+          <a:lstStyle/>
+          <a:p>
+            <a:r>
+              <a:rPr lang="es-MX" sz="6000">
+                <a:solidFill>
+                  <a:schemeClr val="accent5"/>
+                </a:solidFill>
+              </a:rPr>
+              <a:t>Objetivos</a:t>
+            </a:r>
+          </a:p>
+        </p:txBody>
+      </p:sp>
+      <p:graphicFrame>
+        <p:nvGraphicFramePr>
+          <p:cNvPr id="5" name="Marcador de contenido 2">
+            <a:extLst>
+              <a:ext uri="{FF2B5EF4-FFF2-40B4-BE49-F238E27FC236}">
+                <a16:creationId xmlns:a16="http://schemas.microsoft.com/office/drawing/2014/main" id="{82952A3D-25CD-B4E0-5F76-F1EEE09F827E}"/>
+              </a:ext>
+            </a:extLst>
+          </p:cNvPr>
+          <p:cNvGraphicFramePr>
+            <a:graphicFrameLocks noGrp="1"/>
+          </p:cNvGraphicFramePr>
+          <p:nvPr>
             <p:ph idx="1"/>
+            <p:extLst>
+              <p:ext uri="{D42A27DB-BD31-4B8C-83A1-F6EECF244321}">
+                <p14:modId xmlns:p14="http://schemas.microsoft.com/office/powerpoint/2010/main" val="1187300988"/>
+              </p:ext>
+            </p:extLst>
           </p:nvPr>
-        </p:nvSpPr>
-        <p:spPr/>
-        <p:txBody>
-          <a:bodyPr/>
-          <a:lstStyle/>
-          <a:p>
-            <a:r>
-              <a:rPr lang="es-MX" dirty="0"/>
-              <a:t>Comprender el concepto de la tarifa de Gran Demanda Media Tensión Horaria, cómo se mide y por qué se utiliza.</a:t>
-            </a:r>
-          </a:p>
-          <a:p>
-            <a:r>
-              <a:rPr lang="es-MX" dirty="0"/>
-              <a:t>Presentar un caso de cálculo de dicha tarifa.</a:t>
-            </a:r>
-          </a:p>
-          <a:p>
-            <a:r>
-              <a:rPr lang="es-MX" dirty="0"/>
-              <a:t>Realizar análisis cuantitativo de la variación en los precios de esta tarifa para cada región del país y la variación temporal de los mismos.</a:t>
-            </a:r>
-          </a:p>
-          <a:p>
-            <a:r>
-              <a:rPr lang="es-MX" dirty="0"/>
-              <a:t>Ofrecer algunas recomendaciones a partir del análisis realizado.</a:t>
-            </a:r>
-          </a:p>
-        </p:txBody>
-      </p:sp>
+        </p:nvGraphicFramePr>
+        <p:xfrm>
+          <a:off x="5093208" y="620392"/>
+          <a:ext cx="6263640" cy="5504688"/>
+        </p:xfrm>
+        <a:graphic>
+          <a:graphicData uri="http://schemas.openxmlformats.org/drawingml/2006/diagram">
+            <dgm:relIds xmlns:dgm="http://schemas.openxmlformats.org/drawingml/2006/diagram" xmlns:r="http://schemas.openxmlformats.org/officeDocument/2006/relationships" r:dm="rId2" r:lo="rId3" r:qs="rId4" r:cs="rId5"/>
+          </a:graphicData>
+        </a:graphic>
+      </p:graphicFrame>
     </p:spTree>
     <p:extLst>
       <p:ext uri="{BB962C8B-B14F-4D97-AF65-F5344CB8AC3E}">
@@ -5441,6 +10869,14 @@
 <file path=ppt/slides/slide4.xml><?xml version="1.0" encoding="utf-8"?>
 <p:sld xmlns:a="http://schemas.openxmlformats.org/drawingml/2006/main" xmlns:r="http://schemas.openxmlformats.org/officeDocument/2006/relationships" xmlns:p="http://schemas.openxmlformats.org/presentationml/2006/main">
   <p:cSld>
+    <p:bg>
+      <p:bgPr>
+        <a:solidFill>
+          <a:schemeClr val="bg1"/>
+        </a:solidFill>
+        <a:effectLst/>
+      </p:bgPr>
+    </p:bg>
     <p:spTree>
       <p:nvGrpSpPr>
         <p:cNvPr id="1" name=""/>
@@ -5457,6 +10893,69 @@
       </p:grpSpPr>
       <p:sp>
         <p:nvSpPr>
+          <p:cNvPr id="8" name="Rectangle 7">
+            <a:extLst>
+              <a:ext uri="{FF2B5EF4-FFF2-40B4-BE49-F238E27FC236}">
+                <a16:creationId xmlns:a16="http://schemas.microsoft.com/office/drawing/2014/main" id="{2B566528-1B12-4246-9431-5C2D7D081168}"/>
+              </a:ext>
+              <a:ext uri="{C183D7F6-B498-43B3-948B-1728B52AA6E4}">
+                <adec:decorative xmlns:adec="http://schemas.microsoft.com/office/drawing/2017/decorative" val="1"/>
+              </a:ext>
+            </a:extLst>
+          </p:cNvPr>
+          <p:cNvSpPr>
+            <a:spLocks noGrp="1" noRot="1" noChangeAspect="1" noMove="1" noResize="1" noEditPoints="1" noAdjustHandles="1" noChangeArrowheads="1" noChangeShapeType="1" noTextEdit="1"/>
+          </p:cNvSpPr>
+          <p:nvPr>
+            <p:extLst>
+              <p:ext uri="{386F3935-93C4-4BCD-93E2-E3B085C9AB24}">
+                <p16:designElem xmlns:p16="http://schemas.microsoft.com/office/powerpoint/2015/main" val="1"/>
+              </p:ext>
+            </p:extLst>
+          </p:nvPr>
+        </p:nvSpPr>
+        <p:spPr>
+          <a:xfrm>
+            <a:off x="0" y="0"/>
+            <a:ext cx="12192000" cy="6858000"/>
+          </a:xfrm>
+          <a:prstGeom prst="rect">
+            <a:avLst/>
+          </a:prstGeom>
+          <a:solidFill>
+            <a:schemeClr val="bg1"/>
+          </a:solidFill>
+          <a:ln>
+            <a:noFill/>
+          </a:ln>
+        </p:spPr>
+        <p:style>
+          <a:lnRef idx="2">
+            <a:schemeClr val="accent1">
+              <a:shade val="50000"/>
+            </a:schemeClr>
+          </a:lnRef>
+          <a:fillRef idx="1">
+            <a:schemeClr val="accent1"/>
+          </a:fillRef>
+          <a:effectRef idx="0">
+            <a:schemeClr val="accent1"/>
+          </a:effectRef>
+          <a:fontRef idx="minor">
+            <a:schemeClr val="lt1"/>
+          </a:fontRef>
+        </p:style>
+        <p:txBody>
+          <a:bodyPr rtlCol="0" anchor="ctr"/>
+          <a:lstStyle/>
+          <a:p>
+            <a:pPr algn="ctr"/>
+            <a:endParaRPr lang="en-US" dirty="0"/>
+          </a:p>
+        </p:txBody>
+      </p:sp>
+      <p:sp>
+        <p:nvSpPr>
           <p:cNvPr id="2" name="Título 1">
             <a:extLst>
               <a:ext uri="{FF2B5EF4-FFF2-40B4-BE49-F238E27FC236}">
@@ -5471,13 +10970,20 @@
             <p:ph type="title"/>
           </p:nvPr>
         </p:nvSpPr>
-        <p:spPr/>
-        <p:txBody>
-          <a:bodyPr/>
+        <p:spPr>
+          <a:xfrm>
+            <a:off x="643467" y="321734"/>
+            <a:ext cx="10905066" cy="1135737"/>
+          </a:xfrm>
+        </p:spPr>
+        <p:txBody>
+          <a:bodyPr>
+            <a:normAutofit/>
+          </a:bodyPr>
           <a:lstStyle/>
           <a:p>
             <a:r>
-              <a:rPr lang="es-MX" dirty="0"/>
+              <a:rPr lang="es-MX" sz="3600"/>
               <a:t>Definición</a:t>
             </a:r>
           </a:p>
@@ -5499,24 +11005,299 @@
             <p:ph idx="1"/>
           </p:nvPr>
         </p:nvSpPr>
-        <p:spPr/>
-        <p:txBody>
-          <a:bodyPr/>
+        <p:spPr>
+          <a:xfrm>
+            <a:off x="643467" y="1782981"/>
+            <a:ext cx="10905066" cy="4393982"/>
+          </a:xfrm>
+        </p:spPr>
+        <p:txBody>
+          <a:bodyPr>
+            <a:normAutofit/>
+          </a:bodyPr>
           <a:lstStyle/>
           <a:p>
             <a:r>
-              <a:rPr lang="es-MX" dirty="0"/>
+              <a:rPr lang="es-MX" sz="2000"/>
               <a:t>La tarifa de Gran Demanda Media Tensión Horaria (GDMTH), es una de las 12 tarifas establecidas por la CFE, utilizada para el sector industrial mexicano ya que es aplicada a servicios cuya demanda es igual o superior a los 100 kilowatts (kW).</a:t>
             </a:r>
           </a:p>
           <a:p>
-            <a:endParaRPr lang="es-MX" dirty="0"/>
-          </a:p>
-          <a:p>
-            <a:r>
-              <a:rPr lang="es-MX" dirty="0"/>
+            <a:endParaRPr lang="es-MX" sz="2000"/>
+          </a:p>
+          <a:p>
+            <a:r>
+              <a:rPr lang="es-MX" sz="2000"/>
               <a:t>La particularidad de esta tarifa es que el precio de la energía varía de acuerdo a los horarios de consumo.</a:t>
             </a:r>
+          </a:p>
+        </p:txBody>
+      </p:sp>
+      <p:sp>
+        <p:nvSpPr>
+          <p:cNvPr id="10" name="Rectangle 9">
+            <a:extLst>
+              <a:ext uri="{FF2B5EF4-FFF2-40B4-BE49-F238E27FC236}">
+                <a16:creationId xmlns:a16="http://schemas.microsoft.com/office/drawing/2014/main" id="{2E80C965-DB6D-4F81-9E9E-B027384D0BD6}"/>
+              </a:ext>
+              <a:ext uri="{C183D7F6-B498-43B3-948B-1728B52AA6E4}">
+                <adec:decorative xmlns:adec="http://schemas.microsoft.com/office/drawing/2017/decorative" val="1"/>
+              </a:ext>
+            </a:extLst>
+          </p:cNvPr>
+          <p:cNvSpPr>
+            <a:spLocks noGrp="1" noRot="1" noChangeAspect="1" noMove="1" noResize="1" noEditPoints="1" noAdjustHandles="1" noChangeArrowheads="1" noChangeShapeType="1" noTextEdit="1"/>
+          </p:cNvSpPr>
+          <p:nvPr>
+            <p:extLst>
+              <p:ext uri="{386F3935-93C4-4BCD-93E2-E3B085C9AB24}">
+                <p16:designElem xmlns:p16="http://schemas.microsoft.com/office/powerpoint/2015/main" val="1"/>
+              </p:ext>
+            </p:extLst>
+          </p:nvPr>
+        </p:nvSpPr>
+        <p:spPr>
+          <a:xfrm rot="2700000">
+            <a:off x="11052629" y="2120024"/>
+            <a:ext cx="645368" cy="645368"/>
+          </a:xfrm>
+          <a:prstGeom prst="rect">
+            <a:avLst/>
+          </a:prstGeom>
+          <a:solidFill>
+            <a:schemeClr val="accent4">
+              <a:alpha val="30000"/>
+            </a:schemeClr>
+          </a:solidFill>
+          <a:ln>
+            <a:noFill/>
+          </a:ln>
+        </p:spPr>
+        <p:style>
+          <a:lnRef idx="2">
+            <a:schemeClr val="accent1">
+              <a:shade val="50000"/>
+            </a:schemeClr>
+          </a:lnRef>
+          <a:fillRef idx="1">
+            <a:schemeClr val="accent1"/>
+          </a:fillRef>
+          <a:effectRef idx="0">
+            <a:schemeClr val="accent1"/>
+          </a:effectRef>
+          <a:fontRef idx="minor">
+            <a:schemeClr val="lt1"/>
+          </a:fontRef>
+        </p:style>
+        <p:txBody>
+          <a:bodyPr rtlCol="0" anchor="ctr"/>
+          <a:lstStyle/>
+          <a:p>
+            <a:pPr algn="ctr"/>
+            <a:endParaRPr lang="en-US"/>
+          </a:p>
+        </p:txBody>
+      </p:sp>
+      <p:sp>
+        <p:nvSpPr>
+          <p:cNvPr id="12" name="Isosceles Triangle 11">
+            <a:extLst>
+              <a:ext uri="{FF2B5EF4-FFF2-40B4-BE49-F238E27FC236}">
+                <a16:creationId xmlns:a16="http://schemas.microsoft.com/office/drawing/2014/main" id="{A580F890-B085-4E95-96AA-55AEBEC5CE6E}"/>
+              </a:ext>
+              <a:ext uri="{C183D7F6-B498-43B3-948B-1728B52AA6E4}">
+                <adec:decorative xmlns:adec="http://schemas.microsoft.com/office/drawing/2017/decorative" val="1"/>
+              </a:ext>
+            </a:extLst>
+          </p:cNvPr>
+          <p:cNvSpPr>
+            <a:spLocks noGrp="1" noRot="1" noChangeAspect="1" noMove="1" noResize="1" noEditPoints="1" noAdjustHandles="1" noChangeArrowheads="1" noChangeShapeType="1" noTextEdit="1"/>
+          </p:cNvSpPr>
+          <p:nvPr>
+            <p:extLst>
+              <p:ext uri="{386F3935-93C4-4BCD-93E2-E3B085C9AB24}">
+                <p16:designElem xmlns:p16="http://schemas.microsoft.com/office/powerpoint/2015/main" val="1"/>
+              </p:ext>
+            </p:extLst>
+          </p:nvPr>
+        </p:nvSpPr>
+        <p:spPr>
+          <a:xfrm rot="16200000">
+            <a:off x="10289068" y="1343027"/>
+            <a:ext cx="2532832" cy="1273032"/>
+          </a:xfrm>
+          <a:prstGeom prst="triangle">
+            <a:avLst>
+              <a:gd name="adj" fmla="val 50000"/>
+            </a:avLst>
+          </a:prstGeom>
+          <a:solidFill>
+            <a:schemeClr val="accent4">
+              <a:alpha val="30000"/>
+            </a:schemeClr>
+          </a:solidFill>
+          <a:ln>
+            <a:noFill/>
+          </a:ln>
+        </p:spPr>
+        <p:style>
+          <a:lnRef idx="2">
+            <a:schemeClr val="accent1">
+              <a:shade val="50000"/>
+            </a:schemeClr>
+          </a:lnRef>
+          <a:fillRef idx="1">
+            <a:schemeClr val="accent1"/>
+          </a:fillRef>
+          <a:effectRef idx="0">
+            <a:schemeClr val="accent1"/>
+          </a:effectRef>
+          <a:fontRef idx="minor">
+            <a:schemeClr val="lt1"/>
+          </a:fontRef>
+        </p:style>
+        <p:txBody>
+          <a:bodyPr rtlCol="0" anchor="ctr"/>
+          <a:lstStyle/>
+          <a:p>
+            <a:pPr algn="ctr"/>
+            <a:endParaRPr lang="en-US"/>
+          </a:p>
+        </p:txBody>
+      </p:sp>
+      <p:sp>
+        <p:nvSpPr>
+          <p:cNvPr id="14" name="Isosceles Triangle 13">
+            <a:extLst>
+              <a:ext uri="{FF2B5EF4-FFF2-40B4-BE49-F238E27FC236}">
+                <a16:creationId xmlns:a16="http://schemas.microsoft.com/office/drawing/2014/main" id="{D3F51FEB-38FB-4F6C-9F7B-2F2AFAB65463}"/>
+              </a:ext>
+              <a:ext uri="{C183D7F6-B498-43B3-948B-1728B52AA6E4}">
+                <adec:decorative xmlns:adec="http://schemas.microsoft.com/office/drawing/2017/decorative" val="1"/>
+              </a:ext>
+            </a:extLst>
+          </p:cNvPr>
+          <p:cNvSpPr>
+            <a:spLocks noGrp="1" noRot="1" noChangeAspect="1" noMove="1" noResize="1" noEditPoints="1" noAdjustHandles="1" noChangeArrowheads="1" noChangeShapeType="1" noTextEdit="1"/>
+          </p:cNvSpPr>
+          <p:nvPr>
+            <p:extLst>
+              <p:ext uri="{386F3935-93C4-4BCD-93E2-E3B085C9AB24}">
+                <p16:designElem xmlns:p16="http://schemas.microsoft.com/office/powerpoint/2015/main" val="1"/>
+              </p:ext>
+            </p:extLst>
+          </p:nvPr>
+        </p:nvSpPr>
+        <p:spPr>
+          <a:xfrm rot="5400000">
+            <a:off x="-501760" y="5103257"/>
+            <a:ext cx="2017580" cy="1014060"/>
+          </a:xfrm>
+          <a:prstGeom prst="triangle">
+            <a:avLst>
+              <a:gd name="adj" fmla="val 50000"/>
+            </a:avLst>
+          </a:prstGeom>
+          <a:solidFill>
+            <a:schemeClr val="accent1">
+              <a:alpha val="30000"/>
+            </a:schemeClr>
+          </a:solidFill>
+          <a:ln>
+            <a:noFill/>
+          </a:ln>
+        </p:spPr>
+        <p:style>
+          <a:lnRef idx="2">
+            <a:schemeClr val="accent1">
+              <a:shade val="50000"/>
+            </a:schemeClr>
+          </a:lnRef>
+          <a:fillRef idx="1">
+            <a:schemeClr val="accent1"/>
+          </a:fillRef>
+          <a:effectRef idx="0">
+            <a:schemeClr val="accent1"/>
+          </a:effectRef>
+          <a:fontRef idx="minor">
+            <a:schemeClr val="lt1"/>
+          </a:fontRef>
+        </p:style>
+        <p:txBody>
+          <a:bodyPr wrap="square" rtlCol="0" anchor="ctr">
+            <a:noAutofit/>
+          </a:bodyPr>
+          <a:lstStyle/>
+          <a:p>
+            <a:pPr algn="ctr"/>
+            <a:endParaRPr lang="en-US"/>
+          </a:p>
+        </p:txBody>
+      </p:sp>
+      <p:sp>
+        <p:nvSpPr>
+          <p:cNvPr id="16" name="Rectangle 15">
+            <a:extLst>
+              <a:ext uri="{FF2B5EF4-FFF2-40B4-BE49-F238E27FC236}">
+                <a16:creationId xmlns:a16="http://schemas.microsoft.com/office/drawing/2014/main" id="{1E547BA6-BAE0-43BB-A7CA-60F69CE252F0}"/>
+              </a:ext>
+              <a:ext uri="{C183D7F6-B498-43B3-948B-1728B52AA6E4}">
+                <adec:decorative xmlns:adec="http://schemas.microsoft.com/office/drawing/2017/decorative" val="1"/>
+              </a:ext>
+            </a:extLst>
+          </p:cNvPr>
+          <p:cNvSpPr>
+            <a:spLocks noGrp="1" noRot="1" noChangeAspect="1" noMove="1" noResize="1" noEditPoints="1" noAdjustHandles="1" noChangeArrowheads="1" noChangeShapeType="1" noTextEdit="1"/>
+          </p:cNvSpPr>
+          <p:nvPr>
+            <p:extLst>
+              <p:ext uri="{386F3935-93C4-4BCD-93E2-E3B085C9AB24}">
+                <p16:designElem xmlns:p16="http://schemas.microsoft.com/office/powerpoint/2015/main" val="1"/>
+              </p:ext>
+            </p:extLst>
+          </p:nvPr>
+        </p:nvSpPr>
+        <p:spPr>
+          <a:xfrm rot="2700000">
+            <a:off x="427916" y="5728708"/>
+            <a:ext cx="485578" cy="485578"/>
+          </a:xfrm>
+          <a:prstGeom prst="rect">
+            <a:avLst/>
+          </a:prstGeom>
+          <a:solidFill>
+            <a:schemeClr val="accent1">
+              <a:alpha val="30000"/>
+            </a:schemeClr>
+          </a:solidFill>
+          <a:ln>
+            <a:noFill/>
+          </a:ln>
+        </p:spPr>
+        <p:style>
+          <a:lnRef idx="2">
+            <a:schemeClr val="accent1">
+              <a:shade val="50000"/>
+            </a:schemeClr>
+          </a:lnRef>
+          <a:fillRef idx="1">
+            <a:schemeClr val="accent1"/>
+          </a:fillRef>
+          <a:effectRef idx="0">
+            <a:schemeClr val="accent1"/>
+          </a:effectRef>
+          <a:fontRef idx="minor">
+            <a:schemeClr val="lt1"/>
+          </a:fontRef>
+        </p:style>
+        <p:txBody>
+          <a:bodyPr wrap="square" rtlCol="0" anchor="ctr">
+            <a:noAutofit/>
+          </a:bodyPr>
+          <a:lstStyle/>
+          <a:p>
+            <a:pPr algn="ctr"/>
+            <a:endParaRPr lang="en-US"/>
           </a:p>
         </p:txBody>
       </p:sp>
@@ -5568,11 +11349,13 @@
         </p:nvSpPr>
         <p:spPr/>
         <p:txBody>
-          <a:bodyPr/>
+          <a:bodyPr>
+            <a:normAutofit/>
+          </a:bodyPr>
           <a:lstStyle/>
           <a:p>
             <a:r>
-              <a:rPr lang="es-MX" dirty="0"/>
+              <a:rPr lang="es-MX" sz="3600" dirty="0"/>
               <a:t>¿Cómo se mide la tarifa GDMTH?</a:t>
             </a:r>
           </a:p>
@@ -5605,15 +11388,15 @@
           <a:lstStyle/>
           <a:p>
             <a:r>
-              <a:rPr lang="es-MX" dirty="0"/>
+              <a:rPr lang="es-MX" sz="2000" dirty="0"/>
               <a:t>La CFE ha establecido un esquema de tres horarios, referidos como </a:t>
             </a:r>
             <a:r>
-              <a:rPr lang="es-MX" b="1" i="1" dirty="0"/>
+              <a:rPr lang="es-MX" sz="2000" b="1" i="1" dirty="0"/>
               <a:t>Base, Intermedia y Punta. </a:t>
             </a:r>
             <a:r>
-              <a:rPr lang="es-MX" dirty="0"/>
+              <a:rPr lang="es-MX" sz="2000" dirty="0"/>
               <a:t>(Depende de cada región y uso horario)</a:t>
             </a:r>
           </a:p>
@@ -5866,6 +11649,14 @@
 <file path=ppt/slides/slide6.xml><?xml version="1.0" encoding="utf-8"?>
 <p:sld xmlns:a="http://schemas.openxmlformats.org/drawingml/2006/main" xmlns:r="http://schemas.openxmlformats.org/officeDocument/2006/relationships" xmlns:p="http://schemas.openxmlformats.org/presentationml/2006/main">
   <p:cSld>
+    <p:bg>
+      <p:bgPr>
+        <a:solidFill>
+          <a:schemeClr val="bg1"/>
+        </a:solidFill>
+        <a:effectLst/>
+      </p:bgPr>
+    </p:bg>
     <p:spTree>
       <p:nvGrpSpPr>
         <p:cNvPr id="1" name=""/>
@@ -5882,6 +11673,69 @@
       </p:grpSpPr>
       <p:sp>
         <p:nvSpPr>
+          <p:cNvPr id="8" name="Rectangle 7">
+            <a:extLst>
+              <a:ext uri="{FF2B5EF4-FFF2-40B4-BE49-F238E27FC236}">
+                <a16:creationId xmlns:a16="http://schemas.microsoft.com/office/drawing/2014/main" id="{2B566528-1B12-4246-9431-5C2D7D081168}"/>
+              </a:ext>
+              <a:ext uri="{C183D7F6-B498-43B3-948B-1728B52AA6E4}">
+                <adec:decorative xmlns:adec="http://schemas.microsoft.com/office/drawing/2017/decorative" val="1"/>
+              </a:ext>
+            </a:extLst>
+          </p:cNvPr>
+          <p:cNvSpPr>
+            <a:spLocks noGrp="1" noRot="1" noChangeAspect="1" noMove="1" noResize="1" noEditPoints="1" noAdjustHandles="1" noChangeArrowheads="1" noChangeShapeType="1" noTextEdit="1"/>
+          </p:cNvSpPr>
+          <p:nvPr>
+            <p:extLst>
+              <p:ext uri="{386F3935-93C4-4BCD-93E2-E3B085C9AB24}">
+                <p16:designElem xmlns:p16="http://schemas.microsoft.com/office/powerpoint/2015/main" val="1"/>
+              </p:ext>
+            </p:extLst>
+          </p:nvPr>
+        </p:nvSpPr>
+        <p:spPr>
+          <a:xfrm>
+            <a:off x="0" y="0"/>
+            <a:ext cx="12192000" cy="6858000"/>
+          </a:xfrm>
+          <a:prstGeom prst="rect">
+            <a:avLst/>
+          </a:prstGeom>
+          <a:solidFill>
+            <a:schemeClr val="bg1"/>
+          </a:solidFill>
+          <a:ln>
+            <a:noFill/>
+          </a:ln>
+        </p:spPr>
+        <p:style>
+          <a:lnRef idx="2">
+            <a:schemeClr val="accent1">
+              <a:shade val="50000"/>
+            </a:schemeClr>
+          </a:lnRef>
+          <a:fillRef idx="1">
+            <a:schemeClr val="accent1"/>
+          </a:fillRef>
+          <a:effectRef idx="0">
+            <a:schemeClr val="accent1"/>
+          </a:effectRef>
+          <a:fontRef idx="minor">
+            <a:schemeClr val="lt1"/>
+          </a:fontRef>
+        </p:style>
+        <p:txBody>
+          <a:bodyPr rtlCol="0" anchor="ctr"/>
+          <a:lstStyle/>
+          <a:p>
+            <a:pPr algn="ctr"/>
+            <a:endParaRPr lang="en-US" dirty="0"/>
+          </a:p>
+        </p:txBody>
+      </p:sp>
+      <p:sp>
+        <p:nvSpPr>
           <p:cNvPr id="2" name="Título 1">
             <a:extLst>
               <a:ext uri="{FF2B5EF4-FFF2-40B4-BE49-F238E27FC236}">
@@ -5896,14 +11750,21 @@
             <p:ph type="title"/>
           </p:nvPr>
         </p:nvSpPr>
-        <p:spPr/>
-        <p:txBody>
-          <a:bodyPr/>
+        <p:spPr>
+          <a:xfrm>
+            <a:off x="643467" y="321734"/>
+            <a:ext cx="10905066" cy="1135737"/>
+          </a:xfrm>
+        </p:spPr>
+        <p:txBody>
+          <a:bodyPr>
+            <a:normAutofit/>
+          </a:bodyPr>
           <a:lstStyle/>
           <a:p>
             <a:r>
-              <a:rPr lang="es-MX" dirty="0"/>
-              <a:t>¿Por qué se usa la tarifa GDMTH?</a:t>
+              <a:rPr lang="es-MX" sz="3600"/>
+              <a:t>¿Cómo se cobra la energía?</a:t>
             </a:r>
           </a:p>
         </p:txBody>
@@ -5926,27 +11787,793 @@
         </p:nvSpPr>
         <p:spPr>
           <a:xfrm>
-            <a:off x="838200" y="1825625"/>
-            <a:ext cx="10515600" cy="881480"/>
+            <a:off x="643467" y="1782981"/>
+            <a:ext cx="10905066" cy="4393982"/>
           </a:xfrm>
         </p:spPr>
         <p:txBody>
-          <a:bodyPr/>
+          <a:bodyPr>
+            <a:normAutofit/>
+          </a:bodyPr>
           <a:lstStyle/>
           <a:p>
-            <a:r>
-              <a:rPr lang="es-MX" dirty="0"/>
+            <a:pPr marL="0" indent="0">
+              <a:buNone/>
+            </a:pPr>
+            <a:r>
+              <a:rPr lang="es-MX" sz="2000"/>
+              <a:t>La CFE ha establecido 7 conceptos de cobro:</a:t>
+            </a:r>
+          </a:p>
+          <a:p>
+            <a:r>
+              <a:rPr lang="es-MX" sz="2000"/>
+              <a:t>Suministro: cargo fijo</a:t>
+            </a:r>
+          </a:p>
+          <a:p>
+            <a:r>
+              <a:rPr lang="es-MX" sz="2000"/>
+              <a:t>Distribución</a:t>
+            </a:r>
+          </a:p>
+          <a:p>
+            <a:r>
+              <a:rPr lang="es-MX" sz="2000"/>
+              <a:t>Transmisión: translado de la energía</a:t>
+            </a:r>
+          </a:p>
+          <a:p>
+            <a:r>
+              <a:rPr lang="es-MX" sz="2000"/>
+              <a:t>CENACE: pago al operador del sistema</a:t>
+            </a:r>
+          </a:p>
+          <a:p>
+            <a:r>
+              <a:rPr lang="es-MX" sz="2000"/>
+              <a:t>Energía: costo de la energía según los tres horarios anteriores</a:t>
+            </a:r>
+          </a:p>
+          <a:p>
+            <a:r>
+              <a:rPr lang="es-MX" sz="2000"/>
+              <a:t>Capacidad: demanda máxima en el horario punta</a:t>
+            </a:r>
+          </a:p>
+          <a:p>
+            <a:r>
+              <a:rPr lang="es-MX" sz="2000"/>
+              <a:t>SCnMEM: reservas de energía balance de frecuencia etc.</a:t>
+            </a:r>
+          </a:p>
+          <a:p>
+            <a:endParaRPr lang="es-MX" sz="2000"/>
+          </a:p>
+        </p:txBody>
+      </p:sp>
+      <p:sp>
+        <p:nvSpPr>
+          <p:cNvPr id="10" name="Rectangle 9">
+            <a:extLst>
+              <a:ext uri="{FF2B5EF4-FFF2-40B4-BE49-F238E27FC236}">
+                <a16:creationId xmlns:a16="http://schemas.microsoft.com/office/drawing/2014/main" id="{2E80C965-DB6D-4F81-9E9E-B027384D0BD6}"/>
+              </a:ext>
+              <a:ext uri="{C183D7F6-B498-43B3-948B-1728B52AA6E4}">
+                <adec:decorative xmlns:adec="http://schemas.microsoft.com/office/drawing/2017/decorative" val="1"/>
+              </a:ext>
+            </a:extLst>
+          </p:cNvPr>
+          <p:cNvSpPr>
+            <a:spLocks noGrp="1" noRot="1" noChangeAspect="1" noMove="1" noResize="1" noEditPoints="1" noAdjustHandles="1" noChangeArrowheads="1" noChangeShapeType="1" noTextEdit="1"/>
+          </p:cNvSpPr>
+          <p:nvPr>
+            <p:extLst>
+              <p:ext uri="{386F3935-93C4-4BCD-93E2-E3B085C9AB24}">
+                <p16:designElem xmlns:p16="http://schemas.microsoft.com/office/powerpoint/2015/main" val="1"/>
+              </p:ext>
+            </p:extLst>
+          </p:nvPr>
+        </p:nvSpPr>
+        <p:spPr>
+          <a:xfrm rot="2700000">
+            <a:off x="11052629" y="2120024"/>
+            <a:ext cx="645368" cy="645368"/>
+          </a:xfrm>
+          <a:prstGeom prst="rect">
+            <a:avLst/>
+          </a:prstGeom>
+          <a:solidFill>
+            <a:schemeClr val="accent4">
+              <a:alpha val="30000"/>
+            </a:schemeClr>
+          </a:solidFill>
+          <a:ln>
+            <a:noFill/>
+          </a:ln>
+        </p:spPr>
+        <p:style>
+          <a:lnRef idx="2">
+            <a:schemeClr val="accent1">
+              <a:shade val="50000"/>
+            </a:schemeClr>
+          </a:lnRef>
+          <a:fillRef idx="1">
+            <a:schemeClr val="accent1"/>
+          </a:fillRef>
+          <a:effectRef idx="0">
+            <a:schemeClr val="accent1"/>
+          </a:effectRef>
+          <a:fontRef idx="minor">
+            <a:schemeClr val="lt1"/>
+          </a:fontRef>
+        </p:style>
+        <p:txBody>
+          <a:bodyPr rtlCol="0" anchor="ctr"/>
+          <a:lstStyle/>
+          <a:p>
+            <a:pPr algn="ctr"/>
+            <a:endParaRPr lang="en-US"/>
+          </a:p>
+        </p:txBody>
+      </p:sp>
+      <p:sp>
+        <p:nvSpPr>
+          <p:cNvPr id="12" name="Isosceles Triangle 11">
+            <a:extLst>
+              <a:ext uri="{FF2B5EF4-FFF2-40B4-BE49-F238E27FC236}">
+                <a16:creationId xmlns:a16="http://schemas.microsoft.com/office/drawing/2014/main" id="{A580F890-B085-4E95-96AA-55AEBEC5CE6E}"/>
+              </a:ext>
+              <a:ext uri="{C183D7F6-B498-43B3-948B-1728B52AA6E4}">
+                <adec:decorative xmlns:adec="http://schemas.microsoft.com/office/drawing/2017/decorative" val="1"/>
+              </a:ext>
+            </a:extLst>
+          </p:cNvPr>
+          <p:cNvSpPr>
+            <a:spLocks noGrp="1" noRot="1" noChangeAspect="1" noMove="1" noResize="1" noEditPoints="1" noAdjustHandles="1" noChangeArrowheads="1" noChangeShapeType="1" noTextEdit="1"/>
+          </p:cNvSpPr>
+          <p:nvPr>
+            <p:extLst>
+              <p:ext uri="{386F3935-93C4-4BCD-93E2-E3B085C9AB24}">
+                <p16:designElem xmlns:p16="http://schemas.microsoft.com/office/powerpoint/2015/main" val="1"/>
+              </p:ext>
+            </p:extLst>
+          </p:nvPr>
+        </p:nvSpPr>
+        <p:spPr>
+          <a:xfrm rot="16200000">
+            <a:off x="10289068" y="1343027"/>
+            <a:ext cx="2532832" cy="1273032"/>
+          </a:xfrm>
+          <a:prstGeom prst="triangle">
+            <a:avLst>
+              <a:gd name="adj" fmla="val 50000"/>
+            </a:avLst>
+          </a:prstGeom>
+          <a:solidFill>
+            <a:schemeClr val="accent4">
+              <a:alpha val="30000"/>
+            </a:schemeClr>
+          </a:solidFill>
+          <a:ln>
+            <a:noFill/>
+          </a:ln>
+        </p:spPr>
+        <p:style>
+          <a:lnRef idx="2">
+            <a:schemeClr val="accent1">
+              <a:shade val="50000"/>
+            </a:schemeClr>
+          </a:lnRef>
+          <a:fillRef idx="1">
+            <a:schemeClr val="accent1"/>
+          </a:fillRef>
+          <a:effectRef idx="0">
+            <a:schemeClr val="accent1"/>
+          </a:effectRef>
+          <a:fontRef idx="minor">
+            <a:schemeClr val="lt1"/>
+          </a:fontRef>
+        </p:style>
+        <p:txBody>
+          <a:bodyPr rtlCol="0" anchor="ctr"/>
+          <a:lstStyle/>
+          <a:p>
+            <a:pPr algn="ctr"/>
+            <a:endParaRPr lang="en-US"/>
+          </a:p>
+        </p:txBody>
+      </p:sp>
+      <p:sp>
+        <p:nvSpPr>
+          <p:cNvPr id="14" name="Isosceles Triangle 13">
+            <a:extLst>
+              <a:ext uri="{FF2B5EF4-FFF2-40B4-BE49-F238E27FC236}">
+                <a16:creationId xmlns:a16="http://schemas.microsoft.com/office/drawing/2014/main" id="{D3F51FEB-38FB-4F6C-9F7B-2F2AFAB65463}"/>
+              </a:ext>
+              <a:ext uri="{C183D7F6-B498-43B3-948B-1728B52AA6E4}">
+                <adec:decorative xmlns:adec="http://schemas.microsoft.com/office/drawing/2017/decorative" val="1"/>
+              </a:ext>
+            </a:extLst>
+          </p:cNvPr>
+          <p:cNvSpPr>
+            <a:spLocks noGrp="1" noRot="1" noChangeAspect="1" noMove="1" noResize="1" noEditPoints="1" noAdjustHandles="1" noChangeArrowheads="1" noChangeShapeType="1" noTextEdit="1"/>
+          </p:cNvSpPr>
+          <p:nvPr>
+            <p:extLst>
+              <p:ext uri="{386F3935-93C4-4BCD-93E2-E3B085C9AB24}">
+                <p16:designElem xmlns:p16="http://schemas.microsoft.com/office/powerpoint/2015/main" val="1"/>
+              </p:ext>
+            </p:extLst>
+          </p:nvPr>
+        </p:nvSpPr>
+        <p:spPr>
+          <a:xfrm rot="5400000">
+            <a:off x="-501760" y="5103257"/>
+            <a:ext cx="2017580" cy="1014060"/>
+          </a:xfrm>
+          <a:prstGeom prst="triangle">
+            <a:avLst>
+              <a:gd name="adj" fmla="val 50000"/>
+            </a:avLst>
+          </a:prstGeom>
+          <a:solidFill>
+            <a:schemeClr val="accent1">
+              <a:alpha val="30000"/>
+            </a:schemeClr>
+          </a:solidFill>
+          <a:ln>
+            <a:noFill/>
+          </a:ln>
+        </p:spPr>
+        <p:style>
+          <a:lnRef idx="2">
+            <a:schemeClr val="accent1">
+              <a:shade val="50000"/>
+            </a:schemeClr>
+          </a:lnRef>
+          <a:fillRef idx="1">
+            <a:schemeClr val="accent1"/>
+          </a:fillRef>
+          <a:effectRef idx="0">
+            <a:schemeClr val="accent1"/>
+          </a:effectRef>
+          <a:fontRef idx="minor">
+            <a:schemeClr val="lt1"/>
+          </a:fontRef>
+        </p:style>
+        <p:txBody>
+          <a:bodyPr wrap="square" rtlCol="0" anchor="ctr">
+            <a:noAutofit/>
+          </a:bodyPr>
+          <a:lstStyle/>
+          <a:p>
+            <a:pPr algn="ctr"/>
+            <a:endParaRPr lang="en-US"/>
+          </a:p>
+        </p:txBody>
+      </p:sp>
+      <p:sp>
+        <p:nvSpPr>
+          <p:cNvPr id="16" name="Rectangle 15">
+            <a:extLst>
+              <a:ext uri="{FF2B5EF4-FFF2-40B4-BE49-F238E27FC236}">
+                <a16:creationId xmlns:a16="http://schemas.microsoft.com/office/drawing/2014/main" id="{1E547BA6-BAE0-43BB-A7CA-60F69CE252F0}"/>
+              </a:ext>
+              <a:ext uri="{C183D7F6-B498-43B3-948B-1728B52AA6E4}">
+                <adec:decorative xmlns:adec="http://schemas.microsoft.com/office/drawing/2017/decorative" val="1"/>
+              </a:ext>
+            </a:extLst>
+          </p:cNvPr>
+          <p:cNvSpPr>
+            <a:spLocks noGrp="1" noRot="1" noChangeAspect="1" noMove="1" noResize="1" noEditPoints="1" noAdjustHandles="1" noChangeArrowheads="1" noChangeShapeType="1" noTextEdit="1"/>
+          </p:cNvSpPr>
+          <p:nvPr>
+            <p:extLst>
+              <p:ext uri="{386F3935-93C4-4BCD-93E2-E3B085C9AB24}">
+                <p16:designElem xmlns:p16="http://schemas.microsoft.com/office/powerpoint/2015/main" val="1"/>
+              </p:ext>
+            </p:extLst>
+          </p:nvPr>
+        </p:nvSpPr>
+        <p:spPr>
+          <a:xfrm rot="2700000">
+            <a:off x="427916" y="5728708"/>
+            <a:ext cx="485578" cy="485578"/>
+          </a:xfrm>
+          <a:prstGeom prst="rect">
+            <a:avLst/>
+          </a:prstGeom>
+          <a:solidFill>
+            <a:schemeClr val="accent1">
+              <a:alpha val="30000"/>
+            </a:schemeClr>
+          </a:solidFill>
+          <a:ln>
+            <a:noFill/>
+          </a:ln>
+        </p:spPr>
+        <p:style>
+          <a:lnRef idx="2">
+            <a:schemeClr val="accent1">
+              <a:shade val="50000"/>
+            </a:schemeClr>
+          </a:lnRef>
+          <a:fillRef idx="1">
+            <a:schemeClr val="accent1"/>
+          </a:fillRef>
+          <a:effectRef idx="0">
+            <a:schemeClr val="accent1"/>
+          </a:effectRef>
+          <a:fontRef idx="minor">
+            <a:schemeClr val="lt1"/>
+          </a:fontRef>
+        </p:style>
+        <p:txBody>
+          <a:bodyPr wrap="square" rtlCol="0" anchor="ctr">
+            <a:noAutofit/>
+          </a:bodyPr>
+          <a:lstStyle/>
+          <a:p>
+            <a:pPr algn="ctr"/>
+            <a:endParaRPr lang="en-US"/>
+          </a:p>
+        </p:txBody>
+      </p:sp>
+    </p:spTree>
+    <p:extLst>
+      <p:ext uri="{BB962C8B-B14F-4D97-AF65-F5344CB8AC3E}">
+        <p14:creationId xmlns:p14="http://schemas.microsoft.com/office/powerpoint/2010/main" val="3324417707"/>
+      </p:ext>
+    </p:extLst>
+  </p:cSld>
+  <p:clrMapOvr>
+    <a:masterClrMapping/>
+  </p:clrMapOvr>
+</p:sld>
+</file>
+
+<file path=ppt/slides/slide7.xml><?xml version="1.0" encoding="utf-8"?>
+<p:sld xmlns:a="http://schemas.openxmlformats.org/drawingml/2006/main" xmlns:r="http://schemas.openxmlformats.org/officeDocument/2006/relationships" xmlns:p="http://schemas.openxmlformats.org/presentationml/2006/main">
+  <p:cSld>
+    <p:bg>
+      <p:bgPr>
+        <a:solidFill>
+          <a:schemeClr val="bg1"/>
+        </a:solidFill>
+        <a:effectLst/>
+      </p:bgPr>
+    </p:bg>
+    <p:spTree>
+      <p:nvGrpSpPr>
+        <p:cNvPr id="1" name=""/>
+        <p:cNvGrpSpPr/>
+        <p:nvPr/>
+      </p:nvGrpSpPr>
+      <p:grpSpPr>
+        <a:xfrm>
+          <a:off x="0" y="0"/>
+          <a:ext cx="0" cy="0"/>
+          <a:chOff x="0" y="0"/>
+          <a:chExt cx="0" cy="0"/>
+        </a:xfrm>
+      </p:grpSpPr>
+      <p:sp>
+        <p:nvSpPr>
+          <p:cNvPr id="8" name="Rectangle 7">
+            <a:extLst>
+              <a:ext uri="{FF2B5EF4-FFF2-40B4-BE49-F238E27FC236}">
+                <a16:creationId xmlns:a16="http://schemas.microsoft.com/office/drawing/2014/main" id="{2B566528-1B12-4246-9431-5C2D7D081168}"/>
+              </a:ext>
+              <a:ext uri="{C183D7F6-B498-43B3-948B-1728B52AA6E4}">
+                <adec:decorative xmlns:adec="http://schemas.microsoft.com/office/drawing/2017/decorative" val="1"/>
+              </a:ext>
+            </a:extLst>
+          </p:cNvPr>
+          <p:cNvSpPr>
+            <a:spLocks noGrp="1" noRot="1" noChangeAspect="1" noMove="1" noResize="1" noEditPoints="1" noAdjustHandles="1" noChangeArrowheads="1" noChangeShapeType="1" noTextEdit="1"/>
+          </p:cNvSpPr>
+          <p:nvPr>
+            <p:extLst>
+              <p:ext uri="{386F3935-93C4-4BCD-93E2-E3B085C9AB24}">
+                <p16:designElem xmlns:p16="http://schemas.microsoft.com/office/powerpoint/2015/main" val="1"/>
+              </p:ext>
+            </p:extLst>
+          </p:nvPr>
+        </p:nvSpPr>
+        <p:spPr>
+          <a:xfrm>
+            <a:off x="0" y="0"/>
+            <a:ext cx="12192000" cy="6858000"/>
+          </a:xfrm>
+          <a:prstGeom prst="rect">
+            <a:avLst/>
+          </a:prstGeom>
+          <a:solidFill>
+            <a:schemeClr val="bg1"/>
+          </a:solidFill>
+          <a:ln>
+            <a:noFill/>
+          </a:ln>
+        </p:spPr>
+        <p:style>
+          <a:lnRef idx="2">
+            <a:schemeClr val="accent1">
+              <a:shade val="50000"/>
+            </a:schemeClr>
+          </a:lnRef>
+          <a:fillRef idx="1">
+            <a:schemeClr val="accent1"/>
+          </a:fillRef>
+          <a:effectRef idx="0">
+            <a:schemeClr val="accent1"/>
+          </a:effectRef>
+          <a:fontRef idx="minor">
+            <a:schemeClr val="lt1"/>
+          </a:fontRef>
+        </p:style>
+        <p:txBody>
+          <a:bodyPr rtlCol="0" anchor="ctr"/>
+          <a:lstStyle/>
+          <a:p>
+            <a:pPr algn="ctr"/>
+            <a:endParaRPr lang="en-US" dirty="0"/>
+          </a:p>
+        </p:txBody>
+      </p:sp>
+      <p:sp>
+        <p:nvSpPr>
+          <p:cNvPr id="2" name="Título 1">
+            <a:extLst>
+              <a:ext uri="{FF2B5EF4-FFF2-40B4-BE49-F238E27FC236}">
+                <a16:creationId xmlns:a16="http://schemas.microsoft.com/office/drawing/2014/main" id="{019B1078-E133-C41E-C4D9-445573074A14}"/>
+              </a:ext>
+            </a:extLst>
+          </p:cNvPr>
+          <p:cNvSpPr>
+            <a:spLocks noGrp="1"/>
+          </p:cNvSpPr>
+          <p:nvPr>
+            <p:ph type="title"/>
+          </p:nvPr>
+        </p:nvSpPr>
+        <p:spPr>
+          <a:xfrm>
+            <a:off x="643467" y="321734"/>
+            <a:ext cx="10905066" cy="1135737"/>
+          </a:xfrm>
+        </p:spPr>
+        <p:txBody>
+          <a:bodyPr>
+            <a:normAutofit/>
+          </a:bodyPr>
+          <a:lstStyle/>
+          <a:p>
+            <a:r>
+              <a:rPr lang="es-MX" sz="3600" dirty="0"/>
+              <a:t>¿Por qué se usa la tarifa GDMTH?</a:t>
+            </a:r>
+          </a:p>
+        </p:txBody>
+      </p:sp>
+      <p:sp>
+        <p:nvSpPr>
+          <p:cNvPr id="3" name="Marcador de contenido 2">
+            <a:extLst>
+              <a:ext uri="{FF2B5EF4-FFF2-40B4-BE49-F238E27FC236}">
+                <a16:creationId xmlns:a16="http://schemas.microsoft.com/office/drawing/2014/main" id="{80D6E1F1-C8D9-AA88-25F1-220057C65CFA}"/>
+              </a:ext>
+            </a:extLst>
+          </p:cNvPr>
+          <p:cNvSpPr>
+            <a:spLocks noGrp="1"/>
+          </p:cNvSpPr>
+          <p:nvPr>
+            <p:ph idx="1"/>
+          </p:nvPr>
+        </p:nvSpPr>
+        <p:spPr>
+          <a:xfrm>
+            <a:off x="643467" y="1782981"/>
+            <a:ext cx="10905066" cy="4393982"/>
+          </a:xfrm>
+        </p:spPr>
+        <p:txBody>
+          <a:bodyPr>
+            <a:normAutofit/>
+          </a:bodyPr>
+          <a:lstStyle/>
+          <a:p>
+            <a:pPr marL="0" indent="0">
+              <a:buNone/>
+            </a:pPr>
+            <a:r>
+              <a:rPr lang="es-MX" sz="2000" dirty="0"/>
               <a:t>De acuerdo con los análisis históricos de consumo en México, existe un mayor consumo de energía en ciertas horas del día.</a:t>
             </a:r>
           </a:p>
-        </p:txBody>
-      </p:sp>
-      <p:sp>
-        <p:nvSpPr>
-          <p:cNvPr id="7" name="CuadroTexto 6">
-            <a:extLst>
-              <a:ext uri="{FF2B5EF4-FFF2-40B4-BE49-F238E27FC236}">
-                <a16:creationId xmlns:a16="http://schemas.microsoft.com/office/drawing/2014/main" id="{D4FF21B4-D212-0C75-64C7-8FDF9D9B5670}"/>
+          <a:p>
+            <a:pPr marL="0" indent="0">
+              <a:buNone/>
+            </a:pPr>
+            <a:endParaRPr lang="es-MX" sz="2000" dirty="0"/>
+          </a:p>
+        </p:txBody>
+      </p:sp>
+      <p:sp>
+        <p:nvSpPr>
+          <p:cNvPr id="10" name="Rectangle 9">
+            <a:extLst>
+              <a:ext uri="{FF2B5EF4-FFF2-40B4-BE49-F238E27FC236}">
+                <a16:creationId xmlns:a16="http://schemas.microsoft.com/office/drawing/2014/main" id="{2E80C965-DB6D-4F81-9E9E-B027384D0BD6}"/>
+              </a:ext>
+              <a:ext uri="{C183D7F6-B498-43B3-948B-1728B52AA6E4}">
+                <adec:decorative xmlns:adec="http://schemas.microsoft.com/office/drawing/2017/decorative" val="1"/>
+              </a:ext>
+            </a:extLst>
+          </p:cNvPr>
+          <p:cNvSpPr>
+            <a:spLocks noGrp="1" noRot="1" noChangeAspect="1" noMove="1" noResize="1" noEditPoints="1" noAdjustHandles="1" noChangeArrowheads="1" noChangeShapeType="1" noTextEdit="1"/>
+          </p:cNvSpPr>
+          <p:nvPr>
+            <p:extLst>
+              <p:ext uri="{386F3935-93C4-4BCD-93E2-E3B085C9AB24}">
+                <p16:designElem xmlns:p16="http://schemas.microsoft.com/office/powerpoint/2015/main" val="1"/>
+              </p:ext>
+            </p:extLst>
+          </p:nvPr>
+        </p:nvSpPr>
+        <p:spPr>
+          <a:xfrm rot="2700000">
+            <a:off x="11052629" y="2120024"/>
+            <a:ext cx="645368" cy="645368"/>
+          </a:xfrm>
+          <a:prstGeom prst="rect">
+            <a:avLst/>
+          </a:prstGeom>
+          <a:solidFill>
+            <a:schemeClr val="accent4">
+              <a:alpha val="30000"/>
+            </a:schemeClr>
+          </a:solidFill>
+          <a:ln>
+            <a:noFill/>
+          </a:ln>
+        </p:spPr>
+        <p:style>
+          <a:lnRef idx="2">
+            <a:schemeClr val="accent1">
+              <a:shade val="50000"/>
+            </a:schemeClr>
+          </a:lnRef>
+          <a:fillRef idx="1">
+            <a:schemeClr val="accent1"/>
+          </a:fillRef>
+          <a:effectRef idx="0">
+            <a:schemeClr val="accent1"/>
+          </a:effectRef>
+          <a:fontRef idx="minor">
+            <a:schemeClr val="lt1"/>
+          </a:fontRef>
+        </p:style>
+        <p:txBody>
+          <a:bodyPr rtlCol="0" anchor="ctr"/>
+          <a:lstStyle/>
+          <a:p>
+            <a:pPr algn="ctr"/>
+            <a:endParaRPr lang="en-US"/>
+          </a:p>
+        </p:txBody>
+      </p:sp>
+      <p:sp>
+        <p:nvSpPr>
+          <p:cNvPr id="12" name="Isosceles Triangle 11">
+            <a:extLst>
+              <a:ext uri="{FF2B5EF4-FFF2-40B4-BE49-F238E27FC236}">
+                <a16:creationId xmlns:a16="http://schemas.microsoft.com/office/drawing/2014/main" id="{A580F890-B085-4E95-96AA-55AEBEC5CE6E}"/>
+              </a:ext>
+              <a:ext uri="{C183D7F6-B498-43B3-948B-1728B52AA6E4}">
+                <adec:decorative xmlns:adec="http://schemas.microsoft.com/office/drawing/2017/decorative" val="1"/>
+              </a:ext>
+            </a:extLst>
+          </p:cNvPr>
+          <p:cNvSpPr>
+            <a:spLocks noGrp="1" noRot="1" noChangeAspect="1" noMove="1" noResize="1" noEditPoints="1" noAdjustHandles="1" noChangeArrowheads="1" noChangeShapeType="1" noTextEdit="1"/>
+          </p:cNvSpPr>
+          <p:nvPr>
+            <p:extLst>
+              <p:ext uri="{386F3935-93C4-4BCD-93E2-E3B085C9AB24}">
+                <p16:designElem xmlns:p16="http://schemas.microsoft.com/office/powerpoint/2015/main" val="1"/>
+              </p:ext>
+            </p:extLst>
+          </p:nvPr>
+        </p:nvSpPr>
+        <p:spPr>
+          <a:xfrm rot="16200000">
+            <a:off x="10289068" y="1343027"/>
+            <a:ext cx="2532832" cy="1273032"/>
+          </a:xfrm>
+          <a:prstGeom prst="triangle">
+            <a:avLst>
+              <a:gd name="adj" fmla="val 50000"/>
+            </a:avLst>
+          </a:prstGeom>
+          <a:solidFill>
+            <a:schemeClr val="accent4">
+              <a:alpha val="30000"/>
+            </a:schemeClr>
+          </a:solidFill>
+          <a:ln>
+            <a:noFill/>
+          </a:ln>
+        </p:spPr>
+        <p:style>
+          <a:lnRef idx="2">
+            <a:schemeClr val="accent1">
+              <a:shade val="50000"/>
+            </a:schemeClr>
+          </a:lnRef>
+          <a:fillRef idx="1">
+            <a:schemeClr val="accent1"/>
+          </a:fillRef>
+          <a:effectRef idx="0">
+            <a:schemeClr val="accent1"/>
+          </a:effectRef>
+          <a:fontRef idx="minor">
+            <a:schemeClr val="lt1"/>
+          </a:fontRef>
+        </p:style>
+        <p:txBody>
+          <a:bodyPr rtlCol="0" anchor="ctr"/>
+          <a:lstStyle/>
+          <a:p>
+            <a:pPr algn="ctr"/>
+            <a:endParaRPr lang="en-US"/>
+          </a:p>
+        </p:txBody>
+      </p:sp>
+      <p:sp>
+        <p:nvSpPr>
+          <p:cNvPr id="14" name="Isosceles Triangle 13">
+            <a:extLst>
+              <a:ext uri="{FF2B5EF4-FFF2-40B4-BE49-F238E27FC236}">
+                <a16:creationId xmlns:a16="http://schemas.microsoft.com/office/drawing/2014/main" id="{D3F51FEB-38FB-4F6C-9F7B-2F2AFAB65463}"/>
+              </a:ext>
+              <a:ext uri="{C183D7F6-B498-43B3-948B-1728B52AA6E4}">
+                <adec:decorative xmlns:adec="http://schemas.microsoft.com/office/drawing/2017/decorative" val="1"/>
+              </a:ext>
+            </a:extLst>
+          </p:cNvPr>
+          <p:cNvSpPr>
+            <a:spLocks noGrp="1" noRot="1" noChangeAspect="1" noMove="1" noResize="1" noEditPoints="1" noAdjustHandles="1" noChangeArrowheads="1" noChangeShapeType="1" noTextEdit="1"/>
+          </p:cNvSpPr>
+          <p:nvPr>
+            <p:extLst>
+              <p:ext uri="{386F3935-93C4-4BCD-93E2-E3B085C9AB24}">
+                <p16:designElem xmlns:p16="http://schemas.microsoft.com/office/powerpoint/2015/main" val="1"/>
+              </p:ext>
+            </p:extLst>
+          </p:nvPr>
+        </p:nvSpPr>
+        <p:spPr>
+          <a:xfrm rot="5400000">
+            <a:off x="-501760" y="5103257"/>
+            <a:ext cx="2017580" cy="1014060"/>
+          </a:xfrm>
+          <a:prstGeom prst="triangle">
+            <a:avLst>
+              <a:gd name="adj" fmla="val 50000"/>
+            </a:avLst>
+          </a:prstGeom>
+          <a:solidFill>
+            <a:schemeClr val="accent1">
+              <a:alpha val="30000"/>
+            </a:schemeClr>
+          </a:solidFill>
+          <a:ln>
+            <a:noFill/>
+          </a:ln>
+        </p:spPr>
+        <p:style>
+          <a:lnRef idx="2">
+            <a:schemeClr val="accent1">
+              <a:shade val="50000"/>
+            </a:schemeClr>
+          </a:lnRef>
+          <a:fillRef idx="1">
+            <a:schemeClr val="accent1"/>
+          </a:fillRef>
+          <a:effectRef idx="0">
+            <a:schemeClr val="accent1"/>
+          </a:effectRef>
+          <a:fontRef idx="minor">
+            <a:schemeClr val="lt1"/>
+          </a:fontRef>
+        </p:style>
+        <p:txBody>
+          <a:bodyPr wrap="square" rtlCol="0" anchor="ctr">
+            <a:noAutofit/>
+          </a:bodyPr>
+          <a:lstStyle/>
+          <a:p>
+            <a:pPr algn="ctr"/>
+            <a:endParaRPr lang="en-US"/>
+          </a:p>
+        </p:txBody>
+      </p:sp>
+      <p:sp>
+        <p:nvSpPr>
+          <p:cNvPr id="16" name="Rectangle 15">
+            <a:extLst>
+              <a:ext uri="{FF2B5EF4-FFF2-40B4-BE49-F238E27FC236}">
+                <a16:creationId xmlns:a16="http://schemas.microsoft.com/office/drawing/2014/main" id="{1E547BA6-BAE0-43BB-A7CA-60F69CE252F0}"/>
+              </a:ext>
+              <a:ext uri="{C183D7F6-B498-43B3-948B-1728B52AA6E4}">
+                <adec:decorative xmlns:adec="http://schemas.microsoft.com/office/drawing/2017/decorative" val="1"/>
+              </a:ext>
+            </a:extLst>
+          </p:cNvPr>
+          <p:cNvSpPr>
+            <a:spLocks noGrp="1" noRot="1" noChangeAspect="1" noMove="1" noResize="1" noEditPoints="1" noAdjustHandles="1" noChangeArrowheads="1" noChangeShapeType="1" noTextEdit="1"/>
+          </p:cNvSpPr>
+          <p:nvPr>
+            <p:extLst>
+              <p:ext uri="{386F3935-93C4-4BCD-93E2-E3B085C9AB24}">
+                <p16:designElem xmlns:p16="http://schemas.microsoft.com/office/powerpoint/2015/main" val="1"/>
+              </p:ext>
+            </p:extLst>
+          </p:nvPr>
+        </p:nvSpPr>
+        <p:spPr>
+          <a:xfrm rot="2700000">
+            <a:off x="427916" y="5728708"/>
+            <a:ext cx="485578" cy="485578"/>
+          </a:xfrm>
+          <a:prstGeom prst="rect">
+            <a:avLst/>
+          </a:prstGeom>
+          <a:solidFill>
+            <a:schemeClr val="accent1">
+              <a:alpha val="30000"/>
+            </a:schemeClr>
+          </a:solidFill>
+          <a:ln>
+            <a:noFill/>
+          </a:ln>
+        </p:spPr>
+        <p:style>
+          <a:lnRef idx="2">
+            <a:schemeClr val="accent1">
+              <a:shade val="50000"/>
+            </a:schemeClr>
+          </a:lnRef>
+          <a:fillRef idx="1">
+            <a:schemeClr val="accent1"/>
+          </a:fillRef>
+          <a:effectRef idx="0">
+            <a:schemeClr val="accent1"/>
+          </a:effectRef>
+          <a:fontRef idx="minor">
+            <a:schemeClr val="lt1"/>
+          </a:fontRef>
+        </p:style>
+        <p:txBody>
+          <a:bodyPr wrap="square" rtlCol="0" anchor="ctr">
+            <a:noAutofit/>
+          </a:bodyPr>
+          <a:lstStyle/>
+          <a:p>
+            <a:pPr algn="ctr"/>
+            <a:endParaRPr lang="en-US"/>
+          </a:p>
+        </p:txBody>
+      </p:sp>
+      <p:sp>
+        <p:nvSpPr>
+          <p:cNvPr id="4" name="CuadroTexto 3">
+            <a:extLst>
+              <a:ext uri="{FF2B5EF4-FFF2-40B4-BE49-F238E27FC236}">
+                <a16:creationId xmlns:a16="http://schemas.microsoft.com/office/drawing/2014/main" id="{D8874E81-2C87-9C15-E3DD-8D93A3F21B05}"/>
               </a:ext>
             </a:extLst>
           </p:cNvPr>
@@ -5992,7 +12619,7 @@
     </p:spTree>
     <p:extLst>
       <p:ext uri="{BB962C8B-B14F-4D97-AF65-F5344CB8AC3E}">
-        <p14:creationId xmlns:p14="http://schemas.microsoft.com/office/powerpoint/2010/main" val="2001535653"/>
+        <p14:creationId xmlns:p14="http://schemas.microsoft.com/office/powerpoint/2010/main" val="2316183938"/>
       </p:ext>
     </p:extLst>
   </p:cSld>
@@ -6002,7 +12629,538 @@
 </p:sld>
 </file>
 
-<file path=ppt/slides/slide7.xml><?xml version="1.0" encoding="utf-8"?>
+<file path=ppt/slides/slide8.xml><?xml version="1.0" encoding="utf-8"?>
+<p:sld xmlns:a="http://schemas.openxmlformats.org/drawingml/2006/main" xmlns:r="http://schemas.openxmlformats.org/officeDocument/2006/relationships" xmlns:p="http://schemas.openxmlformats.org/presentationml/2006/main">
+  <p:cSld>
+    <p:bg>
+      <p:bgPr>
+        <a:solidFill>
+          <a:schemeClr val="bg1"/>
+        </a:solidFill>
+        <a:effectLst/>
+      </p:bgPr>
+    </p:bg>
+    <p:spTree>
+      <p:nvGrpSpPr>
+        <p:cNvPr id="1" name=""/>
+        <p:cNvGrpSpPr/>
+        <p:nvPr/>
+      </p:nvGrpSpPr>
+      <p:grpSpPr>
+        <a:xfrm>
+          <a:off x="0" y="0"/>
+          <a:ext cx="0" cy="0"/>
+          <a:chOff x="0" y="0"/>
+          <a:chExt cx="0" cy="0"/>
+        </a:xfrm>
+      </p:grpSpPr>
+      <p:sp>
+        <p:nvSpPr>
+          <p:cNvPr id="13" name="Rectangle 12">
+            <a:extLst>
+              <a:ext uri="{FF2B5EF4-FFF2-40B4-BE49-F238E27FC236}">
+                <a16:creationId xmlns:a16="http://schemas.microsoft.com/office/drawing/2014/main" id="{2B566528-1B12-4246-9431-5C2D7D081168}"/>
+              </a:ext>
+              <a:ext uri="{C183D7F6-B498-43B3-948B-1728B52AA6E4}">
+                <adec:decorative xmlns:adec="http://schemas.microsoft.com/office/drawing/2017/decorative" val="1"/>
+              </a:ext>
+            </a:extLst>
+          </p:cNvPr>
+          <p:cNvSpPr>
+            <a:spLocks noGrp="1" noRot="1" noChangeAspect="1" noMove="1" noResize="1" noEditPoints="1" noAdjustHandles="1" noChangeArrowheads="1" noChangeShapeType="1" noTextEdit="1"/>
+          </p:cNvSpPr>
+          <p:nvPr>
+            <p:extLst>
+              <p:ext uri="{386F3935-93C4-4BCD-93E2-E3B085C9AB24}">
+                <p16:designElem xmlns:p16="http://schemas.microsoft.com/office/powerpoint/2015/main" val="1"/>
+              </p:ext>
+            </p:extLst>
+          </p:nvPr>
+        </p:nvSpPr>
+        <p:spPr>
+          <a:xfrm>
+            <a:off x="0" y="0"/>
+            <a:ext cx="12192000" cy="6858000"/>
+          </a:xfrm>
+          <a:prstGeom prst="rect">
+            <a:avLst/>
+          </a:prstGeom>
+          <a:solidFill>
+            <a:schemeClr val="bg1"/>
+          </a:solidFill>
+          <a:ln>
+            <a:noFill/>
+          </a:ln>
+        </p:spPr>
+        <p:style>
+          <a:lnRef idx="2">
+            <a:schemeClr val="accent1">
+              <a:shade val="50000"/>
+            </a:schemeClr>
+          </a:lnRef>
+          <a:fillRef idx="1">
+            <a:schemeClr val="accent1"/>
+          </a:fillRef>
+          <a:effectRef idx="0">
+            <a:schemeClr val="accent1"/>
+          </a:effectRef>
+          <a:fontRef idx="minor">
+            <a:schemeClr val="lt1"/>
+          </a:fontRef>
+        </p:style>
+        <p:txBody>
+          <a:bodyPr rtlCol="0" anchor="ctr"/>
+          <a:lstStyle/>
+          <a:p>
+            <a:pPr algn="ctr"/>
+            <a:endParaRPr lang="en-US" dirty="0"/>
+          </a:p>
+        </p:txBody>
+      </p:sp>
+      <p:sp>
+        <p:nvSpPr>
+          <p:cNvPr id="2" name="Título 1">
+            <a:extLst>
+              <a:ext uri="{FF2B5EF4-FFF2-40B4-BE49-F238E27FC236}">
+                <a16:creationId xmlns:a16="http://schemas.microsoft.com/office/drawing/2014/main" id="{019B1078-E133-C41E-C4D9-445573074A14}"/>
+              </a:ext>
+            </a:extLst>
+          </p:cNvPr>
+          <p:cNvSpPr>
+            <a:spLocks noGrp="1"/>
+          </p:cNvSpPr>
+          <p:nvPr>
+            <p:ph type="title"/>
+          </p:nvPr>
+        </p:nvSpPr>
+        <p:spPr>
+          <a:xfrm>
+            <a:off x="643467" y="321734"/>
+            <a:ext cx="6901193" cy="1135737"/>
+          </a:xfrm>
+        </p:spPr>
+        <p:txBody>
+          <a:bodyPr>
+            <a:normAutofit/>
+          </a:bodyPr>
+          <a:lstStyle/>
+          <a:p>
+            <a:r>
+              <a:rPr lang="es-MX" sz="3600" dirty="0"/>
+              <a:t>Extracción de datos</a:t>
+            </a:r>
+          </a:p>
+        </p:txBody>
+      </p:sp>
+      <p:grpSp>
+        <p:nvGrpSpPr>
+          <p:cNvPr id="15" name="Group 14">
+            <a:extLst>
+              <a:ext uri="{FF2B5EF4-FFF2-40B4-BE49-F238E27FC236}">
+                <a16:creationId xmlns:a16="http://schemas.microsoft.com/office/drawing/2014/main" id="{912209CB-3E4C-43AE-B507-08269FAE89F5}"/>
+              </a:ext>
+              <a:ext uri="{C183D7F6-B498-43B3-948B-1728B52AA6E4}">
+                <adec:decorative xmlns:adec="http://schemas.microsoft.com/office/drawing/2017/decorative" val="1"/>
+              </a:ext>
+            </a:extLst>
+          </p:cNvPr>
+          <p:cNvGrpSpPr>
+            <a:grpSpLocks noGrp="1" noUngrp="1" noRot="1" noChangeAspect="1" noMove="1" noResize="1"/>
+          </p:cNvGrpSpPr>
+          <p:nvPr>
+            <p:extLst>
+              <p:ext uri="{386F3935-93C4-4BCD-93E2-E3B085C9AB24}">
+                <p16:designElem xmlns:p16="http://schemas.microsoft.com/office/powerpoint/2015/main" val="1"/>
+              </p:ext>
+            </p:extLst>
+          </p:nvPr>
+        </p:nvGrpSpPr>
+        <p:grpSpPr>
+          <a:xfrm>
+            <a:off x="11094720" y="0"/>
+            <a:ext cx="1097280" cy="1097280"/>
+            <a:chOff x="11094720" y="0"/>
+            <a:chExt cx="1097280" cy="1097280"/>
+          </a:xfrm>
+        </p:grpSpPr>
+        <p:sp>
+          <p:nvSpPr>
+            <p:cNvPr id="16" name="Isosceles Triangle 15">
+              <a:extLst>
+                <a:ext uri="{FF2B5EF4-FFF2-40B4-BE49-F238E27FC236}">
+                  <a16:creationId xmlns:a16="http://schemas.microsoft.com/office/drawing/2014/main" id="{A580F890-B085-4E95-96AA-55AEBEC5CE6E}"/>
+                </a:ext>
+                <a:ext uri="{C183D7F6-B498-43B3-948B-1728B52AA6E4}">
+                  <adec:decorative xmlns:adec="http://schemas.microsoft.com/office/drawing/2017/decorative" val="1"/>
+                </a:ext>
+              </a:extLst>
+            </p:cNvPr>
+            <p:cNvSpPr/>
+            <p:nvPr>
+              <p:extLst>
+                <p:ext uri="{386F3935-93C4-4BCD-93E2-E3B085C9AB24}">
+                  <p16:designElem xmlns:p16="http://schemas.microsoft.com/office/powerpoint/2015/main" val="1"/>
+                </p:ext>
+              </p:extLst>
+            </p:nvPr>
+          </p:nvSpPr>
+          <p:spPr>
+            <a:xfrm rot="16200000">
+              <a:off x="11094720" y="0"/>
+              <a:ext cx="1097280" cy="1097280"/>
+            </a:xfrm>
+            <a:prstGeom prst="triangle">
+              <a:avLst>
+                <a:gd name="adj" fmla="val 100000"/>
+              </a:avLst>
+            </a:prstGeom>
+            <a:solidFill>
+              <a:schemeClr val="accent4">
+                <a:alpha val="30000"/>
+              </a:schemeClr>
+            </a:solidFill>
+            <a:ln>
+              <a:noFill/>
+            </a:ln>
+          </p:spPr>
+          <p:style>
+            <a:lnRef idx="2">
+              <a:schemeClr val="accent1">
+                <a:shade val="50000"/>
+              </a:schemeClr>
+            </a:lnRef>
+            <a:fillRef idx="1">
+              <a:schemeClr val="accent1"/>
+            </a:fillRef>
+            <a:effectRef idx="0">
+              <a:schemeClr val="accent1"/>
+            </a:effectRef>
+            <a:fontRef idx="minor">
+              <a:schemeClr val="lt1"/>
+            </a:fontRef>
+          </p:style>
+          <p:txBody>
+            <a:bodyPr rtlCol="0" anchor="ctr"/>
+            <a:lstStyle/>
+            <a:p>
+              <a:pPr algn="ctr"/>
+              <a:endParaRPr lang="en-US" dirty="0"/>
+            </a:p>
+          </p:txBody>
+        </p:sp>
+        <p:sp>
+          <p:nvSpPr>
+            <p:cNvPr id="17" name="Rectangle 16">
+              <a:extLst>
+                <a:ext uri="{FF2B5EF4-FFF2-40B4-BE49-F238E27FC236}">
+                  <a16:creationId xmlns:a16="http://schemas.microsoft.com/office/drawing/2014/main" id="{7BCB7912-FEA6-4C89-8E9B-D95EF15647EA}"/>
+                </a:ext>
+                <a:ext uri="{C183D7F6-B498-43B3-948B-1728B52AA6E4}">
+                  <adec:decorative xmlns:adec="http://schemas.microsoft.com/office/drawing/2017/decorative" val="1"/>
+                </a:ext>
+              </a:extLst>
+            </p:cNvPr>
+            <p:cNvSpPr/>
+            <p:nvPr>
+              <p:extLst>
+                <p:ext uri="{386F3935-93C4-4BCD-93E2-E3B085C9AB24}">
+                  <p16:designElem xmlns:p16="http://schemas.microsoft.com/office/powerpoint/2015/main" val="1"/>
+                </p:ext>
+              </p:extLst>
+            </p:nvPr>
+          </p:nvSpPr>
+          <p:spPr>
+            <a:xfrm rot="2700000">
+              <a:off x="11189552" y="127618"/>
+              <a:ext cx="457894" cy="457894"/>
+            </a:xfrm>
+            <a:prstGeom prst="rect">
+              <a:avLst/>
+            </a:prstGeom>
+            <a:solidFill>
+              <a:schemeClr val="accent4">
+                <a:alpha val="30000"/>
+              </a:schemeClr>
+            </a:solidFill>
+            <a:ln>
+              <a:noFill/>
+            </a:ln>
+          </p:spPr>
+          <p:style>
+            <a:lnRef idx="2">
+              <a:schemeClr val="accent1">
+                <a:shade val="50000"/>
+              </a:schemeClr>
+            </a:lnRef>
+            <a:fillRef idx="1">
+              <a:schemeClr val="accent1"/>
+            </a:fillRef>
+            <a:effectRef idx="0">
+              <a:schemeClr val="accent1"/>
+            </a:effectRef>
+            <a:fontRef idx="minor">
+              <a:schemeClr val="lt1"/>
+            </a:fontRef>
+          </p:style>
+          <p:txBody>
+            <a:bodyPr rtlCol="0" anchor="ctr"/>
+            <a:lstStyle/>
+            <a:p>
+              <a:pPr algn="ctr"/>
+              <a:endParaRPr lang="en-US"/>
+            </a:p>
+          </p:txBody>
+        </p:sp>
+      </p:grpSp>
+      <p:sp>
+        <p:nvSpPr>
+          <p:cNvPr id="3" name="Marcador de contenido 2">
+            <a:extLst>
+              <a:ext uri="{FF2B5EF4-FFF2-40B4-BE49-F238E27FC236}">
+                <a16:creationId xmlns:a16="http://schemas.microsoft.com/office/drawing/2014/main" id="{80D6E1F1-C8D9-AA88-25F1-220057C65CFA}"/>
+              </a:ext>
+            </a:extLst>
+          </p:cNvPr>
+          <p:cNvSpPr>
+            <a:spLocks noGrp="1"/>
+          </p:cNvSpPr>
+          <p:nvPr>
+            <p:ph idx="1"/>
+          </p:nvPr>
+        </p:nvSpPr>
+        <p:spPr>
+          <a:xfrm>
+            <a:off x="643468" y="1530183"/>
+            <a:ext cx="5174826" cy="770566"/>
+          </a:xfrm>
+        </p:spPr>
+        <p:txBody>
+          <a:bodyPr>
+            <a:normAutofit/>
+          </a:bodyPr>
+          <a:lstStyle/>
+          <a:p>
+            <a:r>
+              <a:rPr lang="es-MX" sz="2000" dirty="0"/>
+              <a:t>Se creó un </a:t>
+            </a:r>
+            <a:r>
+              <a:rPr lang="es-MX" sz="2000" dirty="0" err="1"/>
+              <a:t>bot</a:t>
+            </a:r>
+            <a:r>
+              <a:rPr lang="es-MX" sz="2000" dirty="0"/>
+              <a:t> en Python para automatizar la extracción de los datos</a:t>
+            </a:r>
+          </a:p>
+        </p:txBody>
+      </p:sp>
+      <p:pic>
+        <p:nvPicPr>
+          <p:cNvPr id="8" name="Imagen 7">
+            <a:extLst>
+              <a:ext uri="{FF2B5EF4-FFF2-40B4-BE49-F238E27FC236}">
+                <a16:creationId xmlns:a16="http://schemas.microsoft.com/office/drawing/2014/main" id="{B8D72466-A7AC-BD74-65F9-E4944720EB9C}"/>
+              </a:ext>
+            </a:extLst>
+          </p:cNvPr>
+          <p:cNvPicPr>
+            <a:picLocks noChangeAspect="1"/>
+          </p:cNvPicPr>
+          <p:nvPr/>
+        </p:nvPicPr>
+        <p:blipFill>
+          <a:blip r:embed="rId2"/>
+          <a:stretch>
+            <a:fillRect/>
+          </a:stretch>
+        </p:blipFill>
+        <p:spPr>
+          <a:xfrm>
+            <a:off x="6254915" y="548639"/>
+            <a:ext cx="4965124" cy="5642187"/>
+          </a:xfrm>
+          <a:prstGeom prst="rect">
+            <a:avLst/>
+          </a:prstGeom>
+        </p:spPr>
+      </p:pic>
+      <p:sp>
+        <p:nvSpPr>
+          <p:cNvPr id="19" name="Isosceles Triangle 18">
+            <a:extLst>
+              <a:ext uri="{FF2B5EF4-FFF2-40B4-BE49-F238E27FC236}">
+                <a16:creationId xmlns:a16="http://schemas.microsoft.com/office/drawing/2014/main" id="{D3F51FEB-38FB-4F6C-9F7B-2F2AFAB65463}"/>
+              </a:ext>
+              <a:ext uri="{C183D7F6-B498-43B3-948B-1728B52AA6E4}">
+                <adec:decorative xmlns:adec="http://schemas.microsoft.com/office/drawing/2017/decorative" val="1"/>
+              </a:ext>
+            </a:extLst>
+          </p:cNvPr>
+          <p:cNvSpPr>
+            <a:spLocks noGrp="1" noRot="1" noChangeAspect="1" noMove="1" noResize="1" noEditPoints="1" noAdjustHandles="1" noChangeArrowheads="1" noChangeShapeType="1" noTextEdit="1"/>
+          </p:cNvSpPr>
+          <p:nvPr>
+            <p:extLst>
+              <p:ext uri="{386F3935-93C4-4BCD-93E2-E3B085C9AB24}">
+                <p16:designElem xmlns:p16="http://schemas.microsoft.com/office/powerpoint/2015/main" val="1"/>
+              </p:ext>
+            </p:extLst>
+          </p:nvPr>
+        </p:nvSpPr>
+        <p:spPr>
+          <a:xfrm rot="5400000">
+            <a:off x="-501760" y="5103257"/>
+            <a:ext cx="2017580" cy="1014060"/>
+          </a:xfrm>
+          <a:prstGeom prst="triangle">
+            <a:avLst>
+              <a:gd name="adj" fmla="val 50000"/>
+            </a:avLst>
+          </a:prstGeom>
+          <a:solidFill>
+            <a:schemeClr val="accent1">
+              <a:alpha val="30000"/>
+            </a:schemeClr>
+          </a:solidFill>
+          <a:ln>
+            <a:noFill/>
+          </a:ln>
+        </p:spPr>
+        <p:style>
+          <a:lnRef idx="2">
+            <a:schemeClr val="accent1">
+              <a:shade val="50000"/>
+            </a:schemeClr>
+          </a:lnRef>
+          <a:fillRef idx="1">
+            <a:schemeClr val="accent1"/>
+          </a:fillRef>
+          <a:effectRef idx="0">
+            <a:schemeClr val="accent1"/>
+          </a:effectRef>
+          <a:fontRef idx="minor">
+            <a:schemeClr val="lt1"/>
+          </a:fontRef>
+        </p:style>
+        <p:txBody>
+          <a:bodyPr rtlCol="0" anchor="ctr"/>
+          <a:lstStyle/>
+          <a:p>
+            <a:pPr algn="ctr"/>
+            <a:endParaRPr lang="en-US"/>
+          </a:p>
+        </p:txBody>
+      </p:sp>
+      <p:sp>
+        <p:nvSpPr>
+          <p:cNvPr id="21" name="Rectangle 20">
+            <a:extLst>
+              <a:ext uri="{FF2B5EF4-FFF2-40B4-BE49-F238E27FC236}">
+                <a16:creationId xmlns:a16="http://schemas.microsoft.com/office/drawing/2014/main" id="{1E547BA6-BAE0-43BB-A7CA-60F69CE252F0}"/>
+              </a:ext>
+              <a:ext uri="{C183D7F6-B498-43B3-948B-1728B52AA6E4}">
+                <adec:decorative xmlns:adec="http://schemas.microsoft.com/office/drawing/2017/decorative" val="1"/>
+              </a:ext>
+            </a:extLst>
+          </p:cNvPr>
+          <p:cNvSpPr>
+            <a:spLocks noGrp="1" noRot="1" noChangeAspect="1" noMove="1" noResize="1" noEditPoints="1" noAdjustHandles="1" noChangeArrowheads="1" noChangeShapeType="1" noTextEdit="1"/>
+          </p:cNvSpPr>
+          <p:nvPr>
+            <p:extLst>
+              <p:ext uri="{386F3935-93C4-4BCD-93E2-E3B085C9AB24}">
+                <p16:designElem xmlns:p16="http://schemas.microsoft.com/office/powerpoint/2015/main" val="1"/>
+              </p:ext>
+            </p:extLst>
+          </p:nvPr>
+        </p:nvSpPr>
+        <p:spPr>
+          <a:xfrm rot="2700000">
+            <a:off x="427916" y="5728708"/>
+            <a:ext cx="485578" cy="485578"/>
+          </a:xfrm>
+          <a:prstGeom prst="rect">
+            <a:avLst/>
+          </a:prstGeom>
+          <a:solidFill>
+            <a:schemeClr val="accent1">
+              <a:alpha val="30000"/>
+            </a:schemeClr>
+          </a:solidFill>
+          <a:ln>
+            <a:noFill/>
+          </a:ln>
+        </p:spPr>
+        <p:style>
+          <a:lnRef idx="2">
+            <a:schemeClr val="accent1">
+              <a:shade val="50000"/>
+            </a:schemeClr>
+          </a:lnRef>
+          <a:fillRef idx="1">
+            <a:schemeClr val="accent1"/>
+          </a:fillRef>
+          <a:effectRef idx="0">
+            <a:schemeClr val="accent1"/>
+          </a:effectRef>
+          <a:fontRef idx="minor">
+            <a:schemeClr val="lt1"/>
+          </a:fontRef>
+        </p:style>
+        <p:txBody>
+          <a:bodyPr rtlCol="0" anchor="ctr"/>
+          <a:lstStyle/>
+          <a:p>
+            <a:pPr algn="ctr"/>
+            <a:endParaRPr lang="en-US"/>
+          </a:p>
+        </p:txBody>
+      </p:sp>
+      <p:pic>
+        <p:nvPicPr>
+          <p:cNvPr id="5" name="Imagen 4">
+            <a:extLst>
+              <a:ext uri="{FF2B5EF4-FFF2-40B4-BE49-F238E27FC236}">
+                <a16:creationId xmlns:a16="http://schemas.microsoft.com/office/drawing/2014/main" id="{CDE49272-5C2D-3D14-5C19-3B000EE87C8E}"/>
+              </a:ext>
+            </a:extLst>
+          </p:cNvPr>
+          <p:cNvPicPr>
+            <a:picLocks noChangeAspect="1"/>
+          </p:cNvPicPr>
+          <p:nvPr/>
+        </p:nvPicPr>
+        <p:blipFill>
+          <a:blip r:embed="rId3"/>
+          <a:stretch>
+            <a:fillRect/>
+          </a:stretch>
+        </p:blipFill>
+        <p:spPr>
+          <a:xfrm>
+            <a:off x="507030" y="2300749"/>
+            <a:ext cx="5507690" cy="4048152"/>
+          </a:xfrm>
+          <a:prstGeom prst="rect">
+            <a:avLst/>
+          </a:prstGeom>
+        </p:spPr>
+      </p:pic>
+    </p:spTree>
+    <p:extLst>
+      <p:ext uri="{BB962C8B-B14F-4D97-AF65-F5344CB8AC3E}">
+        <p14:creationId xmlns:p14="http://schemas.microsoft.com/office/powerpoint/2010/main" val="4180985549"/>
+      </p:ext>
+    </p:extLst>
+  </p:cSld>
+  <p:clrMapOvr>
+    <a:masterClrMapping/>
+  </p:clrMapOvr>
+</p:sld>
+</file>
+
+<file path=ppt/slides/slide9.xml><?xml version="1.0" encoding="utf-8"?>
 <p:sld xmlns:a="http://schemas.openxmlformats.org/drawingml/2006/main" xmlns:r="http://schemas.openxmlformats.org/officeDocument/2006/relationships" xmlns:p="http://schemas.openxmlformats.org/presentationml/2006/main">
   <p:cSld>
     <p:spTree>
@@ -6037,11 +13195,13 @@
         </p:nvSpPr>
         <p:spPr/>
         <p:txBody>
-          <a:bodyPr/>
+          <a:bodyPr>
+            <a:normAutofit/>
+          </a:bodyPr>
           <a:lstStyle/>
           <a:p>
             <a:r>
-              <a:rPr lang="es-MX" dirty="0"/>
+              <a:rPr lang="es-MX" sz="3600" dirty="0"/>
               <a:t>17 Divisiones tarifarias CFE (oficiales)</a:t>
             </a:r>
           </a:p>
@@ -6377,548 +13537,6 @@
     <p:extLst>
       <p:ext uri="{BB962C8B-B14F-4D97-AF65-F5344CB8AC3E}">
         <p14:creationId xmlns:p14="http://schemas.microsoft.com/office/powerpoint/2010/main" val="3553387168"/>
-      </p:ext>
-    </p:extLst>
-  </p:cSld>
-  <p:clrMapOvr>
-    <a:masterClrMapping/>
-  </p:clrMapOvr>
-</p:sld>
-</file>
-
-<file path=ppt/slides/slide8.xml><?xml version="1.0" encoding="utf-8"?>
-<p:sld xmlns:a="http://schemas.openxmlformats.org/drawingml/2006/main" xmlns:r="http://schemas.openxmlformats.org/officeDocument/2006/relationships" xmlns:p="http://schemas.openxmlformats.org/presentationml/2006/main">
-  <p:cSld>
-    <p:spTree>
-      <p:nvGrpSpPr>
-        <p:cNvPr id="1" name=""/>
-        <p:cNvGrpSpPr/>
-        <p:nvPr/>
-      </p:nvGrpSpPr>
-      <p:grpSpPr>
-        <a:xfrm>
-          <a:off x="0" y="0"/>
-          <a:ext cx="0" cy="0"/>
-          <a:chOff x="0" y="0"/>
-          <a:chExt cx="0" cy="0"/>
-        </a:xfrm>
-      </p:grpSpPr>
-      <p:sp>
-        <p:nvSpPr>
-          <p:cNvPr id="2" name="Título 1">
-            <a:extLst>
-              <a:ext uri="{FF2B5EF4-FFF2-40B4-BE49-F238E27FC236}">
-                <a16:creationId xmlns:a16="http://schemas.microsoft.com/office/drawing/2014/main" id="{FC206C1C-1441-41DF-F1EC-0E186656C380}"/>
-              </a:ext>
-            </a:extLst>
-          </p:cNvPr>
-          <p:cNvSpPr>
-            <a:spLocks noGrp="1"/>
-          </p:cNvSpPr>
-          <p:nvPr>
-            <p:ph type="title"/>
-          </p:nvPr>
-        </p:nvSpPr>
-        <p:spPr/>
-        <p:txBody>
-          <a:bodyPr/>
-          <a:lstStyle/>
-          <a:p>
-            <a:r>
-              <a:rPr lang="es-MX" dirty="0"/>
-              <a:t>17 Divisiones tarifarias CFE (oficiales)</a:t>
-            </a:r>
-          </a:p>
-        </p:txBody>
-      </p:sp>
-      <p:pic>
-        <p:nvPicPr>
-          <p:cNvPr id="1026" name="Picture 2">
-            <a:extLst>
-              <a:ext uri="{FF2B5EF4-FFF2-40B4-BE49-F238E27FC236}">
-                <a16:creationId xmlns:a16="http://schemas.microsoft.com/office/drawing/2014/main" id="{97604844-1427-7E4B-F873-1AB4C0093805}"/>
-              </a:ext>
-            </a:extLst>
-          </p:cNvPr>
-          <p:cNvPicPr>
-            <a:picLocks noGrp="1" noChangeAspect="1" noChangeArrowheads="1"/>
-          </p:cNvPicPr>
-          <p:nvPr>
-            <p:ph idx="1"/>
-          </p:nvPr>
-        </p:nvPicPr>
-        <p:blipFill>
-          <a:blip r:embed="rId2">
-            <a:extLst>
-              <a:ext uri="{28A0092B-C50C-407E-A947-70E740481C1C}">
-                <a14:useLocalDpi xmlns:a14="http://schemas.microsoft.com/office/drawing/2010/main" val="0"/>
-              </a:ext>
-            </a:extLst>
-          </a:blip>
-          <a:srcRect/>
-          <a:stretch>
-            <a:fillRect/>
-          </a:stretch>
-        </p:blipFill>
-        <p:spPr bwMode="auto">
-          <a:xfrm>
-            <a:off x="286082" y="2220555"/>
-            <a:ext cx="5495925" cy="3743325"/>
-          </a:xfrm>
-          <a:prstGeom prst="rect">
-            <a:avLst/>
-          </a:prstGeom>
-          <a:noFill/>
-          <a:extLst>
-            <a:ext uri="{909E8E84-426E-40DD-AFC4-6F175D3DCCD1}">
-              <a14:hiddenFill xmlns:a14="http://schemas.microsoft.com/office/drawing/2010/main">
-                <a:solidFill>
-                  <a:srgbClr val="FFFFFF"/>
-                </a:solidFill>
-              </a14:hiddenFill>
-            </a:ext>
-          </a:extLst>
-        </p:spPr>
-      </p:pic>
-      <p:sp>
-        <p:nvSpPr>
-          <p:cNvPr id="4" name="CuadroTexto 3">
-            <a:extLst>
-              <a:ext uri="{FF2B5EF4-FFF2-40B4-BE49-F238E27FC236}">
-                <a16:creationId xmlns:a16="http://schemas.microsoft.com/office/drawing/2014/main" id="{5C87D09B-71A2-3C4C-D65C-890482376FEF}"/>
-              </a:ext>
-            </a:extLst>
-          </p:cNvPr>
-          <p:cNvSpPr txBox="1"/>
-          <p:nvPr/>
-        </p:nvSpPr>
-        <p:spPr>
-          <a:xfrm>
-            <a:off x="6096000" y="1691561"/>
-            <a:ext cx="5633672" cy="4801314"/>
-          </a:xfrm>
-          <a:prstGeom prst="rect">
-            <a:avLst/>
-          </a:prstGeom>
-          <a:noFill/>
-        </p:spPr>
-        <p:txBody>
-          <a:bodyPr wrap="square" rtlCol="0">
-            <a:spAutoFit/>
-          </a:bodyPr>
-          <a:lstStyle/>
-          <a:p>
-            <a:r>
-              <a:rPr lang="es-MX" dirty="0"/>
-              <a:t>Los datos extraídos de </a:t>
-            </a:r>
-            <a:r>
-              <a:rPr lang="es-MX" b="1" i="1" dirty="0"/>
-              <a:t>“Gran demanda en media tensión</a:t>
-            </a:r>
-          </a:p>
-          <a:p>
-            <a:r>
-              <a:rPr lang="es-MX" b="1" i="1" dirty="0"/>
-              <a:t>Horaria” </a:t>
-            </a:r>
-            <a:r>
-              <a:rPr lang="es-MX" dirty="0"/>
-              <a:t>(GDMTH) se encontraron 30 regiones únicas</a:t>
-            </a:r>
-            <a:r>
-              <a:rPr lang="es-MX" b="1" i="1" dirty="0"/>
-              <a:t>:</a:t>
-            </a:r>
-          </a:p>
-          <a:p>
-            <a:pPr marL="342900" indent="-342900">
-              <a:buFont typeface="+mj-lt"/>
-              <a:buAutoNum type="arabicPeriod" startAt="16"/>
-            </a:pPr>
-            <a:r>
-              <a:rPr lang="es-MX" dirty="0"/>
-              <a:t>Golfo Norte y Norte</a:t>
-            </a:r>
-          </a:p>
-          <a:p>
-            <a:pPr marL="342900" indent="-342900">
-              <a:buFont typeface="+mj-lt"/>
-              <a:buAutoNum type="arabicPeriod" startAt="16"/>
-            </a:pPr>
-            <a:r>
-              <a:rPr lang="es-MX" dirty="0">
-                <a:highlight>
-                  <a:srgbClr val="008080"/>
-                </a:highlight>
-              </a:rPr>
-              <a:t>Jalisco</a:t>
-            </a:r>
-          </a:p>
-          <a:p>
-            <a:pPr marL="342900" indent="-342900">
-              <a:buFont typeface="+mj-lt"/>
-              <a:buAutoNum type="arabicPeriod" startAt="16"/>
-            </a:pPr>
-            <a:r>
-              <a:rPr lang="es-MX" dirty="0">
-                <a:highlight>
-                  <a:srgbClr val="008080"/>
-                </a:highlight>
-              </a:rPr>
-              <a:t>Noroeste</a:t>
-            </a:r>
-          </a:p>
-          <a:p>
-            <a:pPr marL="342900" indent="-342900">
-              <a:buFont typeface="+mj-lt"/>
-              <a:buAutoNum type="arabicPeriod" startAt="16"/>
-            </a:pPr>
-            <a:r>
-              <a:rPr lang="es-MX" dirty="0"/>
-              <a:t>Noroeste y Norte</a:t>
-            </a:r>
-          </a:p>
-          <a:p>
-            <a:pPr marL="342900" indent="-342900">
-              <a:buFont typeface="+mj-lt"/>
-              <a:buAutoNum type="arabicPeriod" startAt="16"/>
-            </a:pPr>
-            <a:r>
-              <a:rPr lang="es-MX" dirty="0">
-                <a:highlight>
-                  <a:srgbClr val="008080"/>
-                </a:highlight>
-              </a:rPr>
-              <a:t>Norte</a:t>
-            </a:r>
-          </a:p>
-          <a:p>
-            <a:pPr marL="342900" indent="-342900">
-              <a:buFont typeface="+mj-lt"/>
-              <a:buAutoNum type="arabicPeriod" startAt="16"/>
-            </a:pPr>
-            <a:r>
-              <a:rPr lang="es-MX" dirty="0">
-                <a:highlight>
-                  <a:srgbClr val="008080"/>
-                </a:highlight>
-              </a:rPr>
-              <a:t>Oriente</a:t>
-            </a:r>
-          </a:p>
-          <a:p>
-            <a:pPr marL="342900" indent="-342900">
-              <a:buFont typeface="+mj-lt"/>
-              <a:buAutoNum type="arabicPeriod" startAt="16"/>
-            </a:pPr>
-            <a:r>
-              <a:rPr lang="es-MX" dirty="0">
-                <a:highlight>
-                  <a:srgbClr val="008080"/>
-                </a:highlight>
-              </a:rPr>
-              <a:t>Peninsular</a:t>
-            </a:r>
-          </a:p>
-          <a:p>
-            <a:pPr marL="342900" indent="-342900">
-              <a:buFont typeface="+mj-lt"/>
-              <a:buAutoNum type="arabicPeriod" startAt="16"/>
-            </a:pPr>
-            <a:r>
-              <a:rPr lang="es-MX" dirty="0">
-                <a:highlight>
-                  <a:srgbClr val="008080"/>
-                </a:highlight>
-              </a:rPr>
-              <a:t>Sureste</a:t>
-            </a:r>
-          </a:p>
-          <a:p>
-            <a:pPr marL="342900" indent="-342900">
-              <a:buFont typeface="+mj-lt"/>
-              <a:buAutoNum type="arabicPeriod" startAt="16"/>
-            </a:pPr>
-            <a:r>
-              <a:rPr lang="es-MX" dirty="0">
-                <a:highlight>
-                  <a:srgbClr val="008080"/>
-                </a:highlight>
-              </a:rPr>
-              <a:t>Valle de México Centro</a:t>
-            </a:r>
-          </a:p>
-          <a:p>
-            <a:pPr marL="342900" indent="-342900">
-              <a:buFont typeface="+mj-lt"/>
-              <a:buAutoNum type="arabicPeriod" startAt="16"/>
-            </a:pPr>
-            <a:r>
-              <a:rPr lang="es-MX" dirty="0"/>
-              <a:t>Valle de México Centro y Sur</a:t>
-            </a:r>
-          </a:p>
-          <a:p>
-            <a:pPr marL="342900" indent="-342900">
-              <a:buFont typeface="+mj-lt"/>
-              <a:buAutoNum type="arabicPeriod" startAt="16"/>
-            </a:pPr>
-            <a:r>
-              <a:rPr lang="es-MX" dirty="0">
-                <a:highlight>
-                  <a:srgbClr val="008080"/>
-                </a:highlight>
-              </a:rPr>
-              <a:t>Valle de México Norte</a:t>
-            </a:r>
-          </a:p>
-          <a:p>
-            <a:pPr marL="342900" indent="-342900">
-              <a:buFont typeface="+mj-lt"/>
-              <a:buAutoNum type="arabicPeriod" startAt="16"/>
-            </a:pPr>
-            <a:r>
-              <a:rPr lang="es-MX" dirty="0"/>
-              <a:t>Valle de México Norte y Centro</a:t>
-            </a:r>
-          </a:p>
-          <a:p>
-            <a:pPr marL="342900" indent="-342900">
-              <a:buFont typeface="+mj-lt"/>
-              <a:buAutoNum type="arabicPeriod" startAt="16"/>
-            </a:pPr>
-            <a:r>
-              <a:rPr lang="es-MX" dirty="0"/>
-              <a:t>Valle de México Norte Centro y Sur</a:t>
-            </a:r>
-          </a:p>
-          <a:p>
-            <a:pPr marL="342900" indent="-342900">
-              <a:buFont typeface="+mj-lt"/>
-              <a:buAutoNum type="arabicPeriod" startAt="16"/>
-            </a:pPr>
-            <a:r>
-              <a:rPr lang="es-MX" dirty="0">
-                <a:highlight>
-                  <a:srgbClr val="008080"/>
-                </a:highlight>
-              </a:rPr>
-              <a:t>Valle de México Sur</a:t>
-            </a:r>
-          </a:p>
-          <a:p>
-            <a:pPr marL="342900" indent="-342900">
-              <a:buFont typeface="+mj-lt"/>
-              <a:buAutoNum type="arabicPeriod" startAt="16"/>
-            </a:pPr>
-            <a:r>
-              <a:rPr lang="es-MX" dirty="0"/>
-              <a:t>Valle de México Sur y Centro Oriente</a:t>
-            </a:r>
-          </a:p>
-        </p:txBody>
-      </p:sp>
-      <p:sp>
-        <p:nvSpPr>
-          <p:cNvPr id="3" name="CuadroTexto 2">
-            <a:extLst>
-              <a:ext uri="{FF2B5EF4-FFF2-40B4-BE49-F238E27FC236}">
-                <a16:creationId xmlns:a16="http://schemas.microsoft.com/office/drawing/2014/main" id="{64805C0A-33B3-5E64-0755-223D80EAD2F5}"/>
-              </a:ext>
-            </a:extLst>
-          </p:cNvPr>
-          <p:cNvSpPr txBox="1"/>
-          <p:nvPr/>
-        </p:nvSpPr>
-        <p:spPr>
-          <a:xfrm>
-            <a:off x="0" y="6604084"/>
-            <a:ext cx="2603598" cy="253916"/>
-          </a:xfrm>
-          <a:prstGeom prst="rect">
-            <a:avLst/>
-          </a:prstGeom>
-          <a:noFill/>
-        </p:spPr>
-        <p:txBody>
-          <a:bodyPr wrap="none" rtlCol="0">
-            <a:spAutoFit/>
-          </a:bodyPr>
-          <a:lstStyle/>
-          <a:p>
-            <a:r>
-              <a:rPr lang="es-MX" sz="1050" dirty="0"/>
-              <a:t>Fuente: </a:t>
-            </a:r>
-            <a:r>
-              <a:rPr lang="es-MX" sz="1050" dirty="0">
-                <a:hlinkClick r:id="rId3"/>
-              </a:rPr>
-              <a:t>DOF - Diario Oficial de la Federación</a:t>
-            </a:r>
-            <a:endParaRPr lang="es-MX" sz="1050" dirty="0"/>
-          </a:p>
-        </p:txBody>
-      </p:sp>
-    </p:spTree>
-    <p:extLst>
-      <p:ext uri="{BB962C8B-B14F-4D97-AF65-F5344CB8AC3E}">
-        <p14:creationId xmlns:p14="http://schemas.microsoft.com/office/powerpoint/2010/main" val="2311835591"/>
-      </p:ext>
-    </p:extLst>
-  </p:cSld>
-  <p:clrMapOvr>
-    <a:masterClrMapping/>
-  </p:clrMapOvr>
-</p:sld>
-</file>
-
-<file path=ppt/slides/slide9.xml><?xml version="1.0" encoding="utf-8"?>
-<p:sld xmlns:a="http://schemas.openxmlformats.org/drawingml/2006/main" xmlns:r="http://schemas.openxmlformats.org/officeDocument/2006/relationships" xmlns:p="http://schemas.openxmlformats.org/presentationml/2006/main">
-  <p:cSld>
-    <p:spTree>
-      <p:nvGrpSpPr>
-        <p:cNvPr id="1" name=""/>
-        <p:cNvGrpSpPr/>
-        <p:nvPr/>
-      </p:nvGrpSpPr>
-      <p:grpSpPr>
-        <a:xfrm>
-          <a:off x="0" y="0"/>
-          <a:ext cx="0" cy="0"/>
-          <a:chOff x="0" y="0"/>
-          <a:chExt cx="0" cy="0"/>
-        </a:xfrm>
-      </p:grpSpPr>
-      <p:sp>
-        <p:nvSpPr>
-          <p:cNvPr id="2" name="Título 1">
-            <a:extLst>
-              <a:ext uri="{FF2B5EF4-FFF2-40B4-BE49-F238E27FC236}">
-                <a16:creationId xmlns:a16="http://schemas.microsoft.com/office/drawing/2014/main" id="{FC206C1C-1441-41DF-F1EC-0E186656C380}"/>
-              </a:ext>
-            </a:extLst>
-          </p:cNvPr>
-          <p:cNvSpPr>
-            <a:spLocks noGrp="1"/>
-          </p:cNvSpPr>
-          <p:nvPr>
-            <p:ph type="title"/>
-          </p:nvPr>
-        </p:nvSpPr>
-        <p:spPr/>
-        <p:txBody>
-          <a:bodyPr/>
-          <a:lstStyle/>
-          <a:p>
-            <a:r>
-              <a:rPr lang="es-MX" dirty="0"/>
-              <a:t>17 Divisiones tarifarias CFE (oficiales)</a:t>
-            </a:r>
-          </a:p>
-        </p:txBody>
-      </p:sp>
-      <p:sp>
-        <p:nvSpPr>
-          <p:cNvPr id="3" name="CuadroTexto 2">
-            <a:extLst>
-              <a:ext uri="{FF2B5EF4-FFF2-40B4-BE49-F238E27FC236}">
-                <a16:creationId xmlns:a16="http://schemas.microsoft.com/office/drawing/2014/main" id="{64805C0A-33B3-5E64-0755-223D80EAD2F5}"/>
-              </a:ext>
-            </a:extLst>
-          </p:cNvPr>
-          <p:cNvSpPr txBox="1"/>
-          <p:nvPr/>
-        </p:nvSpPr>
-        <p:spPr>
-          <a:xfrm>
-            <a:off x="0" y="6604084"/>
-            <a:ext cx="2603598" cy="253916"/>
-          </a:xfrm>
-          <a:prstGeom prst="rect">
-            <a:avLst/>
-          </a:prstGeom>
-          <a:noFill/>
-        </p:spPr>
-        <p:txBody>
-          <a:bodyPr wrap="none" rtlCol="0">
-            <a:spAutoFit/>
-          </a:bodyPr>
-          <a:lstStyle/>
-          <a:p>
-            <a:r>
-              <a:rPr lang="es-MX" sz="1050" dirty="0"/>
-              <a:t>Fuente: </a:t>
-            </a:r>
-            <a:r>
-              <a:rPr lang="es-MX" sz="1050" dirty="0">
-                <a:hlinkClick r:id="rId2"/>
-              </a:rPr>
-              <a:t>DOF - Diario Oficial de la Federación</a:t>
-            </a:r>
-            <a:endParaRPr lang="es-MX" sz="1050" dirty="0"/>
-          </a:p>
-        </p:txBody>
-      </p:sp>
-      <p:sp>
-        <p:nvSpPr>
-          <p:cNvPr id="6" name="Marcador de contenido 5">
-            <a:extLst>
-              <a:ext uri="{FF2B5EF4-FFF2-40B4-BE49-F238E27FC236}">
-                <a16:creationId xmlns:a16="http://schemas.microsoft.com/office/drawing/2014/main" id="{A3B66627-54FF-1E85-78DF-DF2DC79F1B87}"/>
-              </a:ext>
-            </a:extLst>
-          </p:cNvPr>
-          <p:cNvSpPr>
-            <a:spLocks noGrp="1"/>
-          </p:cNvSpPr>
-          <p:nvPr>
-            <p:ph idx="1"/>
-          </p:nvPr>
-        </p:nvSpPr>
-        <p:spPr/>
-        <p:txBody>
-          <a:bodyPr/>
-          <a:lstStyle/>
-          <a:p>
-            <a:pPr marL="0" indent="0">
-              <a:buNone/>
-            </a:pPr>
-            <a:r>
-              <a:rPr lang="es-MX" dirty="0"/>
-              <a:t>De acuerdo con ajuste de las tarifas finales por la comisión reguladora de energía publicado en el DOF en el acuerdo número </a:t>
-            </a:r>
-            <a:r>
-              <a:rPr lang="es-MX" b="1" i="1" dirty="0"/>
-              <a:t>A/064/2018 </a:t>
-            </a:r>
-            <a:r>
-              <a:rPr lang="es-MX" dirty="0"/>
-              <a:t>Las tarifas aplicables del suministro de energía se aplican de acuerdo a las regiones tarifarias oficiales (17) así como otras variables como categorías, cargos de generación, entre otros.</a:t>
-            </a:r>
-          </a:p>
-          <a:p>
-            <a:pPr marL="0" indent="0">
-              <a:buNone/>
-            </a:pPr>
-            <a:endParaRPr lang="es-MX" b="1" i="1" dirty="0"/>
-          </a:p>
-          <a:p>
-            <a:pPr marL="0" indent="0">
-              <a:buNone/>
-            </a:pPr>
-            <a:r>
-              <a:rPr lang="es-MX" dirty="0"/>
-              <a:t>Es decir, para un año, mes y división dada, la tarifa será la misma para aquellos estados en dicha división.</a:t>
-            </a:r>
-          </a:p>
-        </p:txBody>
-      </p:sp>
-    </p:spTree>
-    <p:extLst>
-      <p:ext uri="{BB962C8B-B14F-4D97-AF65-F5344CB8AC3E}">
-        <p14:creationId xmlns:p14="http://schemas.microsoft.com/office/powerpoint/2010/main" val="3891984302"/>
       </p:ext>
     </p:extLst>
   </p:cSld>
